--- a/docs/articles/pipe_example.pptx
+++ b/docs/articles/pipe_example.pptx
@@ -1,11 +1,11 @@
 
 <file path=ppt/presentation.xml><?xml version="1.0" encoding="utf-8"?>
-<p:presentation xmlns:p="http://schemas.openxmlformats.org/presentationml/2006/main" xmlns:a="http://schemas.openxmlformats.org/drawingml/2006/main" xmlns:r="http://schemas.openxmlformats.org/officeDocument/2006/relationships" xmlns:mc="http://schemas.openxmlformats.org/markup-compatibility/2006" xmlns:c="http://schemas.openxmlformats.org/drawingml/2006/chart" xmlns:ns6="http://schemas.openxmlformats.org/drawingml/2006/chartDrawing" xmlns:dgm="http://schemas.openxmlformats.org/drawingml/2006/diagram" xmlns:pic="http://schemas.openxmlformats.org/drawingml/2006/picture" xmlns:wp="http://schemas.openxmlformats.org/drawingml/2006/wordprocessingDrawing" xmlns:xdr="http://schemas.openxmlformats.org/drawingml/2006/spreadsheetDrawing" xmlns:ns11="http://schemas.openxmlformats.org/drawingml/2006/compatibility" xmlns:ns12="http://schemas.openxmlformats.org/drawingml/2006/lockedCanvas" saveSubsetFonts="true">
+<p:presentation xmlns:p="http://schemas.openxmlformats.org/presentationml/2006/main" xmlns:r="http://schemas.openxmlformats.org/officeDocument/2006/relationships" xmlns:a="http://schemas.openxmlformats.org/drawingml/2006/main" xmlns:mc="http://schemas.openxmlformats.org/markup-compatibility/2006" xmlns:c="http://schemas.openxmlformats.org/drawingml/2006/chart" xmlns:ns6="http://schemas.openxmlformats.org/drawingml/2006/chartDrawing" xmlns:dgm="http://schemas.openxmlformats.org/drawingml/2006/diagram" xmlns:pic="http://schemas.openxmlformats.org/drawingml/2006/picture" xmlns:wp="http://schemas.openxmlformats.org/drawingml/2006/wordprocessingDrawing" xmlns:xdr="http://schemas.openxmlformats.org/drawingml/2006/spreadsheetDrawing" xmlns:ns11="http://schemas.openxmlformats.org/drawingml/2006/compatibility" xmlns:ns12="http://schemas.openxmlformats.org/drawingml/2006/lockedCanvas" saveSubsetFonts="true">
   <p:sldMasterIdLst>
     <p:sldMasterId id="2147483648" r:id="rId1"/>
   </p:sldMasterIdLst>
   <p:sldIdLst>
-    <p:sldId id="948129826" r:id="rId6"/>
+    <p:sldId id="519108053" r:id="rId6"/>
   </p:sldIdLst>
   <p:sldSz cx="12192000" cy="6858000"/>
   <p:notesSz cx="6858000" cy="9144000"/>
@@ -113,7 +113,7 @@
 </file>
 
 <file path=ppt/slideLayouts/slideLayout1.xml><?xml version="1.0" encoding="utf-8"?>
-<p:sldLayout xmlns:p="http://schemas.openxmlformats.org/presentationml/2006/main" xmlns:a="http://schemas.openxmlformats.org/drawingml/2006/main" xmlns:r="http://schemas.openxmlformats.org/officeDocument/2006/relationships" xmlns:mc="http://schemas.openxmlformats.org/markup-compatibility/2006" xmlns:c="http://schemas.openxmlformats.org/drawingml/2006/chart" xmlns:ns6="http://schemas.openxmlformats.org/drawingml/2006/chartDrawing" xmlns:dgm="http://schemas.openxmlformats.org/drawingml/2006/diagram" xmlns:pic="http://schemas.openxmlformats.org/drawingml/2006/picture" xmlns:wp="http://schemas.openxmlformats.org/drawingml/2006/wordprocessingDrawing" xmlns:xdr="http://schemas.openxmlformats.org/drawingml/2006/spreadsheetDrawing" xmlns:ns11="http://schemas.openxmlformats.org/drawingml/2006/compatibility" xmlns:ns12="http://schemas.openxmlformats.org/drawingml/2006/lockedCanvas" type="title" preserve="true">
+<p:sldLayout xmlns:p="http://schemas.openxmlformats.org/presentationml/2006/main" xmlns:r="http://schemas.openxmlformats.org/officeDocument/2006/relationships" xmlns:a="http://schemas.openxmlformats.org/drawingml/2006/main" xmlns:mc="http://schemas.openxmlformats.org/markup-compatibility/2006" xmlns:c="http://schemas.openxmlformats.org/drawingml/2006/chart" xmlns:ns6="http://schemas.openxmlformats.org/drawingml/2006/chartDrawing" xmlns:dgm="http://schemas.openxmlformats.org/drawingml/2006/diagram" xmlns:pic="http://schemas.openxmlformats.org/drawingml/2006/picture" xmlns:wp="http://schemas.openxmlformats.org/drawingml/2006/wordprocessingDrawing" xmlns:xdr="http://schemas.openxmlformats.org/drawingml/2006/spreadsheetDrawing" xmlns:ns11="http://schemas.openxmlformats.org/drawingml/2006/compatibility" xmlns:ns12="http://schemas.openxmlformats.org/drawingml/2006/lockedCanvas" type="title" preserve="true">
   <p:cSld name="Title Slide">
     <p:spTree>
       <p:nvGrpSpPr>
@@ -312,7 +312,7 @@
 </file>
 
 <file path=ppt/slideLayouts/slideLayout10.xml><?xml version="1.0" encoding="utf-8"?>
-<p:sldLayout xmlns:p="http://schemas.openxmlformats.org/presentationml/2006/main" xmlns:a="http://schemas.openxmlformats.org/drawingml/2006/main" xmlns:r="http://schemas.openxmlformats.org/officeDocument/2006/relationships" xmlns:mc="http://schemas.openxmlformats.org/markup-compatibility/2006" xmlns:c="http://schemas.openxmlformats.org/drawingml/2006/chart" xmlns:ns6="http://schemas.openxmlformats.org/drawingml/2006/chartDrawing" xmlns:dgm="http://schemas.openxmlformats.org/drawingml/2006/diagram" xmlns:pic="http://schemas.openxmlformats.org/drawingml/2006/picture" xmlns:wp="http://schemas.openxmlformats.org/drawingml/2006/wordprocessingDrawing" xmlns:xdr="http://schemas.openxmlformats.org/drawingml/2006/spreadsheetDrawing" xmlns:ns11="http://schemas.openxmlformats.org/drawingml/2006/compatibility" xmlns:ns12="http://schemas.openxmlformats.org/drawingml/2006/lockedCanvas" type="vertTitleAndTx" preserve="true">
+<p:sldLayout xmlns:p="http://schemas.openxmlformats.org/presentationml/2006/main" xmlns:r="http://schemas.openxmlformats.org/officeDocument/2006/relationships" xmlns:a="http://schemas.openxmlformats.org/drawingml/2006/main" xmlns:mc="http://schemas.openxmlformats.org/markup-compatibility/2006" xmlns:c="http://schemas.openxmlformats.org/drawingml/2006/chart" xmlns:ns6="http://schemas.openxmlformats.org/drawingml/2006/chartDrawing" xmlns:dgm="http://schemas.openxmlformats.org/drawingml/2006/diagram" xmlns:pic="http://schemas.openxmlformats.org/drawingml/2006/picture" xmlns:wp="http://schemas.openxmlformats.org/drawingml/2006/wordprocessingDrawing" xmlns:xdr="http://schemas.openxmlformats.org/drawingml/2006/spreadsheetDrawing" xmlns:ns11="http://schemas.openxmlformats.org/drawingml/2006/compatibility" xmlns:ns12="http://schemas.openxmlformats.org/drawingml/2006/lockedCanvas" type="vertTitleAndTx" preserve="true">
   <p:cSld name="Vertical Title and Text">
     <p:spTree>
       <p:nvGrpSpPr>
@@ -499,7 +499,7 @@
 </file>
 
 <file path=ppt/slideLayouts/slideLayout2.xml><?xml version="1.0" encoding="utf-8"?>
-<p:sldLayout xmlns:p="http://schemas.openxmlformats.org/presentationml/2006/main" xmlns:a="http://schemas.openxmlformats.org/drawingml/2006/main" xmlns:r="http://schemas.openxmlformats.org/officeDocument/2006/relationships" xmlns:mc="http://schemas.openxmlformats.org/markup-compatibility/2006" xmlns:c="http://schemas.openxmlformats.org/drawingml/2006/chart" xmlns:ns6="http://schemas.openxmlformats.org/drawingml/2006/chartDrawing" xmlns:dgm="http://schemas.openxmlformats.org/drawingml/2006/diagram" xmlns:pic="http://schemas.openxmlformats.org/drawingml/2006/picture" xmlns:wp="http://schemas.openxmlformats.org/drawingml/2006/wordprocessingDrawing" xmlns:xdr="http://schemas.openxmlformats.org/drawingml/2006/spreadsheetDrawing" xmlns:ns11="http://schemas.openxmlformats.org/drawingml/2006/compatibility" xmlns:ns12="http://schemas.openxmlformats.org/drawingml/2006/lockedCanvas" type="obj" preserve="true">
+<p:sldLayout xmlns:p="http://schemas.openxmlformats.org/presentationml/2006/main" xmlns:r="http://schemas.openxmlformats.org/officeDocument/2006/relationships" xmlns:a="http://schemas.openxmlformats.org/drawingml/2006/main" xmlns:mc="http://schemas.openxmlformats.org/markup-compatibility/2006" xmlns:c="http://schemas.openxmlformats.org/drawingml/2006/chart" xmlns:ns6="http://schemas.openxmlformats.org/drawingml/2006/chartDrawing" xmlns:dgm="http://schemas.openxmlformats.org/drawingml/2006/diagram" xmlns:pic="http://schemas.openxmlformats.org/drawingml/2006/picture" xmlns:wp="http://schemas.openxmlformats.org/drawingml/2006/wordprocessingDrawing" xmlns:xdr="http://schemas.openxmlformats.org/drawingml/2006/spreadsheetDrawing" xmlns:ns11="http://schemas.openxmlformats.org/drawingml/2006/compatibility" xmlns:ns12="http://schemas.openxmlformats.org/drawingml/2006/lockedCanvas" type="obj" preserve="true">
   <p:cSld name="Title and Content">
     <p:spTree>
       <p:nvGrpSpPr>
@@ -681,7 +681,7 @@
 </file>
 
 <file path=ppt/slideLayouts/slideLayout3.xml><?xml version="1.0" encoding="utf-8"?>
-<p:sldLayout xmlns:p="http://schemas.openxmlformats.org/presentationml/2006/main" xmlns:a="http://schemas.openxmlformats.org/drawingml/2006/main" xmlns:r="http://schemas.openxmlformats.org/officeDocument/2006/relationships" xmlns:mc="http://schemas.openxmlformats.org/markup-compatibility/2006" xmlns:c="http://schemas.openxmlformats.org/drawingml/2006/chart" xmlns:ns6="http://schemas.openxmlformats.org/drawingml/2006/chartDrawing" xmlns:dgm="http://schemas.openxmlformats.org/drawingml/2006/diagram" xmlns:pic="http://schemas.openxmlformats.org/drawingml/2006/picture" xmlns:wp="http://schemas.openxmlformats.org/drawingml/2006/wordprocessingDrawing" xmlns:xdr="http://schemas.openxmlformats.org/drawingml/2006/spreadsheetDrawing" xmlns:ns11="http://schemas.openxmlformats.org/drawingml/2006/compatibility" xmlns:ns12="http://schemas.openxmlformats.org/drawingml/2006/lockedCanvas" type="secHead" preserve="true">
+<p:sldLayout xmlns:p="http://schemas.openxmlformats.org/presentationml/2006/main" xmlns:r="http://schemas.openxmlformats.org/officeDocument/2006/relationships" xmlns:a="http://schemas.openxmlformats.org/drawingml/2006/main" xmlns:mc="http://schemas.openxmlformats.org/markup-compatibility/2006" xmlns:c="http://schemas.openxmlformats.org/drawingml/2006/chart" xmlns:ns6="http://schemas.openxmlformats.org/drawingml/2006/chartDrawing" xmlns:dgm="http://schemas.openxmlformats.org/drawingml/2006/diagram" xmlns:pic="http://schemas.openxmlformats.org/drawingml/2006/picture" xmlns:wp="http://schemas.openxmlformats.org/drawingml/2006/wordprocessingDrawing" xmlns:xdr="http://schemas.openxmlformats.org/drawingml/2006/spreadsheetDrawing" xmlns:ns11="http://schemas.openxmlformats.org/drawingml/2006/compatibility" xmlns:ns12="http://schemas.openxmlformats.org/drawingml/2006/lockedCanvas" type="secHead" preserve="true">
   <p:cSld name="Section Header">
     <p:spTree>
       <p:nvGrpSpPr>
@@ -934,7 +934,7 @@
 </file>
 
 <file path=ppt/slideLayouts/slideLayout4.xml><?xml version="1.0" encoding="utf-8"?>
-<p:sldLayout xmlns:p="http://schemas.openxmlformats.org/presentationml/2006/main" xmlns:a="http://schemas.openxmlformats.org/drawingml/2006/main" xmlns:r="http://schemas.openxmlformats.org/officeDocument/2006/relationships" xmlns:mc="http://schemas.openxmlformats.org/markup-compatibility/2006" xmlns:c="http://schemas.openxmlformats.org/drawingml/2006/chart" xmlns:ns6="http://schemas.openxmlformats.org/drawingml/2006/chartDrawing" xmlns:dgm="http://schemas.openxmlformats.org/drawingml/2006/diagram" xmlns:pic="http://schemas.openxmlformats.org/drawingml/2006/picture" xmlns:wp="http://schemas.openxmlformats.org/drawingml/2006/wordprocessingDrawing" xmlns:xdr="http://schemas.openxmlformats.org/drawingml/2006/spreadsheetDrawing" xmlns:ns11="http://schemas.openxmlformats.org/drawingml/2006/compatibility" xmlns:ns12="http://schemas.openxmlformats.org/drawingml/2006/lockedCanvas" type="twoObj" preserve="true">
+<p:sldLayout xmlns:p="http://schemas.openxmlformats.org/presentationml/2006/main" xmlns:r="http://schemas.openxmlformats.org/officeDocument/2006/relationships" xmlns:a="http://schemas.openxmlformats.org/drawingml/2006/main" xmlns:mc="http://schemas.openxmlformats.org/markup-compatibility/2006" xmlns:c="http://schemas.openxmlformats.org/drawingml/2006/chart" xmlns:ns6="http://schemas.openxmlformats.org/drawingml/2006/chartDrawing" xmlns:dgm="http://schemas.openxmlformats.org/drawingml/2006/diagram" xmlns:pic="http://schemas.openxmlformats.org/drawingml/2006/picture" xmlns:wp="http://schemas.openxmlformats.org/drawingml/2006/wordprocessingDrawing" xmlns:xdr="http://schemas.openxmlformats.org/drawingml/2006/spreadsheetDrawing" xmlns:ns11="http://schemas.openxmlformats.org/drawingml/2006/compatibility" xmlns:ns12="http://schemas.openxmlformats.org/drawingml/2006/lockedCanvas" type="twoObj" preserve="true">
   <p:cSld name="Two Content">
     <p:spTree>
       <p:nvGrpSpPr>
@@ -1173,7 +1173,7 @@
 </file>
 
 <file path=ppt/slideLayouts/slideLayout5.xml><?xml version="1.0" encoding="utf-8"?>
-<p:sldLayout xmlns:p="http://schemas.openxmlformats.org/presentationml/2006/main" xmlns:a="http://schemas.openxmlformats.org/drawingml/2006/main" xmlns:r="http://schemas.openxmlformats.org/officeDocument/2006/relationships" xmlns:mc="http://schemas.openxmlformats.org/markup-compatibility/2006" xmlns:c="http://schemas.openxmlformats.org/drawingml/2006/chart" xmlns:ns6="http://schemas.openxmlformats.org/drawingml/2006/chartDrawing" xmlns:dgm="http://schemas.openxmlformats.org/drawingml/2006/diagram" xmlns:pic="http://schemas.openxmlformats.org/drawingml/2006/picture" xmlns:wp="http://schemas.openxmlformats.org/drawingml/2006/wordprocessingDrawing" xmlns:xdr="http://schemas.openxmlformats.org/drawingml/2006/spreadsheetDrawing" xmlns:ns11="http://schemas.openxmlformats.org/drawingml/2006/compatibility" xmlns:ns12="http://schemas.openxmlformats.org/drawingml/2006/lockedCanvas" type="twoTxTwoObj" preserve="true">
+<p:sldLayout xmlns:p="http://schemas.openxmlformats.org/presentationml/2006/main" xmlns:r="http://schemas.openxmlformats.org/officeDocument/2006/relationships" xmlns:a="http://schemas.openxmlformats.org/drawingml/2006/main" xmlns:mc="http://schemas.openxmlformats.org/markup-compatibility/2006" xmlns:c="http://schemas.openxmlformats.org/drawingml/2006/chart" xmlns:ns6="http://schemas.openxmlformats.org/drawingml/2006/chartDrawing" xmlns:dgm="http://schemas.openxmlformats.org/drawingml/2006/diagram" xmlns:pic="http://schemas.openxmlformats.org/drawingml/2006/picture" xmlns:wp="http://schemas.openxmlformats.org/drawingml/2006/wordprocessingDrawing" xmlns:xdr="http://schemas.openxmlformats.org/drawingml/2006/spreadsheetDrawing" xmlns:ns11="http://schemas.openxmlformats.org/drawingml/2006/compatibility" xmlns:ns12="http://schemas.openxmlformats.org/drawingml/2006/lockedCanvas" type="twoTxTwoObj" preserve="true">
   <p:cSld name="Comparison">
     <p:spTree>
       <p:nvGrpSpPr>
@@ -1528,7 +1528,7 @@
 </file>
 
 <file path=ppt/slideLayouts/slideLayout6.xml><?xml version="1.0" encoding="utf-8"?>
-<p:sldLayout xmlns:p="http://schemas.openxmlformats.org/presentationml/2006/main" xmlns:a="http://schemas.openxmlformats.org/drawingml/2006/main" xmlns:r="http://schemas.openxmlformats.org/officeDocument/2006/relationships" xmlns:mc="http://schemas.openxmlformats.org/markup-compatibility/2006" xmlns:c="http://schemas.openxmlformats.org/drawingml/2006/chart" xmlns:ns6="http://schemas.openxmlformats.org/drawingml/2006/chartDrawing" xmlns:dgm="http://schemas.openxmlformats.org/drawingml/2006/diagram" xmlns:pic="http://schemas.openxmlformats.org/drawingml/2006/picture" xmlns:wp="http://schemas.openxmlformats.org/drawingml/2006/wordprocessingDrawing" xmlns:xdr="http://schemas.openxmlformats.org/drawingml/2006/spreadsheetDrawing" xmlns:ns11="http://schemas.openxmlformats.org/drawingml/2006/compatibility" xmlns:ns12="http://schemas.openxmlformats.org/drawingml/2006/lockedCanvas" type="titleOnly" preserve="true">
+<p:sldLayout xmlns:p="http://schemas.openxmlformats.org/presentationml/2006/main" xmlns:r="http://schemas.openxmlformats.org/officeDocument/2006/relationships" xmlns:a="http://schemas.openxmlformats.org/drawingml/2006/main" xmlns:mc="http://schemas.openxmlformats.org/markup-compatibility/2006" xmlns:c="http://schemas.openxmlformats.org/drawingml/2006/chart" xmlns:ns6="http://schemas.openxmlformats.org/drawingml/2006/chartDrawing" xmlns:dgm="http://schemas.openxmlformats.org/drawingml/2006/diagram" xmlns:pic="http://schemas.openxmlformats.org/drawingml/2006/picture" xmlns:wp="http://schemas.openxmlformats.org/drawingml/2006/wordprocessingDrawing" xmlns:xdr="http://schemas.openxmlformats.org/drawingml/2006/spreadsheetDrawing" xmlns:ns11="http://schemas.openxmlformats.org/drawingml/2006/compatibility" xmlns:ns12="http://schemas.openxmlformats.org/drawingml/2006/lockedCanvas" type="titleOnly" preserve="true">
   <p:cSld name="Title Only">
     <p:spTree>
       <p:nvGrpSpPr>
@@ -1653,7 +1653,7 @@
 </file>
 
 <file path=ppt/slideLayouts/slideLayout7.xml><?xml version="1.0" encoding="utf-8"?>
-<p:sldLayout xmlns:p="http://schemas.openxmlformats.org/presentationml/2006/main" xmlns:a="http://schemas.openxmlformats.org/drawingml/2006/main" xmlns:r="http://schemas.openxmlformats.org/officeDocument/2006/relationships" xmlns:mc="http://schemas.openxmlformats.org/markup-compatibility/2006" xmlns:c="http://schemas.openxmlformats.org/drawingml/2006/chart" xmlns:ns6="http://schemas.openxmlformats.org/drawingml/2006/chartDrawing" xmlns:dgm="http://schemas.openxmlformats.org/drawingml/2006/diagram" xmlns:pic="http://schemas.openxmlformats.org/drawingml/2006/picture" xmlns:wp="http://schemas.openxmlformats.org/drawingml/2006/wordprocessingDrawing" xmlns:xdr="http://schemas.openxmlformats.org/drawingml/2006/spreadsheetDrawing" xmlns:ns11="http://schemas.openxmlformats.org/drawingml/2006/compatibility" xmlns:ns12="http://schemas.openxmlformats.org/drawingml/2006/lockedCanvas" type="blank" preserve="true">
+<p:sldLayout xmlns:p="http://schemas.openxmlformats.org/presentationml/2006/main" xmlns:r="http://schemas.openxmlformats.org/officeDocument/2006/relationships" xmlns:a="http://schemas.openxmlformats.org/drawingml/2006/main" xmlns:mc="http://schemas.openxmlformats.org/markup-compatibility/2006" xmlns:c="http://schemas.openxmlformats.org/drawingml/2006/chart" xmlns:ns6="http://schemas.openxmlformats.org/drawingml/2006/chartDrawing" xmlns:dgm="http://schemas.openxmlformats.org/drawingml/2006/diagram" xmlns:pic="http://schemas.openxmlformats.org/drawingml/2006/picture" xmlns:wp="http://schemas.openxmlformats.org/drawingml/2006/wordprocessingDrawing" xmlns:xdr="http://schemas.openxmlformats.org/drawingml/2006/spreadsheetDrawing" xmlns:ns11="http://schemas.openxmlformats.org/drawingml/2006/compatibility" xmlns:ns12="http://schemas.openxmlformats.org/drawingml/2006/lockedCanvas" type="blank" preserve="true">
   <p:cSld name="Blank">
     <p:spTree>
       <p:nvGrpSpPr>
@@ -1755,7 +1755,7 @@
 </file>
 
 <file path=ppt/slideLayouts/slideLayout8.xml><?xml version="1.0" encoding="utf-8"?>
-<p:sldLayout xmlns:p="http://schemas.openxmlformats.org/presentationml/2006/main" xmlns:a="http://schemas.openxmlformats.org/drawingml/2006/main" xmlns:r="http://schemas.openxmlformats.org/officeDocument/2006/relationships" xmlns:mc="http://schemas.openxmlformats.org/markup-compatibility/2006" xmlns:c="http://schemas.openxmlformats.org/drawingml/2006/chart" xmlns:ns6="http://schemas.openxmlformats.org/drawingml/2006/chartDrawing" xmlns:dgm="http://schemas.openxmlformats.org/drawingml/2006/diagram" xmlns:pic="http://schemas.openxmlformats.org/drawingml/2006/picture" xmlns:wp="http://schemas.openxmlformats.org/drawingml/2006/wordprocessingDrawing" xmlns:xdr="http://schemas.openxmlformats.org/drawingml/2006/spreadsheetDrawing" xmlns:ns11="http://schemas.openxmlformats.org/drawingml/2006/compatibility" xmlns:ns12="http://schemas.openxmlformats.org/drawingml/2006/lockedCanvas" type="objTx" preserve="true">
+<p:sldLayout xmlns:p="http://schemas.openxmlformats.org/presentationml/2006/main" xmlns:r="http://schemas.openxmlformats.org/officeDocument/2006/relationships" xmlns:a="http://schemas.openxmlformats.org/drawingml/2006/main" xmlns:mc="http://schemas.openxmlformats.org/markup-compatibility/2006" xmlns:c="http://schemas.openxmlformats.org/drawingml/2006/chart" xmlns:ns6="http://schemas.openxmlformats.org/drawingml/2006/chartDrawing" xmlns:dgm="http://schemas.openxmlformats.org/drawingml/2006/diagram" xmlns:pic="http://schemas.openxmlformats.org/drawingml/2006/picture" xmlns:wp="http://schemas.openxmlformats.org/drawingml/2006/wordprocessingDrawing" xmlns:xdr="http://schemas.openxmlformats.org/drawingml/2006/spreadsheetDrawing" xmlns:ns11="http://schemas.openxmlformats.org/drawingml/2006/compatibility" xmlns:ns12="http://schemas.openxmlformats.org/drawingml/2006/lockedCanvas" type="objTx" preserve="true">
   <p:cSld name="Content with Caption">
     <p:spTree>
       <p:nvGrpSpPr>
@@ -2039,7 +2039,7 @@
 </file>
 
 <file path=ppt/slideLayouts/slideLayout9.xml><?xml version="1.0" encoding="utf-8"?>
-<p:sldLayout xmlns:p="http://schemas.openxmlformats.org/presentationml/2006/main" xmlns:a="http://schemas.openxmlformats.org/drawingml/2006/main" xmlns:r="http://schemas.openxmlformats.org/officeDocument/2006/relationships" xmlns:mc="http://schemas.openxmlformats.org/markup-compatibility/2006" xmlns:c="http://schemas.openxmlformats.org/drawingml/2006/chart" xmlns:ns6="http://schemas.openxmlformats.org/drawingml/2006/chartDrawing" xmlns:dgm="http://schemas.openxmlformats.org/drawingml/2006/diagram" xmlns:pic="http://schemas.openxmlformats.org/drawingml/2006/picture" xmlns:wp="http://schemas.openxmlformats.org/drawingml/2006/wordprocessingDrawing" xmlns:xdr="http://schemas.openxmlformats.org/drawingml/2006/spreadsheetDrawing" xmlns:ns11="http://schemas.openxmlformats.org/drawingml/2006/compatibility" xmlns:ns12="http://schemas.openxmlformats.org/drawingml/2006/lockedCanvas" type="vertTx" preserve="true">
+<p:sldLayout xmlns:p="http://schemas.openxmlformats.org/presentationml/2006/main" xmlns:r="http://schemas.openxmlformats.org/officeDocument/2006/relationships" xmlns:a="http://schemas.openxmlformats.org/drawingml/2006/main" xmlns:mc="http://schemas.openxmlformats.org/markup-compatibility/2006" xmlns:c="http://schemas.openxmlformats.org/drawingml/2006/chart" xmlns:ns6="http://schemas.openxmlformats.org/drawingml/2006/chartDrawing" xmlns:dgm="http://schemas.openxmlformats.org/drawingml/2006/diagram" xmlns:pic="http://schemas.openxmlformats.org/drawingml/2006/picture" xmlns:wp="http://schemas.openxmlformats.org/drawingml/2006/wordprocessingDrawing" xmlns:xdr="http://schemas.openxmlformats.org/drawingml/2006/spreadsheetDrawing" xmlns:ns11="http://schemas.openxmlformats.org/drawingml/2006/compatibility" xmlns:ns12="http://schemas.openxmlformats.org/drawingml/2006/lockedCanvas" type="vertTx" preserve="true">
   <p:cSld name="Title and Vertical Text">
     <p:spTree>
       <p:nvGrpSpPr>
@@ -2216,7 +2216,7 @@
 </file>
 
 <file path=ppt/slideMasters/slideMaster1.xml><?xml version="1.0" encoding="utf-8"?>
-<p:sldMaster xmlns:p="http://schemas.openxmlformats.org/presentationml/2006/main" xmlns:a="http://schemas.openxmlformats.org/drawingml/2006/main" xmlns:r="http://schemas.openxmlformats.org/officeDocument/2006/relationships" xmlns:mc="http://schemas.openxmlformats.org/markup-compatibility/2006" xmlns:c="http://schemas.openxmlformats.org/drawingml/2006/chart" xmlns:ns6="http://schemas.openxmlformats.org/drawingml/2006/chartDrawing" xmlns:dgm="http://schemas.openxmlformats.org/drawingml/2006/diagram" xmlns:pic="http://schemas.openxmlformats.org/drawingml/2006/picture" xmlns:wp="http://schemas.openxmlformats.org/drawingml/2006/wordprocessingDrawing" xmlns:xdr="http://schemas.openxmlformats.org/drawingml/2006/spreadsheetDrawing" xmlns:ns11="http://schemas.openxmlformats.org/drawingml/2006/compatibility" xmlns:ns12="http://schemas.openxmlformats.org/drawingml/2006/lockedCanvas">
+<p:sldMaster xmlns:p="http://schemas.openxmlformats.org/presentationml/2006/main" xmlns:r="http://schemas.openxmlformats.org/officeDocument/2006/relationships" xmlns:a="http://schemas.openxmlformats.org/drawingml/2006/main" xmlns:mc="http://schemas.openxmlformats.org/markup-compatibility/2006" xmlns:c="http://schemas.openxmlformats.org/drawingml/2006/chart" xmlns:ns6="http://schemas.openxmlformats.org/drawingml/2006/chartDrawing" xmlns:dgm="http://schemas.openxmlformats.org/drawingml/2006/diagram" xmlns:pic="http://schemas.openxmlformats.org/drawingml/2006/picture" xmlns:wp="http://schemas.openxmlformats.org/drawingml/2006/wordprocessingDrawing" xmlns:xdr="http://schemas.openxmlformats.org/drawingml/2006/spreadsheetDrawing" xmlns:ns11="http://schemas.openxmlformats.org/drawingml/2006/compatibility" xmlns:ns12="http://schemas.openxmlformats.org/drawingml/2006/lockedCanvas">
   <p:cSld>
     <p:bg>
       <p:bgRef idx="1001">
@@ -2762,7 +2762,7 @@
 </file>
 
 <file path=ppt/slides/slide1.xml><?xml version="1.0" encoding="utf-8"?>
-<p:sld xmlns:p="http://schemas.openxmlformats.org/presentationml/2006/main" xmlns:a="http://schemas.openxmlformats.org/drawingml/2006/main" xmlns:r="http://schemas.openxmlformats.org/officeDocument/2006/relationships" xmlns:mc="http://schemas.openxmlformats.org/markup-compatibility/2006" xmlns:c="http://schemas.openxmlformats.org/drawingml/2006/chart" xmlns:ns6="http://schemas.openxmlformats.org/drawingml/2006/chartDrawing" xmlns:dgm="http://schemas.openxmlformats.org/drawingml/2006/diagram" xmlns:pic="http://schemas.openxmlformats.org/drawingml/2006/picture" xmlns:wp="http://schemas.openxmlformats.org/drawingml/2006/wordprocessingDrawing" xmlns:xdr="http://schemas.openxmlformats.org/drawingml/2006/spreadsheetDrawing" xmlns:ns11="http://schemas.openxmlformats.org/drawingml/2006/compatibility" xmlns:ns12="http://schemas.openxmlformats.org/drawingml/2006/lockedCanvas">
+<p:sld xmlns:p="http://schemas.openxmlformats.org/presentationml/2006/main" xmlns:r="http://schemas.openxmlformats.org/officeDocument/2006/relationships" xmlns:a="http://schemas.openxmlformats.org/drawingml/2006/main" xmlns:mc="http://schemas.openxmlformats.org/markup-compatibility/2006" xmlns:c="http://schemas.openxmlformats.org/drawingml/2006/chart" xmlns:ns6="http://schemas.openxmlformats.org/drawingml/2006/chartDrawing" xmlns:dgm="http://schemas.openxmlformats.org/drawingml/2006/diagram" xmlns:pic="http://schemas.openxmlformats.org/drawingml/2006/picture" xmlns:wp="http://schemas.openxmlformats.org/drawingml/2006/wordprocessingDrawing" xmlns:xdr="http://schemas.openxmlformats.org/drawingml/2006/spreadsheetDrawing" xmlns:ns11="http://schemas.openxmlformats.org/drawingml/2006/compatibility" xmlns:ns12="http://schemas.openxmlformats.org/drawingml/2006/lockedCanvas">
   <p:cSld>
     <p:spTree>
       <p:nvGrpSpPr>

--- a/docs/articles/pipe_example.pptx
+++ b/docs/articles/pipe_example.pptx
@@ -1,11 +1,11 @@
 
 <file path=ppt/presentation.xml><?xml version="1.0" encoding="utf-8"?>
-<p:presentation xmlns:p="http://schemas.openxmlformats.org/presentationml/2006/main" xmlns:r="http://schemas.openxmlformats.org/officeDocument/2006/relationships" xmlns:a="http://schemas.openxmlformats.org/drawingml/2006/main" xmlns:mc="http://schemas.openxmlformats.org/markup-compatibility/2006" xmlns:c="http://schemas.openxmlformats.org/drawingml/2006/chart" xmlns:ns6="http://schemas.openxmlformats.org/drawingml/2006/chartDrawing" xmlns:dgm="http://schemas.openxmlformats.org/drawingml/2006/diagram" xmlns:pic="http://schemas.openxmlformats.org/drawingml/2006/picture" xmlns:wp="http://schemas.openxmlformats.org/drawingml/2006/wordprocessingDrawing" xmlns:xdr="http://schemas.openxmlformats.org/drawingml/2006/spreadsheetDrawing" xmlns:ns11="http://schemas.openxmlformats.org/drawingml/2006/compatibility" xmlns:ns12="http://schemas.openxmlformats.org/drawingml/2006/lockedCanvas" saveSubsetFonts="true">
+<p:presentation xmlns:a="http://schemas.openxmlformats.org/drawingml/2006/main" xmlns:r="http://schemas.openxmlformats.org/officeDocument/2006/relationships" xmlns:p="http://schemas.openxmlformats.org/presentationml/2006/main" xmlns:mc="http://schemas.openxmlformats.org/markup-compatibility/2006" xmlns:c="http://schemas.openxmlformats.org/drawingml/2006/chart" xmlns:ns6="http://schemas.openxmlformats.org/drawingml/2006/chartDrawing" xmlns:dgm="http://schemas.openxmlformats.org/drawingml/2006/diagram" xmlns:pic="http://schemas.openxmlformats.org/drawingml/2006/picture" xmlns:wp="http://schemas.openxmlformats.org/drawingml/2006/wordprocessingDrawing" xmlns:xdr="http://schemas.openxmlformats.org/drawingml/2006/spreadsheetDrawing" xmlns:ns11="http://schemas.openxmlformats.org/drawingml/2006/compatibility" xmlns:ns12="http://schemas.openxmlformats.org/drawingml/2006/lockedCanvas" saveSubsetFonts="true">
   <p:sldMasterIdLst>
     <p:sldMasterId id="2147483648" r:id="rId1"/>
   </p:sldMasterIdLst>
   <p:sldIdLst>
-    <p:sldId id="519108053" r:id="rId6"/>
+    <p:sldId id="158408701" r:id="rId6"/>
   </p:sldIdLst>
   <p:sldSz cx="12192000" cy="6858000"/>
   <p:notesSz cx="6858000" cy="9144000"/>
@@ -113,7 +113,7 @@
 </file>
 
 <file path=ppt/slideLayouts/slideLayout1.xml><?xml version="1.0" encoding="utf-8"?>
-<p:sldLayout xmlns:p="http://schemas.openxmlformats.org/presentationml/2006/main" xmlns:r="http://schemas.openxmlformats.org/officeDocument/2006/relationships" xmlns:a="http://schemas.openxmlformats.org/drawingml/2006/main" xmlns:mc="http://schemas.openxmlformats.org/markup-compatibility/2006" xmlns:c="http://schemas.openxmlformats.org/drawingml/2006/chart" xmlns:ns6="http://schemas.openxmlformats.org/drawingml/2006/chartDrawing" xmlns:dgm="http://schemas.openxmlformats.org/drawingml/2006/diagram" xmlns:pic="http://schemas.openxmlformats.org/drawingml/2006/picture" xmlns:wp="http://schemas.openxmlformats.org/drawingml/2006/wordprocessingDrawing" xmlns:xdr="http://schemas.openxmlformats.org/drawingml/2006/spreadsheetDrawing" xmlns:ns11="http://schemas.openxmlformats.org/drawingml/2006/compatibility" xmlns:ns12="http://schemas.openxmlformats.org/drawingml/2006/lockedCanvas" type="title" preserve="true">
+<p:sldLayout xmlns:a="http://schemas.openxmlformats.org/drawingml/2006/main" xmlns:r="http://schemas.openxmlformats.org/officeDocument/2006/relationships" xmlns:p="http://schemas.openxmlformats.org/presentationml/2006/main" xmlns:mc="http://schemas.openxmlformats.org/markup-compatibility/2006" xmlns:c="http://schemas.openxmlformats.org/drawingml/2006/chart" xmlns:ns6="http://schemas.openxmlformats.org/drawingml/2006/chartDrawing" xmlns:dgm="http://schemas.openxmlformats.org/drawingml/2006/diagram" xmlns:pic="http://schemas.openxmlformats.org/drawingml/2006/picture" xmlns:wp="http://schemas.openxmlformats.org/drawingml/2006/wordprocessingDrawing" xmlns:xdr="http://schemas.openxmlformats.org/drawingml/2006/spreadsheetDrawing" xmlns:ns11="http://schemas.openxmlformats.org/drawingml/2006/compatibility" xmlns:ns12="http://schemas.openxmlformats.org/drawingml/2006/lockedCanvas" type="title" preserve="true">
   <p:cSld name="Title Slide">
     <p:spTree>
       <p:nvGrpSpPr>
@@ -312,7 +312,7 @@
 </file>
 
 <file path=ppt/slideLayouts/slideLayout10.xml><?xml version="1.0" encoding="utf-8"?>
-<p:sldLayout xmlns:p="http://schemas.openxmlformats.org/presentationml/2006/main" xmlns:r="http://schemas.openxmlformats.org/officeDocument/2006/relationships" xmlns:a="http://schemas.openxmlformats.org/drawingml/2006/main" xmlns:mc="http://schemas.openxmlformats.org/markup-compatibility/2006" xmlns:c="http://schemas.openxmlformats.org/drawingml/2006/chart" xmlns:ns6="http://schemas.openxmlformats.org/drawingml/2006/chartDrawing" xmlns:dgm="http://schemas.openxmlformats.org/drawingml/2006/diagram" xmlns:pic="http://schemas.openxmlformats.org/drawingml/2006/picture" xmlns:wp="http://schemas.openxmlformats.org/drawingml/2006/wordprocessingDrawing" xmlns:xdr="http://schemas.openxmlformats.org/drawingml/2006/spreadsheetDrawing" xmlns:ns11="http://schemas.openxmlformats.org/drawingml/2006/compatibility" xmlns:ns12="http://schemas.openxmlformats.org/drawingml/2006/lockedCanvas" type="vertTitleAndTx" preserve="true">
+<p:sldLayout xmlns:a="http://schemas.openxmlformats.org/drawingml/2006/main" xmlns:r="http://schemas.openxmlformats.org/officeDocument/2006/relationships" xmlns:p="http://schemas.openxmlformats.org/presentationml/2006/main" xmlns:mc="http://schemas.openxmlformats.org/markup-compatibility/2006" xmlns:c="http://schemas.openxmlformats.org/drawingml/2006/chart" xmlns:ns6="http://schemas.openxmlformats.org/drawingml/2006/chartDrawing" xmlns:dgm="http://schemas.openxmlformats.org/drawingml/2006/diagram" xmlns:pic="http://schemas.openxmlformats.org/drawingml/2006/picture" xmlns:wp="http://schemas.openxmlformats.org/drawingml/2006/wordprocessingDrawing" xmlns:xdr="http://schemas.openxmlformats.org/drawingml/2006/spreadsheetDrawing" xmlns:ns11="http://schemas.openxmlformats.org/drawingml/2006/compatibility" xmlns:ns12="http://schemas.openxmlformats.org/drawingml/2006/lockedCanvas" type="vertTitleAndTx" preserve="true">
   <p:cSld name="Vertical Title and Text">
     <p:spTree>
       <p:nvGrpSpPr>
@@ -499,7 +499,7 @@
 </file>
 
 <file path=ppt/slideLayouts/slideLayout2.xml><?xml version="1.0" encoding="utf-8"?>
-<p:sldLayout xmlns:p="http://schemas.openxmlformats.org/presentationml/2006/main" xmlns:r="http://schemas.openxmlformats.org/officeDocument/2006/relationships" xmlns:a="http://schemas.openxmlformats.org/drawingml/2006/main" xmlns:mc="http://schemas.openxmlformats.org/markup-compatibility/2006" xmlns:c="http://schemas.openxmlformats.org/drawingml/2006/chart" xmlns:ns6="http://schemas.openxmlformats.org/drawingml/2006/chartDrawing" xmlns:dgm="http://schemas.openxmlformats.org/drawingml/2006/diagram" xmlns:pic="http://schemas.openxmlformats.org/drawingml/2006/picture" xmlns:wp="http://schemas.openxmlformats.org/drawingml/2006/wordprocessingDrawing" xmlns:xdr="http://schemas.openxmlformats.org/drawingml/2006/spreadsheetDrawing" xmlns:ns11="http://schemas.openxmlformats.org/drawingml/2006/compatibility" xmlns:ns12="http://schemas.openxmlformats.org/drawingml/2006/lockedCanvas" type="obj" preserve="true">
+<p:sldLayout xmlns:a="http://schemas.openxmlformats.org/drawingml/2006/main" xmlns:r="http://schemas.openxmlformats.org/officeDocument/2006/relationships" xmlns:p="http://schemas.openxmlformats.org/presentationml/2006/main" xmlns:mc="http://schemas.openxmlformats.org/markup-compatibility/2006" xmlns:c="http://schemas.openxmlformats.org/drawingml/2006/chart" xmlns:ns6="http://schemas.openxmlformats.org/drawingml/2006/chartDrawing" xmlns:dgm="http://schemas.openxmlformats.org/drawingml/2006/diagram" xmlns:pic="http://schemas.openxmlformats.org/drawingml/2006/picture" xmlns:wp="http://schemas.openxmlformats.org/drawingml/2006/wordprocessingDrawing" xmlns:xdr="http://schemas.openxmlformats.org/drawingml/2006/spreadsheetDrawing" xmlns:ns11="http://schemas.openxmlformats.org/drawingml/2006/compatibility" xmlns:ns12="http://schemas.openxmlformats.org/drawingml/2006/lockedCanvas" type="obj" preserve="true">
   <p:cSld name="Title and Content">
     <p:spTree>
       <p:nvGrpSpPr>
@@ -681,7 +681,7 @@
 </file>
 
 <file path=ppt/slideLayouts/slideLayout3.xml><?xml version="1.0" encoding="utf-8"?>
-<p:sldLayout xmlns:p="http://schemas.openxmlformats.org/presentationml/2006/main" xmlns:r="http://schemas.openxmlformats.org/officeDocument/2006/relationships" xmlns:a="http://schemas.openxmlformats.org/drawingml/2006/main" xmlns:mc="http://schemas.openxmlformats.org/markup-compatibility/2006" xmlns:c="http://schemas.openxmlformats.org/drawingml/2006/chart" xmlns:ns6="http://schemas.openxmlformats.org/drawingml/2006/chartDrawing" xmlns:dgm="http://schemas.openxmlformats.org/drawingml/2006/diagram" xmlns:pic="http://schemas.openxmlformats.org/drawingml/2006/picture" xmlns:wp="http://schemas.openxmlformats.org/drawingml/2006/wordprocessingDrawing" xmlns:xdr="http://schemas.openxmlformats.org/drawingml/2006/spreadsheetDrawing" xmlns:ns11="http://schemas.openxmlformats.org/drawingml/2006/compatibility" xmlns:ns12="http://schemas.openxmlformats.org/drawingml/2006/lockedCanvas" type="secHead" preserve="true">
+<p:sldLayout xmlns:a="http://schemas.openxmlformats.org/drawingml/2006/main" xmlns:r="http://schemas.openxmlformats.org/officeDocument/2006/relationships" xmlns:p="http://schemas.openxmlformats.org/presentationml/2006/main" xmlns:mc="http://schemas.openxmlformats.org/markup-compatibility/2006" xmlns:c="http://schemas.openxmlformats.org/drawingml/2006/chart" xmlns:ns6="http://schemas.openxmlformats.org/drawingml/2006/chartDrawing" xmlns:dgm="http://schemas.openxmlformats.org/drawingml/2006/diagram" xmlns:pic="http://schemas.openxmlformats.org/drawingml/2006/picture" xmlns:wp="http://schemas.openxmlformats.org/drawingml/2006/wordprocessingDrawing" xmlns:xdr="http://schemas.openxmlformats.org/drawingml/2006/spreadsheetDrawing" xmlns:ns11="http://schemas.openxmlformats.org/drawingml/2006/compatibility" xmlns:ns12="http://schemas.openxmlformats.org/drawingml/2006/lockedCanvas" type="secHead" preserve="true">
   <p:cSld name="Section Header">
     <p:spTree>
       <p:nvGrpSpPr>
@@ -934,7 +934,7 @@
 </file>
 
 <file path=ppt/slideLayouts/slideLayout4.xml><?xml version="1.0" encoding="utf-8"?>
-<p:sldLayout xmlns:p="http://schemas.openxmlformats.org/presentationml/2006/main" xmlns:r="http://schemas.openxmlformats.org/officeDocument/2006/relationships" xmlns:a="http://schemas.openxmlformats.org/drawingml/2006/main" xmlns:mc="http://schemas.openxmlformats.org/markup-compatibility/2006" xmlns:c="http://schemas.openxmlformats.org/drawingml/2006/chart" xmlns:ns6="http://schemas.openxmlformats.org/drawingml/2006/chartDrawing" xmlns:dgm="http://schemas.openxmlformats.org/drawingml/2006/diagram" xmlns:pic="http://schemas.openxmlformats.org/drawingml/2006/picture" xmlns:wp="http://schemas.openxmlformats.org/drawingml/2006/wordprocessingDrawing" xmlns:xdr="http://schemas.openxmlformats.org/drawingml/2006/spreadsheetDrawing" xmlns:ns11="http://schemas.openxmlformats.org/drawingml/2006/compatibility" xmlns:ns12="http://schemas.openxmlformats.org/drawingml/2006/lockedCanvas" type="twoObj" preserve="true">
+<p:sldLayout xmlns:a="http://schemas.openxmlformats.org/drawingml/2006/main" xmlns:r="http://schemas.openxmlformats.org/officeDocument/2006/relationships" xmlns:p="http://schemas.openxmlformats.org/presentationml/2006/main" xmlns:mc="http://schemas.openxmlformats.org/markup-compatibility/2006" xmlns:c="http://schemas.openxmlformats.org/drawingml/2006/chart" xmlns:ns6="http://schemas.openxmlformats.org/drawingml/2006/chartDrawing" xmlns:dgm="http://schemas.openxmlformats.org/drawingml/2006/diagram" xmlns:pic="http://schemas.openxmlformats.org/drawingml/2006/picture" xmlns:wp="http://schemas.openxmlformats.org/drawingml/2006/wordprocessingDrawing" xmlns:xdr="http://schemas.openxmlformats.org/drawingml/2006/spreadsheetDrawing" xmlns:ns11="http://schemas.openxmlformats.org/drawingml/2006/compatibility" xmlns:ns12="http://schemas.openxmlformats.org/drawingml/2006/lockedCanvas" type="twoObj" preserve="true">
   <p:cSld name="Two Content">
     <p:spTree>
       <p:nvGrpSpPr>
@@ -1173,7 +1173,7 @@
 </file>
 
 <file path=ppt/slideLayouts/slideLayout5.xml><?xml version="1.0" encoding="utf-8"?>
-<p:sldLayout xmlns:p="http://schemas.openxmlformats.org/presentationml/2006/main" xmlns:r="http://schemas.openxmlformats.org/officeDocument/2006/relationships" xmlns:a="http://schemas.openxmlformats.org/drawingml/2006/main" xmlns:mc="http://schemas.openxmlformats.org/markup-compatibility/2006" xmlns:c="http://schemas.openxmlformats.org/drawingml/2006/chart" xmlns:ns6="http://schemas.openxmlformats.org/drawingml/2006/chartDrawing" xmlns:dgm="http://schemas.openxmlformats.org/drawingml/2006/diagram" xmlns:pic="http://schemas.openxmlformats.org/drawingml/2006/picture" xmlns:wp="http://schemas.openxmlformats.org/drawingml/2006/wordprocessingDrawing" xmlns:xdr="http://schemas.openxmlformats.org/drawingml/2006/spreadsheetDrawing" xmlns:ns11="http://schemas.openxmlformats.org/drawingml/2006/compatibility" xmlns:ns12="http://schemas.openxmlformats.org/drawingml/2006/lockedCanvas" type="twoTxTwoObj" preserve="true">
+<p:sldLayout xmlns:a="http://schemas.openxmlformats.org/drawingml/2006/main" xmlns:r="http://schemas.openxmlformats.org/officeDocument/2006/relationships" xmlns:p="http://schemas.openxmlformats.org/presentationml/2006/main" xmlns:mc="http://schemas.openxmlformats.org/markup-compatibility/2006" xmlns:c="http://schemas.openxmlformats.org/drawingml/2006/chart" xmlns:ns6="http://schemas.openxmlformats.org/drawingml/2006/chartDrawing" xmlns:dgm="http://schemas.openxmlformats.org/drawingml/2006/diagram" xmlns:pic="http://schemas.openxmlformats.org/drawingml/2006/picture" xmlns:wp="http://schemas.openxmlformats.org/drawingml/2006/wordprocessingDrawing" xmlns:xdr="http://schemas.openxmlformats.org/drawingml/2006/spreadsheetDrawing" xmlns:ns11="http://schemas.openxmlformats.org/drawingml/2006/compatibility" xmlns:ns12="http://schemas.openxmlformats.org/drawingml/2006/lockedCanvas" type="twoTxTwoObj" preserve="true">
   <p:cSld name="Comparison">
     <p:spTree>
       <p:nvGrpSpPr>
@@ -1528,7 +1528,7 @@
 </file>
 
 <file path=ppt/slideLayouts/slideLayout6.xml><?xml version="1.0" encoding="utf-8"?>
-<p:sldLayout xmlns:p="http://schemas.openxmlformats.org/presentationml/2006/main" xmlns:r="http://schemas.openxmlformats.org/officeDocument/2006/relationships" xmlns:a="http://schemas.openxmlformats.org/drawingml/2006/main" xmlns:mc="http://schemas.openxmlformats.org/markup-compatibility/2006" xmlns:c="http://schemas.openxmlformats.org/drawingml/2006/chart" xmlns:ns6="http://schemas.openxmlformats.org/drawingml/2006/chartDrawing" xmlns:dgm="http://schemas.openxmlformats.org/drawingml/2006/diagram" xmlns:pic="http://schemas.openxmlformats.org/drawingml/2006/picture" xmlns:wp="http://schemas.openxmlformats.org/drawingml/2006/wordprocessingDrawing" xmlns:xdr="http://schemas.openxmlformats.org/drawingml/2006/spreadsheetDrawing" xmlns:ns11="http://schemas.openxmlformats.org/drawingml/2006/compatibility" xmlns:ns12="http://schemas.openxmlformats.org/drawingml/2006/lockedCanvas" type="titleOnly" preserve="true">
+<p:sldLayout xmlns:a="http://schemas.openxmlformats.org/drawingml/2006/main" xmlns:r="http://schemas.openxmlformats.org/officeDocument/2006/relationships" xmlns:p="http://schemas.openxmlformats.org/presentationml/2006/main" xmlns:mc="http://schemas.openxmlformats.org/markup-compatibility/2006" xmlns:c="http://schemas.openxmlformats.org/drawingml/2006/chart" xmlns:ns6="http://schemas.openxmlformats.org/drawingml/2006/chartDrawing" xmlns:dgm="http://schemas.openxmlformats.org/drawingml/2006/diagram" xmlns:pic="http://schemas.openxmlformats.org/drawingml/2006/picture" xmlns:wp="http://schemas.openxmlformats.org/drawingml/2006/wordprocessingDrawing" xmlns:xdr="http://schemas.openxmlformats.org/drawingml/2006/spreadsheetDrawing" xmlns:ns11="http://schemas.openxmlformats.org/drawingml/2006/compatibility" xmlns:ns12="http://schemas.openxmlformats.org/drawingml/2006/lockedCanvas" type="titleOnly" preserve="true">
   <p:cSld name="Title Only">
     <p:spTree>
       <p:nvGrpSpPr>
@@ -1653,7 +1653,7 @@
 </file>
 
 <file path=ppt/slideLayouts/slideLayout7.xml><?xml version="1.0" encoding="utf-8"?>
-<p:sldLayout xmlns:p="http://schemas.openxmlformats.org/presentationml/2006/main" xmlns:r="http://schemas.openxmlformats.org/officeDocument/2006/relationships" xmlns:a="http://schemas.openxmlformats.org/drawingml/2006/main" xmlns:mc="http://schemas.openxmlformats.org/markup-compatibility/2006" xmlns:c="http://schemas.openxmlformats.org/drawingml/2006/chart" xmlns:ns6="http://schemas.openxmlformats.org/drawingml/2006/chartDrawing" xmlns:dgm="http://schemas.openxmlformats.org/drawingml/2006/diagram" xmlns:pic="http://schemas.openxmlformats.org/drawingml/2006/picture" xmlns:wp="http://schemas.openxmlformats.org/drawingml/2006/wordprocessingDrawing" xmlns:xdr="http://schemas.openxmlformats.org/drawingml/2006/spreadsheetDrawing" xmlns:ns11="http://schemas.openxmlformats.org/drawingml/2006/compatibility" xmlns:ns12="http://schemas.openxmlformats.org/drawingml/2006/lockedCanvas" type="blank" preserve="true">
+<p:sldLayout xmlns:a="http://schemas.openxmlformats.org/drawingml/2006/main" xmlns:r="http://schemas.openxmlformats.org/officeDocument/2006/relationships" xmlns:p="http://schemas.openxmlformats.org/presentationml/2006/main" xmlns:mc="http://schemas.openxmlformats.org/markup-compatibility/2006" xmlns:c="http://schemas.openxmlformats.org/drawingml/2006/chart" xmlns:ns6="http://schemas.openxmlformats.org/drawingml/2006/chartDrawing" xmlns:dgm="http://schemas.openxmlformats.org/drawingml/2006/diagram" xmlns:pic="http://schemas.openxmlformats.org/drawingml/2006/picture" xmlns:wp="http://schemas.openxmlformats.org/drawingml/2006/wordprocessingDrawing" xmlns:xdr="http://schemas.openxmlformats.org/drawingml/2006/spreadsheetDrawing" xmlns:ns11="http://schemas.openxmlformats.org/drawingml/2006/compatibility" xmlns:ns12="http://schemas.openxmlformats.org/drawingml/2006/lockedCanvas" type="blank" preserve="true">
   <p:cSld name="Blank">
     <p:spTree>
       <p:nvGrpSpPr>
@@ -1755,7 +1755,7 @@
 </file>
 
 <file path=ppt/slideLayouts/slideLayout8.xml><?xml version="1.0" encoding="utf-8"?>
-<p:sldLayout xmlns:p="http://schemas.openxmlformats.org/presentationml/2006/main" xmlns:r="http://schemas.openxmlformats.org/officeDocument/2006/relationships" xmlns:a="http://schemas.openxmlformats.org/drawingml/2006/main" xmlns:mc="http://schemas.openxmlformats.org/markup-compatibility/2006" xmlns:c="http://schemas.openxmlformats.org/drawingml/2006/chart" xmlns:ns6="http://schemas.openxmlformats.org/drawingml/2006/chartDrawing" xmlns:dgm="http://schemas.openxmlformats.org/drawingml/2006/diagram" xmlns:pic="http://schemas.openxmlformats.org/drawingml/2006/picture" xmlns:wp="http://schemas.openxmlformats.org/drawingml/2006/wordprocessingDrawing" xmlns:xdr="http://schemas.openxmlformats.org/drawingml/2006/spreadsheetDrawing" xmlns:ns11="http://schemas.openxmlformats.org/drawingml/2006/compatibility" xmlns:ns12="http://schemas.openxmlformats.org/drawingml/2006/lockedCanvas" type="objTx" preserve="true">
+<p:sldLayout xmlns:a="http://schemas.openxmlformats.org/drawingml/2006/main" xmlns:r="http://schemas.openxmlformats.org/officeDocument/2006/relationships" xmlns:p="http://schemas.openxmlformats.org/presentationml/2006/main" xmlns:mc="http://schemas.openxmlformats.org/markup-compatibility/2006" xmlns:c="http://schemas.openxmlformats.org/drawingml/2006/chart" xmlns:ns6="http://schemas.openxmlformats.org/drawingml/2006/chartDrawing" xmlns:dgm="http://schemas.openxmlformats.org/drawingml/2006/diagram" xmlns:pic="http://schemas.openxmlformats.org/drawingml/2006/picture" xmlns:wp="http://schemas.openxmlformats.org/drawingml/2006/wordprocessingDrawing" xmlns:xdr="http://schemas.openxmlformats.org/drawingml/2006/spreadsheetDrawing" xmlns:ns11="http://schemas.openxmlformats.org/drawingml/2006/compatibility" xmlns:ns12="http://schemas.openxmlformats.org/drawingml/2006/lockedCanvas" type="objTx" preserve="true">
   <p:cSld name="Content with Caption">
     <p:spTree>
       <p:nvGrpSpPr>
@@ -2039,7 +2039,7 @@
 </file>
 
 <file path=ppt/slideLayouts/slideLayout9.xml><?xml version="1.0" encoding="utf-8"?>
-<p:sldLayout xmlns:p="http://schemas.openxmlformats.org/presentationml/2006/main" xmlns:r="http://schemas.openxmlformats.org/officeDocument/2006/relationships" xmlns:a="http://schemas.openxmlformats.org/drawingml/2006/main" xmlns:mc="http://schemas.openxmlformats.org/markup-compatibility/2006" xmlns:c="http://schemas.openxmlformats.org/drawingml/2006/chart" xmlns:ns6="http://schemas.openxmlformats.org/drawingml/2006/chartDrawing" xmlns:dgm="http://schemas.openxmlformats.org/drawingml/2006/diagram" xmlns:pic="http://schemas.openxmlformats.org/drawingml/2006/picture" xmlns:wp="http://schemas.openxmlformats.org/drawingml/2006/wordprocessingDrawing" xmlns:xdr="http://schemas.openxmlformats.org/drawingml/2006/spreadsheetDrawing" xmlns:ns11="http://schemas.openxmlformats.org/drawingml/2006/compatibility" xmlns:ns12="http://schemas.openxmlformats.org/drawingml/2006/lockedCanvas" type="vertTx" preserve="true">
+<p:sldLayout xmlns:a="http://schemas.openxmlformats.org/drawingml/2006/main" xmlns:r="http://schemas.openxmlformats.org/officeDocument/2006/relationships" xmlns:p="http://schemas.openxmlformats.org/presentationml/2006/main" xmlns:mc="http://schemas.openxmlformats.org/markup-compatibility/2006" xmlns:c="http://schemas.openxmlformats.org/drawingml/2006/chart" xmlns:ns6="http://schemas.openxmlformats.org/drawingml/2006/chartDrawing" xmlns:dgm="http://schemas.openxmlformats.org/drawingml/2006/diagram" xmlns:pic="http://schemas.openxmlformats.org/drawingml/2006/picture" xmlns:wp="http://schemas.openxmlformats.org/drawingml/2006/wordprocessingDrawing" xmlns:xdr="http://schemas.openxmlformats.org/drawingml/2006/spreadsheetDrawing" xmlns:ns11="http://schemas.openxmlformats.org/drawingml/2006/compatibility" xmlns:ns12="http://schemas.openxmlformats.org/drawingml/2006/lockedCanvas" type="vertTx" preserve="true">
   <p:cSld name="Title and Vertical Text">
     <p:spTree>
       <p:nvGrpSpPr>
@@ -2216,7 +2216,7 @@
 </file>
 
 <file path=ppt/slideMasters/slideMaster1.xml><?xml version="1.0" encoding="utf-8"?>
-<p:sldMaster xmlns:p="http://schemas.openxmlformats.org/presentationml/2006/main" xmlns:r="http://schemas.openxmlformats.org/officeDocument/2006/relationships" xmlns:a="http://schemas.openxmlformats.org/drawingml/2006/main" xmlns:mc="http://schemas.openxmlformats.org/markup-compatibility/2006" xmlns:c="http://schemas.openxmlformats.org/drawingml/2006/chart" xmlns:ns6="http://schemas.openxmlformats.org/drawingml/2006/chartDrawing" xmlns:dgm="http://schemas.openxmlformats.org/drawingml/2006/diagram" xmlns:pic="http://schemas.openxmlformats.org/drawingml/2006/picture" xmlns:wp="http://schemas.openxmlformats.org/drawingml/2006/wordprocessingDrawing" xmlns:xdr="http://schemas.openxmlformats.org/drawingml/2006/spreadsheetDrawing" xmlns:ns11="http://schemas.openxmlformats.org/drawingml/2006/compatibility" xmlns:ns12="http://schemas.openxmlformats.org/drawingml/2006/lockedCanvas">
+<p:sldMaster xmlns:a="http://schemas.openxmlformats.org/drawingml/2006/main" xmlns:r="http://schemas.openxmlformats.org/officeDocument/2006/relationships" xmlns:p="http://schemas.openxmlformats.org/presentationml/2006/main" xmlns:mc="http://schemas.openxmlformats.org/markup-compatibility/2006" xmlns:c="http://schemas.openxmlformats.org/drawingml/2006/chart" xmlns:ns6="http://schemas.openxmlformats.org/drawingml/2006/chartDrawing" xmlns:dgm="http://schemas.openxmlformats.org/drawingml/2006/diagram" xmlns:pic="http://schemas.openxmlformats.org/drawingml/2006/picture" xmlns:wp="http://schemas.openxmlformats.org/drawingml/2006/wordprocessingDrawing" xmlns:xdr="http://schemas.openxmlformats.org/drawingml/2006/spreadsheetDrawing" xmlns:ns11="http://schemas.openxmlformats.org/drawingml/2006/compatibility" xmlns:ns12="http://schemas.openxmlformats.org/drawingml/2006/lockedCanvas">
   <p:cSld>
     <p:bg>
       <p:bgRef idx="1001">
@@ -2762,7 +2762,7 @@
 </file>
 
 <file path=ppt/slides/slide1.xml><?xml version="1.0" encoding="utf-8"?>
-<p:sld xmlns:p="http://schemas.openxmlformats.org/presentationml/2006/main" xmlns:r="http://schemas.openxmlformats.org/officeDocument/2006/relationships" xmlns:a="http://schemas.openxmlformats.org/drawingml/2006/main" xmlns:mc="http://schemas.openxmlformats.org/markup-compatibility/2006" xmlns:c="http://schemas.openxmlformats.org/drawingml/2006/chart" xmlns:ns6="http://schemas.openxmlformats.org/drawingml/2006/chartDrawing" xmlns:dgm="http://schemas.openxmlformats.org/drawingml/2006/diagram" xmlns:pic="http://schemas.openxmlformats.org/drawingml/2006/picture" xmlns:wp="http://schemas.openxmlformats.org/drawingml/2006/wordprocessingDrawing" xmlns:xdr="http://schemas.openxmlformats.org/drawingml/2006/spreadsheetDrawing" xmlns:ns11="http://schemas.openxmlformats.org/drawingml/2006/compatibility" xmlns:ns12="http://schemas.openxmlformats.org/drawingml/2006/lockedCanvas">
+<p:sld xmlns:a="http://schemas.openxmlformats.org/drawingml/2006/main" xmlns:r="http://schemas.openxmlformats.org/officeDocument/2006/relationships" xmlns:p="http://schemas.openxmlformats.org/presentationml/2006/main" xmlns:mc="http://schemas.openxmlformats.org/markup-compatibility/2006" xmlns:c="http://schemas.openxmlformats.org/drawingml/2006/chart" xmlns:ns6="http://schemas.openxmlformats.org/drawingml/2006/chartDrawing" xmlns:dgm="http://schemas.openxmlformats.org/drawingml/2006/diagram" xmlns:pic="http://schemas.openxmlformats.org/drawingml/2006/picture" xmlns:wp="http://schemas.openxmlformats.org/drawingml/2006/wordprocessingDrawing" xmlns:xdr="http://schemas.openxmlformats.org/drawingml/2006/spreadsheetDrawing" xmlns:ns11="http://schemas.openxmlformats.org/drawingml/2006/compatibility" xmlns:ns12="http://schemas.openxmlformats.org/drawingml/2006/lockedCanvas">
   <p:cSld>
     <p:spTree>
       <p:nvGrpSpPr>

--- a/docs/articles/pipe_example.pptx
+++ b/docs/articles/pipe_example.pptx
@@ -1,11 +1,11 @@
 
 <file path=ppt/presentation.xml><?xml version="1.0" encoding="utf-8"?>
-<p:presentation xmlns:a="http://schemas.openxmlformats.org/drawingml/2006/main" xmlns:r="http://schemas.openxmlformats.org/officeDocument/2006/relationships" xmlns:p="http://schemas.openxmlformats.org/presentationml/2006/main" xmlns:mc="http://schemas.openxmlformats.org/markup-compatibility/2006" xmlns:c="http://schemas.openxmlformats.org/drawingml/2006/chart" xmlns:ns6="http://schemas.openxmlformats.org/drawingml/2006/chartDrawing" xmlns:dgm="http://schemas.openxmlformats.org/drawingml/2006/diagram" xmlns:pic="http://schemas.openxmlformats.org/drawingml/2006/picture" xmlns:wp="http://schemas.openxmlformats.org/drawingml/2006/wordprocessingDrawing" xmlns:xdr="http://schemas.openxmlformats.org/drawingml/2006/spreadsheetDrawing" xmlns:ns11="http://schemas.openxmlformats.org/drawingml/2006/compatibility" xmlns:ns12="http://schemas.openxmlformats.org/drawingml/2006/lockedCanvas" saveSubsetFonts="true">
+<p:presentation xmlns:r="http://schemas.openxmlformats.org/officeDocument/2006/relationships" xmlns:a="http://schemas.openxmlformats.org/drawingml/2006/main" xmlns:p="http://schemas.openxmlformats.org/presentationml/2006/main" xmlns:mc="http://schemas.openxmlformats.org/markup-compatibility/2006" xmlns:c="http://schemas.openxmlformats.org/drawingml/2006/chart" xmlns:ns6="http://schemas.openxmlformats.org/drawingml/2006/chartDrawing" xmlns:dgm="http://schemas.openxmlformats.org/drawingml/2006/diagram" xmlns:pic="http://schemas.openxmlformats.org/drawingml/2006/picture" xmlns:wp="http://schemas.openxmlformats.org/drawingml/2006/wordprocessingDrawing" xmlns:xdr="http://schemas.openxmlformats.org/drawingml/2006/spreadsheetDrawing" xmlns:ns11="http://schemas.openxmlformats.org/drawingml/2006/compatibility" xmlns:ns12="http://schemas.openxmlformats.org/drawingml/2006/lockedCanvas" saveSubsetFonts="true">
   <p:sldMasterIdLst>
     <p:sldMasterId id="2147483648" r:id="rId1"/>
   </p:sldMasterIdLst>
   <p:sldIdLst>
-    <p:sldId id="158408701" r:id="rId6"/>
+    <p:sldId id="87856437" r:id="rId6"/>
   </p:sldIdLst>
   <p:sldSz cx="12192000" cy="6858000"/>
   <p:notesSz cx="6858000" cy="9144000"/>
@@ -113,7 +113,7 @@
 </file>
 
 <file path=ppt/slideLayouts/slideLayout1.xml><?xml version="1.0" encoding="utf-8"?>
-<p:sldLayout xmlns:a="http://schemas.openxmlformats.org/drawingml/2006/main" xmlns:r="http://schemas.openxmlformats.org/officeDocument/2006/relationships" xmlns:p="http://schemas.openxmlformats.org/presentationml/2006/main" xmlns:mc="http://schemas.openxmlformats.org/markup-compatibility/2006" xmlns:c="http://schemas.openxmlformats.org/drawingml/2006/chart" xmlns:ns6="http://schemas.openxmlformats.org/drawingml/2006/chartDrawing" xmlns:dgm="http://schemas.openxmlformats.org/drawingml/2006/diagram" xmlns:pic="http://schemas.openxmlformats.org/drawingml/2006/picture" xmlns:wp="http://schemas.openxmlformats.org/drawingml/2006/wordprocessingDrawing" xmlns:xdr="http://schemas.openxmlformats.org/drawingml/2006/spreadsheetDrawing" xmlns:ns11="http://schemas.openxmlformats.org/drawingml/2006/compatibility" xmlns:ns12="http://schemas.openxmlformats.org/drawingml/2006/lockedCanvas" type="title" preserve="true">
+<p:sldLayout xmlns:r="http://schemas.openxmlformats.org/officeDocument/2006/relationships" xmlns:a="http://schemas.openxmlformats.org/drawingml/2006/main" xmlns:p="http://schemas.openxmlformats.org/presentationml/2006/main" xmlns:mc="http://schemas.openxmlformats.org/markup-compatibility/2006" xmlns:c="http://schemas.openxmlformats.org/drawingml/2006/chart" xmlns:ns6="http://schemas.openxmlformats.org/drawingml/2006/chartDrawing" xmlns:dgm="http://schemas.openxmlformats.org/drawingml/2006/diagram" xmlns:pic="http://schemas.openxmlformats.org/drawingml/2006/picture" xmlns:wp="http://schemas.openxmlformats.org/drawingml/2006/wordprocessingDrawing" xmlns:xdr="http://schemas.openxmlformats.org/drawingml/2006/spreadsheetDrawing" xmlns:ns11="http://schemas.openxmlformats.org/drawingml/2006/compatibility" xmlns:ns12="http://schemas.openxmlformats.org/drawingml/2006/lockedCanvas" type="title" preserve="true">
   <p:cSld name="Title Slide">
     <p:spTree>
       <p:nvGrpSpPr>
@@ -312,7 +312,7 @@
 </file>
 
 <file path=ppt/slideLayouts/slideLayout10.xml><?xml version="1.0" encoding="utf-8"?>
-<p:sldLayout xmlns:a="http://schemas.openxmlformats.org/drawingml/2006/main" xmlns:r="http://schemas.openxmlformats.org/officeDocument/2006/relationships" xmlns:p="http://schemas.openxmlformats.org/presentationml/2006/main" xmlns:mc="http://schemas.openxmlformats.org/markup-compatibility/2006" xmlns:c="http://schemas.openxmlformats.org/drawingml/2006/chart" xmlns:ns6="http://schemas.openxmlformats.org/drawingml/2006/chartDrawing" xmlns:dgm="http://schemas.openxmlformats.org/drawingml/2006/diagram" xmlns:pic="http://schemas.openxmlformats.org/drawingml/2006/picture" xmlns:wp="http://schemas.openxmlformats.org/drawingml/2006/wordprocessingDrawing" xmlns:xdr="http://schemas.openxmlformats.org/drawingml/2006/spreadsheetDrawing" xmlns:ns11="http://schemas.openxmlformats.org/drawingml/2006/compatibility" xmlns:ns12="http://schemas.openxmlformats.org/drawingml/2006/lockedCanvas" type="vertTitleAndTx" preserve="true">
+<p:sldLayout xmlns:r="http://schemas.openxmlformats.org/officeDocument/2006/relationships" xmlns:a="http://schemas.openxmlformats.org/drawingml/2006/main" xmlns:p="http://schemas.openxmlformats.org/presentationml/2006/main" xmlns:mc="http://schemas.openxmlformats.org/markup-compatibility/2006" xmlns:c="http://schemas.openxmlformats.org/drawingml/2006/chart" xmlns:ns6="http://schemas.openxmlformats.org/drawingml/2006/chartDrawing" xmlns:dgm="http://schemas.openxmlformats.org/drawingml/2006/diagram" xmlns:pic="http://schemas.openxmlformats.org/drawingml/2006/picture" xmlns:wp="http://schemas.openxmlformats.org/drawingml/2006/wordprocessingDrawing" xmlns:xdr="http://schemas.openxmlformats.org/drawingml/2006/spreadsheetDrawing" xmlns:ns11="http://schemas.openxmlformats.org/drawingml/2006/compatibility" xmlns:ns12="http://schemas.openxmlformats.org/drawingml/2006/lockedCanvas" type="vertTitleAndTx" preserve="true">
   <p:cSld name="Vertical Title and Text">
     <p:spTree>
       <p:nvGrpSpPr>
@@ -499,7 +499,7 @@
 </file>
 
 <file path=ppt/slideLayouts/slideLayout2.xml><?xml version="1.0" encoding="utf-8"?>
-<p:sldLayout xmlns:a="http://schemas.openxmlformats.org/drawingml/2006/main" xmlns:r="http://schemas.openxmlformats.org/officeDocument/2006/relationships" xmlns:p="http://schemas.openxmlformats.org/presentationml/2006/main" xmlns:mc="http://schemas.openxmlformats.org/markup-compatibility/2006" xmlns:c="http://schemas.openxmlformats.org/drawingml/2006/chart" xmlns:ns6="http://schemas.openxmlformats.org/drawingml/2006/chartDrawing" xmlns:dgm="http://schemas.openxmlformats.org/drawingml/2006/diagram" xmlns:pic="http://schemas.openxmlformats.org/drawingml/2006/picture" xmlns:wp="http://schemas.openxmlformats.org/drawingml/2006/wordprocessingDrawing" xmlns:xdr="http://schemas.openxmlformats.org/drawingml/2006/spreadsheetDrawing" xmlns:ns11="http://schemas.openxmlformats.org/drawingml/2006/compatibility" xmlns:ns12="http://schemas.openxmlformats.org/drawingml/2006/lockedCanvas" type="obj" preserve="true">
+<p:sldLayout xmlns:r="http://schemas.openxmlformats.org/officeDocument/2006/relationships" xmlns:a="http://schemas.openxmlformats.org/drawingml/2006/main" xmlns:p="http://schemas.openxmlformats.org/presentationml/2006/main" xmlns:mc="http://schemas.openxmlformats.org/markup-compatibility/2006" xmlns:c="http://schemas.openxmlformats.org/drawingml/2006/chart" xmlns:ns6="http://schemas.openxmlformats.org/drawingml/2006/chartDrawing" xmlns:dgm="http://schemas.openxmlformats.org/drawingml/2006/diagram" xmlns:pic="http://schemas.openxmlformats.org/drawingml/2006/picture" xmlns:wp="http://schemas.openxmlformats.org/drawingml/2006/wordprocessingDrawing" xmlns:xdr="http://schemas.openxmlformats.org/drawingml/2006/spreadsheetDrawing" xmlns:ns11="http://schemas.openxmlformats.org/drawingml/2006/compatibility" xmlns:ns12="http://schemas.openxmlformats.org/drawingml/2006/lockedCanvas" type="obj" preserve="true">
   <p:cSld name="Title and Content">
     <p:spTree>
       <p:nvGrpSpPr>
@@ -681,7 +681,7 @@
 </file>
 
 <file path=ppt/slideLayouts/slideLayout3.xml><?xml version="1.0" encoding="utf-8"?>
-<p:sldLayout xmlns:a="http://schemas.openxmlformats.org/drawingml/2006/main" xmlns:r="http://schemas.openxmlformats.org/officeDocument/2006/relationships" xmlns:p="http://schemas.openxmlformats.org/presentationml/2006/main" xmlns:mc="http://schemas.openxmlformats.org/markup-compatibility/2006" xmlns:c="http://schemas.openxmlformats.org/drawingml/2006/chart" xmlns:ns6="http://schemas.openxmlformats.org/drawingml/2006/chartDrawing" xmlns:dgm="http://schemas.openxmlformats.org/drawingml/2006/diagram" xmlns:pic="http://schemas.openxmlformats.org/drawingml/2006/picture" xmlns:wp="http://schemas.openxmlformats.org/drawingml/2006/wordprocessingDrawing" xmlns:xdr="http://schemas.openxmlformats.org/drawingml/2006/spreadsheetDrawing" xmlns:ns11="http://schemas.openxmlformats.org/drawingml/2006/compatibility" xmlns:ns12="http://schemas.openxmlformats.org/drawingml/2006/lockedCanvas" type="secHead" preserve="true">
+<p:sldLayout xmlns:r="http://schemas.openxmlformats.org/officeDocument/2006/relationships" xmlns:a="http://schemas.openxmlformats.org/drawingml/2006/main" xmlns:p="http://schemas.openxmlformats.org/presentationml/2006/main" xmlns:mc="http://schemas.openxmlformats.org/markup-compatibility/2006" xmlns:c="http://schemas.openxmlformats.org/drawingml/2006/chart" xmlns:ns6="http://schemas.openxmlformats.org/drawingml/2006/chartDrawing" xmlns:dgm="http://schemas.openxmlformats.org/drawingml/2006/diagram" xmlns:pic="http://schemas.openxmlformats.org/drawingml/2006/picture" xmlns:wp="http://schemas.openxmlformats.org/drawingml/2006/wordprocessingDrawing" xmlns:xdr="http://schemas.openxmlformats.org/drawingml/2006/spreadsheetDrawing" xmlns:ns11="http://schemas.openxmlformats.org/drawingml/2006/compatibility" xmlns:ns12="http://schemas.openxmlformats.org/drawingml/2006/lockedCanvas" type="secHead" preserve="true">
   <p:cSld name="Section Header">
     <p:spTree>
       <p:nvGrpSpPr>
@@ -934,7 +934,7 @@
 </file>
 
 <file path=ppt/slideLayouts/slideLayout4.xml><?xml version="1.0" encoding="utf-8"?>
-<p:sldLayout xmlns:a="http://schemas.openxmlformats.org/drawingml/2006/main" xmlns:r="http://schemas.openxmlformats.org/officeDocument/2006/relationships" xmlns:p="http://schemas.openxmlformats.org/presentationml/2006/main" xmlns:mc="http://schemas.openxmlformats.org/markup-compatibility/2006" xmlns:c="http://schemas.openxmlformats.org/drawingml/2006/chart" xmlns:ns6="http://schemas.openxmlformats.org/drawingml/2006/chartDrawing" xmlns:dgm="http://schemas.openxmlformats.org/drawingml/2006/diagram" xmlns:pic="http://schemas.openxmlformats.org/drawingml/2006/picture" xmlns:wp="http://schemas.openxmlformats.org/drawingml/2006/wordprocessingDrawing" xmlns:xdr="http://schemas.openxmlformats.org/drawingml/2006/spreadsheetDrawing" xmlns:ns11="http://schemas.openxmlformats.org/drawingml/2006/compatibility" xmlns:ns12="http://schemas.openxmlformats.org/drawingml/2006/lockedCanvas" type="twoObj" preserve="true">
+<p:sldLayout xmlns:r="http://schemas.openxmlformats.org/officeDocument/2006/relationships" xmlns:a="http://schemas.openxmlformats.org/drawingml/2006/main" xmlns:p="http://schemas.openxmlformats.org/presentationml/2006/main" xmlns:mc="http://schemas.openxmlformats.org/markup-compatibility/2006" xmlns:c="http://schemas.openxmlformats.org/drawingml/2006/chart" xmlns:ns6="http://schemas.openxmlformats.org/drawingml/2006/chartDrawing" xmlns:dgm="http://schemas.openxmlformats.org/drawingml/2006/diagram" xmlns:pic="http://schemas.openxmlformats.org/drawingml/2006/picture" xmlns:wp="http://schemas.openxmlformats.org/drawingml/2006/wordprocessingDrawing" xmlns:xdr="http://schemas.openxmlformats.org/drawingml/2006/spreadsheetDrawing" xmlns:ns11="http://schemas.openxmlformats.org/drawingml/2006/compatibility" xmlns:ns12="http://schemas.openxmlformats.org/drawingml/2006/lockedCanvas" type="twoObj" preserve="true">
   <p:cSld name="Two Content">
     <p:spTree>
       <p:nvGrpSpPr>
@@ -1173,7 +1173,7 @@
 </file>
 
 <file path=ppt/slideLayouts/slideLayout5.xml><?xml version="1.0" encoding="utf-8"?>
-<p:sldLayout xmlns:a="http://schemas.openxmlformats.org/drawingml/2006/main" xmlns:r="http://schemas.openxmlformats.org/officeDocument/2006/relationships" xmlns:p="http://schemas.openxmlformats.org/presentationml/2006/main" xmlns:mc="http://schemas.openxmlformats.org/markup-compatibility/2006" xmlns:c="http://schemas.openxmlformats.org/drawingml/2006/chart" xmlns:ns6="http://schemas.openxmlformats.org/drawingml/2006/chartDrawing" xmlns:dgm="http://schemas.openxmlformats.org/drawingml/2006/diagram" xmlns:pic="http://schemas.openxmlformats.org/drawingml/2006/picture" xmlns:wp="http://schemas.openxmlformats.org/drawingml/2006/wordprocessingDrawing" xmlns:xdr="http://schemas.openxmlformats.org/drawingml/2006/spreadsheetDrawing" xmlns:ns11="http://schemas.openxmlformats.org/drawingml/2006/compatibility" xmlns:ns12="http://schemas.openxmlformats.org/drawingml/2006/lockedCanvas" type="twoTxTwoObj" preserve="true">
+<p:sldLayout xmlns:r="http://schemas.openxmlformats.org/officeDocument/2006/relationships" xmlns:a="http://schemas.openxmlformats.org/drawingml/2006/main" xmlns:p="http://schemas.openxmlformats.org/presentationml/2006/main" xmlns:mc="http://schemas.openxmlformats.org/markup-compatibility/2006" xmlns:c="http://schemas.openxmlformats.org/drawingml/2006/chart" xmlns:ns6="http://schemas.openxmlformats.org/drawingml/2006/chartDrawing" xmlns:dgm="http://schemas.openxmlformats.org/drawingml/2006/diagram" xmlns:pic="http://schemas.openxmlformats.org/drawingml/2006/picture" xmlns:wp="http://schemas.openxmlformats.org/drawingml/2006/wordprocessingDrawing" xmlns:xdr="http://schemas.openxmlformats.org/drawingml/2006/spreadsheetDrawing" xmlns:ns11="http://schemas.openxmlformats.org/drawingml/2006/compatibility" xmlns:ns12="http://schemas.openxmlformats.org/drawingml/2006/lockedCanvas" type="twoTxTwoObj" preserve="true">
   <p:cSld name="Comparison">
     <p:spTree>
       <p:nvGrpSpPr>
@@ -1528,7 +1528,7 @@
 </file>
 
 <file path=ppt/slideLayouts/slideLayout6.xml><?xml version="1.0" encoding="utf-8"?>
-<p:sldLayout xmlns:a="http://schemas.openxmlformats.org/drawingml/2006/main" xmlns:r="http://schemas.openxmlformats.org/officeDocument/2006/relationships" xmlns:p="http://schemas.openxmlformats.org/presentationml/2006/main" xmlns:mc="http://schemas.openxmlformats.org/markup-compatibility/2006" xmlns:c="http://schemas.openxmlformats.org/drawingml/2006/chart" xmlns:ns6="http://schemas.openxmlformats.org/drawingml/2006/chartDrawing" xmlns:dgm="http://schemas.openxmlformats.org/drawingml/2006/diagram" xmlns:pic="http://schemas.openxmlformats.org/drawingml/2006/picture" xmlns:wp="http://schemas.openxmlformats.org/drawingml/2006/wordprocessingDrawing" xmlns:xdr="http://schemas.openxmlformats.org/drawingml/2006/spreadsheetDrawing" xmlns:ns11="http://schemas.openxmlformats.org/drawingml/2006/compatibility" xmlns:ns12="http://schemas.openxmlformats.org/drawingml/2006/lockedCanvas" type="titleOnly" preserve="true">
+<p:sldLayout xmlns:r="http://schemas.openxmlformats.org/officeDocument/2006/relationships" xmlns:a="http://schemas.openxmlformats.org/drawingml/2006/main" xmlns:p="http://schemas.openxmlformats.org/presentationml/2006/main" xmlns:mc="http://schemas.openxmlformats.org/markup-compatibility/2006" xmlns:c="http://schemas.openxmlformats.org/drawingml/2006/chart" xmlns:ns6="http://schemas.openxmlformats.org/drawingml/2006/chartDrawing" xmlns:dgm="http://schemas.openxmlformats.org/drawingml/2006/diagram" xmlns:pic="http://schemas.openxmlformats.org/drawingml/2006/picture" xmlns:wp="http://schemas.openxmlformats.org/drawingml/2006/wordprocessingDrawing" xmlns:xdr="http://schemas.openxmlformats.org/drawingml/2006/spreadsheetDrawing" xmlns:ns11="http://schemas.openxmlformats.org/drawingml/2006/compatibility" xmlns:ns12="http://schemas.openxmlformats.org/drawingml/2006/lockedCanvas" type="titleOnly" preserve="true">
   <p:cSld name="Title Only">
     <p:spTree>
       <p:nvGrpSpPr>
@@ -1653,7 +1653,7 @@
 </file>
 
 <file path=ppt/slideLayouts/slideLayout7.xml><?xml version="1.0" encoding="utf-8"?>
-<p:sldLayout xmlns:a="http://schemas.openxmlformats.org/drawingml/2006/main" xmlns:r="http://schemas.openxmlformats.org/officeDocument/2006/relationships" xmlns:p="http://schemas.openxmlformats.org/presentationml/2006/main" xmlns:mc="http://schemas.openxmlformats.org/markup-compatibility/2006" xmlns:c="http://schemas.openxmlformats.org/drawingml/2006/chart" xmlns:ns6="http://schemas.openxmlformats.org/drawingml/2006/chartDrawing" xmlns:dgm="http://schemas.openxmlformats.org/drawingml/2006/diagram" xmlns:pic="http://schemas.openxmlformats.org/drawingml/2006/picture" xmlns:wp="http://schemas.openxmlformats.org/drawingml/2006/wordprocessingDrawing" xmlns:xdr="http://schemas.openxmlformats.org/drawingml/2006/spreadsheetDrawing" xmlns:ns11="http://schemas.openxmlformats.org/drawingml/2006/compatibility" xmlns:ns12="http://schemas.openxmlformats.org/drawingml/2006/lockedCanvas" type="blank" preserve="true">
+<p:sldLayout xmlns:r="http://schemas.openxmlformats.org/officeDocument/2006/relationships" xmlns:a="http://schemas.openxmlformats.org/drawingml/2006/main" xmlns:p="http://schemas.openxmlformats.org/presentationml/2006/main" xmlns:mc="http://schemas.openxmlformats.org/markup-compatibility/2006" xmlns:c="http://schemas.openxmlformats.org/drawingml/2006/chart" xmlns:ns6="http://schemas.openxmlformats.org/drawingml/2006/chartDrawing" xmlns:dgm="http://schemas.openxmlformats.org/drawingml/2006/diagram" xmlns:pic="http://schemas.openxmlformats.org/drawingml/2006/picture" xmlns:wp="http://schemas.openxmlformats.org/drawingml/2006/wordprocessingDrawing" xmlns:xdr="http://schemas.openxmlformats.org/drawingml/2006/spreadsheetDrawing" xmlns:ns11="http://schemas.openxmlformats.org/drawingml/2006/compatibility" xmlns:ns12="http://schemas.openxmlformats.org/drawingml/2006/lockedCanvas" type="blank" preserve="true">
   <p:cSld name="Blank">
     <p:spTree>
       <p:nvGrpSpPr>
@@ -1755,7 +1755,7 @@
 </file>
 
 <file path=ppt/slideLayouts/slideLayout8.xml><?xml version="1.0" encoding="utf-8"?>
-<p:sldLayout xmlns:a="http://schemas.openxmlformats.org/drawingml/2006/main" xmlns:r="http://schemas.openxmlformats.org/officeDocument/2006/relationships" xmlns:p="http://schemas.openxmlformats.org/presentationml/2006/main" xmlns:mc="http://schemas.openxmlformats.org/markup-compatibility/2006" xmlns:c="http://schemas.openxmlformats.org/drawingml/2006/chart" xmlns:ns6="http://schemas.openxmlformats.org/drawingml/2006/chartDrawing" xmlns:dgm="http://schemas.openxmlformats.org/drawingml/2006/diagram" xmlns:pic="http://schemas.openxmlformats.org/drawingml/2006/picture" xmlns:wp="http://schemas.openxmlformats.org/drawingml/2006/wordprocessingDrawing" xmlns:xdr="http://schemas.openxmlformats.org/drawingml/2006/spreadsheetDrawing" xmlns:ns11="http://schemas.openxmlformats.org/drawingml/2006/compatibility" xmlns:ns12="http://schemas.openxmlformats.org/drawingml/2006/lockedCanvas" type="objTx" preserve="true">
+<p:sldLayout xmlns:r="http://schemas.openxmlformats.org/officeDocument/2006/relationships" xmlns:a="http://schemas.openxmlformats.org/drawingml/2006/main" xmlns:p="http://schemas.openxmlformats.org/presentationml/2006/main" xmlns:mc="http://schemas.openxmlformats.org/markup-compatibility/2006" xmlns:c="http://schemas.openxmlformats.org/drawingml/2006/chart" xmlns:ns6="http://schemas.openxmlformats.org/drawingml/2006/chartDrawing" xmlns:dgm="http://schemas.openxmlformats.org/drawingml/2006/diagram" xmlns:pic="http://schemas.openxmlformats.org/drawingml/2006/picture" xmlns:wp="http://schemas.openxmlformats.org/drawingml/2006/wordprocessingDrawing" xmlns:xdr="http://schemas.openxmlformats.org/drawingml/2006/spreadsheetDrawing" xmlns:ns11="http://schemas.openxmlformats.org/drawingml/2006/compatibility" xmlns:ns12="http://schemas.openxmlformats.org/drawingml/2006/lockedCanvas" type="objTx" preserve="true">
   <p:cSld name="Content with Caption">
     <p:spTree>
       <p:nvGrpSpPr>
@@ -2039,7 +2039,7 @@
 </file>
 
 <file path=ppt/slideLayouts/slideLayout9.xml><?xml version="1.0" encoding="utf-8"?>
-<p:sldLayout xmlns:a="http://schemas.openxmlformats.org/drawingml/2006/main" xmlns:r="http://schemas.openxmlformats.org/officeDocument/2006/relationships" xmlns:p="http://schemas.openxmlformats.org/presentationml/2006/main" xmlns:mc="http://schemas.openxmlformats.org/markup-compatibility/2006" xmlns:c="http://schemas.openxmlformats.org/drawingml/2006/chart" xmlns:ns6="http://schemas.openxmlformats.org/drawingml/2006/chartDrawing" xmlns:dgm="http://schemas.openxmlformats.org/drawingml/2006/diagram" xmlns:pic="http://schemas.openxmlformats.org/drawingml/2006/picture" xmlns:wp="http://schemas.openxmlformats.org/drawingml/2006/wordprocessingDrawing" xmlns:xdr="http://schemas.openxmlformats.org/drawingml/2006/spreadsheetDrawing" xmlns:ns11="http://schemas.openxmlformats.org/drawingml/2006/compatibility" xmlns:ns12="http://schemas.openxmlformats.org/drawingml/2006/lockedCanvas" type="vertTx" preserve="true">
+<p:sldLayout xmlns:r="http://schemas.openxmlformats.org/officeDocument/2006/relationships" xmlns:a="http://schemas.openxmlformats.org/drawingml/2006/main" xmlns:p="http://schemas.openxmlformats.org/presentationml/2006/main" xmlns:mc="http://schemas.openxmlformats.org/markup-compatibility/2006" xmlns:c="http://schemas.openxmlformats.org/drawingml/2006/chart" xmlns:ns6="http://schemas.openxmlformats.org/drawingml/2006/chartDrawing" xmlns:dgm="http://schemas.openxmlformats.org/drawingml/2006/diagram" xmlns:pic="http://schemas.openxmlformats.org/drawingml/2006/picture" xmlns:wp="http://schemas.openxmlformats.org/drawingml/2006/wordprocessingDrawing" xmlns:xdr="http://schemas.openxmlformats.org/drawingml/2006/spreadsheetDrawing" xmlns:ns11="http://schemas.openxmlformats.org/drawingml/2006/compatibility" xmlns:ns12="http://schemas.openxmlformats.org/drawingml/2006/lockedCanvas" type="vertTx" preserve="true">
   <p:cSld name="Title and Vertical Text">
     <p:spTree>
       <p:nvGrpSpPr>
@@ -2216,7 +2216,7 @@
 </file>
 
 <file path=ppt/slideMasters/slideMaster1.xml><?xml version="1.0" encoding="utf-8"?>
-<p:sldMaster xmlns:a="http://schemas.openxmlformats.org/drawingml/2006/main" xmlns:r="http://schemas.openxmlformats.org/officeDocument/2006/relationships" xmlns:p="http://schemas.openxmlformats.org/presentationml/2006/main" xmlns:mc="http://schemas.openxmlformats.org/markup-compatibility/2006" xmlns:c="http://schemas.openxmlformats.org/drawingml/2006/chart" xmlns:ns6="http://schemas.openxmlformats.org/drawingml/2006/chartDrawing" xmlns:dgm="http://schemas.openxmlformats.org/drawingml/2006/diagram" xmlns:pic="http://schemas.openxmlformats.org/drawingml/2006/picture" xmlns:wp="http://schemas.openxmlformats.org/drawingml/2006/wordprocessingDrawing" xmlns:xdr="http://schemas.openxmlformats.org/drawingml/2006/spreadsheetDrawing" xmlns:ns11="http://schemas.openxmlformats.org/drawingml/2006/compatibility" xmlns:ns12="http://schemas.openxmlformats.org/drawingml/2006/lockedCanvas">
+<p:sldMaster xmlns:r="http://schemas.openxmlformats.org/officeDocument/2006/relationships" xmlns:a="http://schemas.openxmlformats.org/drawingml/2006/main" xmlns:p="http://schemas.openxmlformats.org/presentationml/2006/main" xmlns:mc="http://schemas.openxmlformats.org/markup-compatibility/2006" xmlns:c="http://schemas.openxmlformats.org/drawingml/2006/chart" xmlns:ns6="http://schemas.openxmlformats.org/drawingml/2006/chartDrawing" xmlns:dgm="http://schemas.openxmlformats.org/drawingml/2006/diagram" xmlns:pic="http://schemas.openxmlformats.org/drawingml/2006/picture" xmlns:wp="http://schemas.openxmlformats.org/drawingml/2006/wordprocessingDrawing" xmlns:xdr="http://schemas.openxmlformats.org/drawingml/2006/spreadsheetDrawing" xmlns:ns11="http://schemas.openxmlformats.org/drawingml/2006/compatibility" xmlns:ns12="http://schemas.openxmlformats.org/drawingml/2006/lockedCanvas">
   <p:cSld>
     <p:bg>
       <p:bgRef idx="1001">
@@ -2762,7 +2762,7 @@
 </file>
 
 <file path=ppt/slides/slide1.xml><?xml version="1.0" encoding="utf-8"?>
-<p:sld xmlns:a="http://schemas.openxmlformats.org/drawingml/2006/main" xmlns:r="http://schemas.openxmlformats.org/officeDocument/2006/relationships" xmlns:p="http://schemas.openxmlformats.org/presentationml/2006/main" xmlns:mc="http://schemas.openxmlformats.org/markup-compatibility/2006" xmlns:c="http://schemas.openxmlformats.org/drawingml/2006/chart" xmlns:ns6="http://schemas.openxmlformats.org/drawingml/2006/chartDrawing" xmlns:dgm="http://schemas.openxmlformats.org/drawingml/2006/diagram" xmlns:pic="http://schemas.openxmlformats.org/drawingml/2006/picture" xmlns:wp="http://schemas.openxmlformats.org/drawingml/2006/wordprocessingDrawing" xmlns:xdr="http://schemas.openxmlformats.org/drawingml/2006/spreadsheetDrawing" xmlns:ns11="http://schemas.openxmlformats.org/drawingml/2006/compatibility" xmlns:ns12="http://schemas.openxmlformats.org/drawingml/2006/lockedCanvas">
+<p:sld xmlns:r="http://schemas.openxmlformats.org/officeDocument/2006/relationships" xmlns:a="http://schemas.openxmlformats.org/drawingml/2006/main" xmlns:p="http://schemas.openxmlformats.org/presentationml/2006/main" xmlns:mc="http://schemas.openxmlformats.org/markup-compatibility/2006" xmlns:c="http://schemas.openxmlformats.org/drawingml/2006/chart" xmlns:ns6="http://schemas.openxmlformats.org/drawingml/2006/chartDrawing" xmlns:dgm="http://schemas.openxmlformats.org/drawingml/2006/diagram" xmlns:pic="http://schemas.openxmlformats.org/drawingml/2006/picture" xmlns:wp="http://schemas.openxmlformats.org/drawingml/2006/wordprocessingDrawing" xmlns:xdr="http://schemas.openxmlformats.org/drawingml/2006/spreadsheetDrawing" xmlns:ns11="http://schemas.openxmlformats.org/drawingml/2006/compatibility" xmlns:ns12="http://schemas.openxmlformats.org/drawingml/2006/lockedCanvas">
   <p:cSld>
     <p:spTree>
       <p:nvGrpSpPr>
@@ -2823,9 +2823,9 @@
                               <a:alpha val="100000"/>
                             </a:srgbClr>
                           </a:solidFill>
-                          <a:latin typeface="Times New Roman"/>
-                          <a:ea typeface="Times New Roman"/>
-                          <a:cs typeface="Times New Roman"/>
+                          <a:latin typeface="Helvetica"/>
+                          <a:ea typeface="Helvetica"/>
+                          <a:cs typeface="Helvetica"/>
                         </a:rPr>
                         <a:t>Sepal.Length</a:t>
                       </a:r>
@@ -2890,9 +2890,9 @@
                               <a:alpha val="100000"/>
                             </a:srgbClr>
                           </a:solidFill>
-                          <a:latin typeface="Times New Roman"/>
-                          <a:ea typeface="Times New Roman"/>
-                          <a:cs typeface="Times New Roman"/>
+                          <a:latin typeface="Helvetica"/>
+                          <a:ea typeface="Helvetica"/>
+                          <a:cs typeface="Helvetica"/>
                         </a:rPr>
                         <a:t>Sepal.Width</a:t>
                       </a:r>
@@ -2957,9 +2957,9 @@
                               <a:alpha val="100000"/>
                             </a:srgbClr>
                           </a:solidFill>
-                          <a:latin typeface="Times New Roman"/>
-                          <a:ea typeface="Times New Roman"/>
-                          <a:cs typeface="Times New Roman"/>
+                          <a:latin typeface="Helvetica"/>
+                          <a:ea typeface="Helvetica"/>
+                          <a:cs typeface="Helvetica"/>
                         </a:rPr>
                         <a:t>Petal.Length</a:t>
                       </a:r>
@@ -3024,9 +3024,9 @@
                               <a:alpha val="100000"/>
                             </a:srgbClr>
                           </a:solidFill>
-                          <a:latin typeface="Times New Roman"/>
-                          <a:ea typeface="Times New Roman"/>
-                          <a:cs typeface="Times New Roman"/>
+                          <a:latin typeface="Helvetica"/>
+                          <a:ea typeface="Helvetica"/>
+                          <a:cs typeface="Helvetica"/>
                         </a:rPr>
                         <a:t>Petal.Width</a:t>
                       </a:r>
@@ -3091,9 +3091,9 @@
                               <a:alpha val="100000"/>
                             </a:srgbClr>
                           </a:solidFill>
-                          <a:latin typeface="Times New Roman"/>
-                          <a:ea typeface="Times New Roman"/>
-                          <a:cs typeface="Times New Roman"/>
+                          <a:latin typeface="Helvetica"/>
+                          <a:ea typeface="Helvetica"/>
+                          <a:cs typeface="Helvetica"/>
                         </a:rPr>
                         <a:t>Species</a:t>
                       </a:r>
@@ -3160,9 +3160,9 @@
                               <a:alpha val="100000"/>
                             </a:srgbClr>
                           </a:solidFill>
-                          <a:latin typeface="Times New Roman"/>
-                          <a:ea typeface="Times New Roman"/>
-                          <a:cs typeface="Times New Roman"/>
+                          <a:latin typeface="Helvetica"/>
+                          <a:ea typeface="Helvetica"/>
+                          <a:cs typeface="Helvetica"/>
                         </a:rPr>
                         <a:t/>
                       </a:r>
@@ -3173,9 +3173,9 @@
                               <a:alpha val="100000"/>
                             </a:srgbClr>
                           </a:solidFill>
-                          <a:latin typeface="Times New Roman"/>
-                          <a:ea typeface="Times New Roman"/>
-                          <a:cs typeface="Times New Roman"/>
+                          <a:latin typeface="Helvetica"/>
+                          <a:ea typeface="Helvetica"/>
+                          <a:cs typeface="Helvetica"/>
                         </a:rPr>
                         <a:t>5.1</a:t>
                       </a:r>
@@ -3239,9 +3239,9 @@
                               <a:alpha val="100000"/>
                             </a:srgbClr>
                           </a:solidFill>
-                          <a:latin typeface="Times New Roman"/>
-                          <a:ea typeface="Times New Roman"/>
-                          <a:cs typeface="Times New Roman"/>
+                          <a:latin typeface="Helvetica"/>
+                          <a:ea typeface="Helvetica"/>
+                          <a:cs typeface="Helvetica"/>
                         </a:rPr>
                         <a:t/>
                       </a:r>
@@ -3252,9 +3252,9 @@
                               <a:alpha val="100000"/>
                             </a:srgbClr>
                           </a:solidFill>
-                          <a:latin typeface="Times New Roman"/>
-                          <a:ea typeface="Times New Roman"/>
-                          <a:cs typeface="Times New Roman"/>
+                          <a:latin typeface="Helvetica"/>
+                          <a:ea typeface="Helvetica"/>
+                          <a:cs typeface="Helvetica"/>
                         </a:rPr>
                         <a:t>3.5</a:t>
                       </a:r>
@@ -3318,9 +3318,9 @@
                               <a:alpha val="100000"/>
                             </a:srgbClr>
                           </a:solidFill>
-                          <a:latin typeface="Times New Roman"/>
-                          <a:ea typeface="Times New Roman"/>
-                          <a:cs typeface="Times New Roman"/>
+                          <a:latin typeface="Helvetica"/>
+                          <a:ea typeface="Helvetica"/>
+                          <a:cs typeface="Helvetica"/>
                         </a:rPr>
                         <a:t/>
                       </a:r>
@@ -3331,9 +3331,9 @@
                               <a:alpha val="100000"/>
                             </a:srgbClr>
                           </a:solidFill>
-                          <a:latin typeface="Times New Roman"/>
-                          <a:ea typeface="Times New Roman"/>
-                          <a:cs typeface="Times New Roman"/>
+                          <a:latin typeface="Helvetica"/>
+                          <a:ea typeface="Helvetica"/>
+                          <a:cs typeface="Helvetica"/>
                         </a:rPr>
                         <a:t>1.4</a:t>
                       </a:r>
@@ -3397,9 +3397,9 @@
                               <a:alpha val="100000"/>
                             </a:srgbClr>
                           </a:solidFill>
-                          <a:latin typeface="Times New Roman"/>
-                          <a:ea typeface="Times New Roman"/>
-                          <a:cs typeface="Times New Roman"/>
+                          <a:latin typeface="Helvetica"/>
+                          <a:ea typeface="Helvetica"/>
+                          <a:cs typeface="Helvetica"/>
                         </a:rPr>
                         <a:t/>
                       </a:r>
@@ -3410,9 +3410,9 @@
                               <a:alpha val="100000"/>
                             </a:srgbClr>
                           </a:solidFill>
-                          <a:latin typeface="Times New Roman"/>
-                          <a:ea typeface="Times New Roman"/>
-                          <a:cs typeface="Times New Roman"/>
+                          <a:latin typeface="Helvetica"/>
+                          <a:ea typeface="Helvetica"/>
+                          <a:cs typeface="Helvetica"/>
                         </a:rPr>
                         <a:t>0.2</a:t>
                       </a:r>
@@ -3476,9 +3476,9 @@
                               <a:alpha val="100000"/>
                             </a:srgbClr>
                           </a:solidFill>
-                          <a:latin typeface="Times New Roman"/>
-                          <a:ea typeface="Times New Roman"/>
-                          <a:cs typeface="Times New Roman"/>
+                          <a:latin typeface="Helvetica"/>
+                          <a:ea typeface="Helvetica"/>
+                          <a:cs typeface="Helvetica"/>
                         </a:rPr>
                         <a:t/>
                       </a:r>
@@ -3489,9 +3489,9 @@
                               <a:alpha val="100000"/>
                             </a:srgbClr>
                           </a:solidFill>
-                          <a:latin typeface="Times New Roman"/>
-                          <a:ea typeface="Times New Roman"/>
-                          <a:cs typeface="Times New Roman"/>
+                          <a:latin typeface="Helvetica"/>
+                          <a:ea typeface="Helvetica"/>
+                          <a:cs typeface="Helvetica"/>
                         </a:rPr>
                         <a:t>setosa</a:t>
                       </a:r>
@@ -3557,9 +3557,9 @@
                               <a:alpha val="100000"/>
                             </a:srgbClr>
                           </a:solidFill>
-                          <a:latin typeface="Times New Roman"/>
-                          <a:ea typeface="Times New Roman"/>
-                          <a:cs typeface="Times New Roman"/>
+                          <a:latin typeface="Helvetica"/>
+                          <a:ea typeface="Helvetica"/>
+                          <a:cs typeface="Helvetica"/>
                         </a:rPr>
                         <a:t/>
                       </a:r>
@@ -3570,9 +3570,9 @@
                               <a:alpha val="100000"/>
                             </a:srgbClr>
                           </a:solidFill>
-                          <a:latin typeface="Times New Roman"/>
-                          <a:ea typeface="Times New Roman"/>
-                          <a:cs typeface="Times New Roman"/>
+                          <a:latin typeface="Helvetica"/>
+                          <a:ea typeface="Helvetica"/>
+                          <a:cs typeface="Helvetica"/>
                         </a:rPr>
                         <a:t>4.9</a:t>
                       </a:r>
@@ -3635,9 +3635,9 @@
                               <a:alpha val="100000"/>
                             </a:srgbClr>
                           </a:solidFill>
-                          <a:latin typeface="Times New Roman"/>
-                          <a:ea typeface="Times New Roman"/>
-                          <a:cs typeface="Times New Roman"/>
+                          <a:latin typeface="Helvetica"/>
+                          <a:ea typeface="Helvetica"/>
+                          <a:cs typeface="Helvetica"/>
                         </a:rPr>
                         <a:t/>
                       </a:r>
@@ -3648,9 +3648,9 @@
                               <a:alpha val="100000"/>
                             </a:srgbClr>
                           </a:solidFill>
-                          <a:latin typeface="Times New Roman"/>
-                          <a:ea typeface="Times New Roman"/>
-                          <a:cs typeface="Times New Roman"/>
+                          <a:latin typeface="Helvetica"/>
+                          <a:ea typeface="Helvetica"/>
+                          <a:cs typeface="Helvetica"/>
                         </a:rPr>
                         <a:t>3.0</a:t>
                       </a:r>
@@ -3713,9 +3713,9 @@
                               <a:alpha val="100000"/>
                             </a:srgbClr>
                           </a:solidFill>
-                          <a:latin typeface="Times New Roman"/>
-                          <a:ea typeface="Times New Roman"/>
-                          <a:cs typeface="Times New Roman"/>
+                          <a:latin typeface="Helvetica"/>
+                          <a:ea typeface="Helvetica"/>
+                          <a:cs typeface="Helvetica"/>
                         </a:rPr>
                         <a:t/>
                       </a:r>
@@ -3726,9 +3726,9 @@
                               <a:alpha val="100000"/>
                             </a:srgbClr>
                           </a:solidFill>
-                          <a:latin typeface="Times New Roman"/>
-                          <a:ea typeface="Times New Roman"/>
-                          <a:cs typeface="Times New Roman"/>
+                          <a:latin typeface="Helvetica"/>
+                          <a:ea typeface="Helvetica"/>
+                          <a:cs typeface="Helvetica"/>
                         </a:rPr>
                         <a:t>1.4</a:t>
                       </a:r>
@@ -3791,9 +3791,9 @@
                               <a:alpha val="100000"/>
                             </a:srgbClr>
                           </a:solidFill>
-                          <a:latin typeface="Times New Roman"/>
-                          <a:ea typeface="Times New Roman"/>
-                          <a:cs typeface="Times New Roman"/>
+                          <a:latin typeface="Helvetica"/>
+                          <a:ea typeface="Helvetica"/>
+                          <a:cs typeface="Helvetica"/>
                         </a:rPr>
                         <a:t/>
                       </a:r>
@@ -3804,9 +3804,9 @@
                               <a:alpha val="100000"/>
                             </a:srgbClr>
                           </a:solidFill>
-                          <a:latin typeface="Times New Roman"/>
-                          <a:ea typeface="Times New Roman"/>
-                          <a:cs typeface="Times New Roman"/>
+                          <a:latin typeface="Helvetica"/>
+                          <a:ea typeface="Helvetica"/>
+                          <a:cs typeface="Helvetica"/>
                         </a:rPr>
                         <a:t>0.2</a:t>
                       </a:r>
@@ -3869,9 +3869,9 @@
                               <a:alpha val="100000"/>
                             </a:srgbClr>
                           </a:solidFill>
-                          <a:latin typeface="Times New Roman"/>
-                          <a:ea typeface="Times New Roman"/>
-                          <a:cs typeface="Times New Roman"/>
+                          <a:latin typeface="Helvetica"/>
+                          <a:ea typeface="Helvetica"/>
+                          <a:cs typeface="Helvetica"/>
                         </a:rPr>
                         <a:t/>
                       </a:r>
@@ -3882,9 +3882,9 @@
                               <a:alpha val="100000"/>
                             </a:srgbClr>
                           </a:solidFill>
-                          <a:latin typeface="Times New Roman"/>
-                          <a:ea typeface="Times New Roman"/>
-                          <a:cs typeface="Times New Roman"/>
+                          <a:latin typeface="Helvetica"/>
+                          <a:ea typeface="Helvetica"/>
+                          <a:cs typeface="Helvetica"/>
                         </a:rPr>
                         <a:t>setosa</a:t>
                       </a:r>
@@ -3949,9 +3949,9 @@
                               <a:alpha val="100000"/>
                             </a:srgbClr>
                           </a:solidFill>
-                          <a:latin typeface="Times New Roman"/>
-                          <a:ea typeface="Times New Roman"/>
-                          <a:cs typeface="Times New Roman"/>
+                          <a:latin typeface="Helvetica"/>
+                          <a:ea typeface="Helvetica"/>
+                          <a:cs typeface="Helvetica"/>
                         </a:rPr>
                         <a:t/>
                       </a:r>
@@ -3962,9 +3962,9 @@
                               <a:alpha val="100000"/>
                             </a:srgbClr>
                           </a:solidFill>
-                          <a:latin typeface="Times New Roman"/>
-                          <a:ea typeface="Times New Roman"/>
-                          <a:cs typeface="Times New Roman"/>
+                          <a:latin typeface="Helvetica"/>
+                          <a:ea typeface="Helvetica"/>
+                          <a:cs typeface="Helvetica"/>
                         </a:rPr>
                         <a:t>4.7</a:t>
                       </a:r>
@@ -4027,9 +4027,9 @@
                               <a:alpha val="100000"/>
                             </a:srgbClr>
                           </a:solidFill>
-                          <a:latin typeface="Times New Roman"/>
-                          <a:ea typeface="Times New Roman"/>
-                          <a:cs typeface="Times New Roman"/>
+                          <a:latin typeface="Helvetica"/>
+                          <a:ea typeface="Helvetica"/>
+                          <a:cs typeface="Helvetica"/>
                         </a:rPr>
                         <a:t/>
                       </a:r>
@@ -4040,9 +4040,9 @@
                               <a:alpha val="100000"/>
                             </a:srgbClr>
                           </a:solidFill>
-                          <a:latin typeface="Times New Roman"/>
-                          <a:ea typeface="Times New Roman"/>
-                          <a:cs typeface="Times New Roman"/>
+                          <a:latin typeface="Helvetica"/>
+                          <a:ea typeface="Helvetica"/>
+                          <a:cs typeface="Helvetica"/>
                         </a:rPr>
                         <a:t>3.2</a:t>
                       </a:r>
@@ -4105,9 +4105,9 @@
                               <a:alpha val="100000"/>
                             </a:srgbClr>
                           </a:solidFill>
-                          <a:latin typeface="Times New Roman"/>
-                          <a:ea typeface="Times New Roman"/>
-                          <a:cs typeface="Times New Roman"/>
+                          <a:latin typeface="Helvetica"/>
+                          <a:ea typeface="Helvetica"/>
+                          <a:cs typeface="Helvetica"/>
                         </a:rPr>
                         <a:t/>
                       </a:r>
@@ -4118,9 +4118,9 @@
                               <a:alpha val="100000"/>
                             </a:srgbClr>
                           </a:solidFill>
-                          <a:latin typeface="Times New Roman"/>
-                          <a:ea typeface="Times New Roman"/>
-                          <a:cs typeface="Times New Roman"/>
+                          <a:latin typeface="Helvetica"/>
+                          <a:ea typeface="Helvetica"/>
+                          <a:cs typeface="Helvetica"/>
                         </a:rPr>
                         <a:t>1.3</a:t>
                       </a:r>
@@ -4183,9 +4183,9 @@
                               <a:alpha val="100000"/>
                             </a:srgbClr>
                           </a:solidFill>
-                          <a:latin typeface="Times New Roman"/>
-                          <a:ea typeface="Times New Roman"/>
-                          <a:cs typeface="Times New Roman"/>
+                          <a:latin typeface="Helvetica"/>
+                          <a:ea typeface="Helvetica"/>
+                          <a:cs typeface="Helvetica"/>
                         </a:rPr>
                         <a:t/>
                       </a:r>
@@ -4196,9 +4196,9 @@
                               <a:alpha val="100000"/>
                             </a:srgbClr>
                           </a:solidFill>
-                          <a:latin typeface="Times New Roman"/>
-                          <a:ea typeface="Times New Roman"/>
-                          <a:cs typeface="Times New Roman"/>
+                          <a:latin typeface="Helvetica"/>
+                          <a:ea typeface="Helvetica"/>
+                          <a:cs typeface="Helvetica"/>
                         </a:rPr>
                         <a:t>0.2</a:t>
                       </a:r>
@@ -4261,9 +4261,9 @@
                               <a:alpha val="100000"/>
                             </a:srgbClr>
                           </a:solidFill>
-                          <a:latin typeface="Times New Roman"/>
-                          <a:ea typeface="Times New Roman"/>
-                          <a:cs typeface="Times New Roman"/>
+                          <a:latin typeface="Helvetica"/>
+                          <a:ea typeface="Helvetica"/>
+                          <a:cs typeface="Helvetica"/>
                         </a:rPr>
                         <a:t/>
                       </a:r>
@@ -4274,9 +4274,9 @@
                               <a:alpha val="100000"/>
                             </a:srgbClr>
                           </a:solidFill>
-                          <a:latin typeface="Times New Roman"/>
-                          <a:ea typeface="Times New Roman"/>
-                          <a:cs typeface="Times New Roman"/>
+                          <a:latin typeface="Helvetica"/>
+                          <a:ea typeface="Helvetica"/>
+                          <a:cs typeface="Helvetica"/>
                         </a:rPr>
                         <a:t>setosa</a:t>
                       </a:r>
@@ -4341,9 +4341,9 @@
                               <a:alpha val="100000"/>
                             </a:srgbClr>
                           </a:solidFill>
-                          <a:latin typeface="Times New Roman"/>
-                          <a:ea typeface="Times New Roman"/>
-                          <a:cs typeface="Times New Roman"/>
+                          <a:latin typeface="Helvetica"/>
+                          <a:ea typeface="Helvetica"/>
+                          <a:cs typeface="Helvetica"/>
                         </a:rPr>
                         <a:t/>
                       </a:r>
@@ -4354,9 +4354,9 @@
                               <a:alpha val="100000"/>
                             </a:srgbClr>
                           </a:solidFill>
-                          <a:latin typeface="Times New Roman"/>
-                          <a:ea typeface="Times New Roman"/>
-                          <a:cs typeface="Times New Roman"/>
+                          <a:latin typeface="Helvetica"/>
+                          <a:ea typeface="Helvetica"/>
+                          <a:cs typeface="Helvetica"/>
                         </a:rPr>
                         <a:t>4.6</a:t>
                       </a:r>
@@ -4419,9 +4419,9 @@
                               <a:alpha val="100000"/>
                             </a:srgbClr>
                           </a:solidFill>
-                          <a:latin typeface="Times New Roman"/>
-                          <a:ea typeface="Times New Roman"/>
-                          <a:cs typeface="Times New Roman"/>
+                          <a:latin typeface="Helvetica"/>
+                          <a:ea typeface="Helvetica"/>
+                          <a:cs typeface="Helvetica"/>
                         </a:rPr>
                         <a:t/>
                       </a:r>
@@ -4432,9 +4432,9 @@
                               <a:alpha val="100000"/>
                             </a:srgbClr>
                           </a:solidFill>
-                          <a:latin typeface="Times New Roman"/>
-                          <a:ea typeface="Times New Roman"/>
-                          <a:cs typeface="Times New Roman"/>
+                          <a:latin typeface="Helvetica"/>
+                          <a:ea typeface="Helvetica"/>
+                          <a:cs typeface="Helvetica"/>
                         </a:rPr>
                         <a:t>3.1</a:t>
                       </a:r>
@@ -4497,9 +4497,9 @@
                               <a:alpha val="100000"/>
                             </a:srgbClr>
                           </a:solidFill>
-                          <a:latin typeface="Times New Roman"/>
-                          <a:ea typeface="Times New Roman"/>
-                          <a:cs typeface="Times New Roman"/>
+                          <a:latin typeface="Helvetica"/>
+                          <a:ea typeface="Helvetica"/>
+                          <a:cs typeface="Helvetica"/>
                         </a:rPr>
                         <a:t/>
                       </a:r>
@@ -4510,9 +4510,9 @@
                               <a:alpha val="100000"/>
                             </a:srgbClr>
                           </a:solidFill>
-                          <a:latin typeface="Times New Roman"/>
-                          <a:ea typeface="Times New Roman"/>
-                          <a:cs typeface="Times New Roman"/>
+                          <a:latin typeface="Helvetica"/>
+                          <a:ea typeface="Helvetica"/>
+                          <a:cs typeface="Helvetica"/>
                         </a:rPr>
                         <a:t>1.5</a:t>
                       </a:r>
@@ -4575,9 +4575,9 @@
                               <a:alpha val="100000"/>
                             </a:srgbClr>
                           </a:solidFill>
-                          <a:latin typeface="Times New Roman"/>
-                          <a:ea typeface="Times New Roman"/>
-                          <a:cs typeface="Times New Roman"/>
+                          <a:latin typeface="Helvetica"/>
+                          <a:ea typeface="Helvetica"/>
+                          <a:cs typeface="Helvetica"/>
                         </a:rPr>
                         <a:t/>
                       </a:r>
@@ -4588,9 +4588,9 @@
                               <a:alpha val="100000"/>
                             </a:srgbClr>
                           </a:solidFill>
-                          <a:latin typeface="Times New Roman"/>
-                          <a:ea typeface="Times New Roman"/>
-                          <a:cs typeface="Times New Roman"/>
+                          <a:latin typeface="Helvetica"/>
+                          <a:ea typeface="Helvetica"/>
+                          <a:cs typeface="Helvetica"/>
                         </a:rPr>
                         <a:t>0.2</a:t>
                       </a:r>
@@ -4653,9 +4653,9 @@
                               <a:alpha val="100000"/>
                             </a:srgbClr>
                           </a:solidFill>
-                          <a:latin typeface="Times New Roman"/>
-                          <a:ea typeface="Times New Roman"/>
-                          <a:cs typeface="Times New Roman"/>
+                          <a:latin typeface="Helvetica"/>
+                          <a:ea typeface="Helvetica"/>
+                          <a:cs typeface="Helvetica"/>
                         </a:rPr>
                         <a:t/>
                       </a:r>
@@ -4666,9 +4666,9 @@
                               <a:alpha val="100000"/>
                             </a:srgbClr>
                           </a:solidFill>
-                          <a:latin typeface="Times New Roman"/>
-                          <a:ea typeface="Times New Roman"/>
-                          <a:cs typeface="Times New Roman"/>
+                          <a:latin typeface="Helvetica"/>
+                          <a:ea typeface="Helvetica"/>
+                          <a:cs typeface="Helvetica"/>
                         </a:rPr>
                         <a:t>setosa</a:t>
                       </a:r>
@@ -4733,9 +4733,9 @@
                               <a:alpha val="100000"/>
                             </a:srgbClr>
                           </a:solidFill>
-                          <a:latin typeface="Times New Roman"/>
-                          <a:ea typeface="Times New Roman"/>
-                          <a:cs typeface="Times New Roman"/>
+                          <a:latin typeface="Helvetica"/>
+                          <a:ea typeface="Helvetica"/>
+                          <a:cs typeface="Helvetica"/>
                         </a:rPr>
                         <a:t/>
                       </a:r>
@@ -4746,9 +4746,9 @@
                               <a:alpha val="100000"/>
                             </a:srgbClr>
                           </a:solidFill>
-                          <a:latin typeface="Times New Roman"/>
-                          <a:ea typeface="Times New Roman"/>
-                          <a:cs typeface="Times New Roman"/>
+                          <a:latin typeface="Helvetica"/>
+                          <a:ea typeface="Helvetica"/>
+                          <a:cs typeface="Helvetica"/>
                         </a:rPr>
                         <a:t>5.0</a:t>
                       </a:r>
@@ -4811,9 +4811,9 @@
                               <a:alpha val="100000"/>
                             </a:srgbClr>
                           </a:solidFill>
-                          <a:latin typeface="Times New Roman"/>
-                          <a:ea typeface="Times New Roman"/>
-                          <a:cs typeface="Times New Roman"/>
+                          <a:latin typeface="Helvetica"/>
+                          <a:ea typeface="Helvetica"/>
+                          <a:cs typeface="Helvetica"/>
                         </a:rPr>
                         <a:t/>
                       </a:r>
@@ -4824,9 +4824,9 @@
                               <a:alpha val="100000"/>
                             </a:srgbClr>
                           </a:solidFill>
-                          <a:latin typeface="Times New Roman"/>
-                          <a:ea typeface="Times New Roman"/>
-                          <a:cs typeface="Times New Roman"/>
+                          <a:latin typeface="Helvetica"/>
+                          <a:ea typeface="Helvetica"/>
+                          <a:cs typeface="Helvetica"/>
                         </a:rPr>
                         <a:t>3.6</a:t>
                       </a:r>
@@ -4889,9 +4889,9 @@
                               <a:alpha val="100000"/>
                             </a:srgbClr>
                           </a:solidFill>
-                          <a:latin typeface="Times New Roman"/>
-                          <a:ea typeface="Times New Roman"/>
-                          <a:cs typeface="Times New Roman"/>
+                          <a:latin typeface="Helvetica"/>
+                          <a:ea typeface="Helvetica"/>
+                          <a:cs typeface="Helvetica"/>
                         </a:rPr>
                         <a:t/>
                       </a:r>
@@ -4902,9 +4902,9 @@
                               <a:alpha val="100000"/>
                             </a:srgbClr>
                           </a:solidFill>
-                          <a:latin typeface="Times New Roman"/>
-                          <a:ea typeface="Times New Roman"/>
-                          <a:cs typeface="Times New Roman"/>
+                          <a:latin typeface="Helvetica"/>
+                          <a:ea typeface="Helvetica"/>
+                          <a:cs typeface="Helvetica"/>
                         </a:rPr>
                         <a:t>1.4</a:t>
                       </a:r>
@@ -4967,9 +4967,9 @@
                               <a:alpha val="100000"/>
                             </a:srgbClr>
                           </a:solidFill>
-                          <a:latin typeface="Times New Roman"/>
-                          <a:ea typeface="Times New Roman"/>
-                          <a:cs typeface="Times New Roman"/>
+                          <a:latin typeface="Helvetica"/>
+                          <a:ea typeface="Helvetica"/>
+                          <a:cs typeface="Helvetica"/>
                         </a:rPr>
                         <a:t/>
                       </a:r>
@@ -4980,9 +4980,9 @@
                               <a:alpha val="100000"/>
                             </a:srgbClr>
                           </a:solidFill>
-                          <a:latin typeface="Times New Roman"/>
-                          <a:ea typeface="Times New Roman"/>
-                          <a:cs typeface="Times New Roman"/>
+                          <a:latin typeface="Helvetica"/>
+                          <a:ea typeface="Helvetica"/>
+                          <a:cs typeface="Helvetica"/>
                         </a:rPr>
                         <a:t>0.2</a:t>
                       </a:r>
@@ -5045,9 +5045,9 @@
                               <a:alpha val="100000"/>
                             </a:srgbClr>
                           </a:solidFill>
-                          <a:latin typeface="Times New Roman"/>
-                          <a:ea typeface="Times New Roman"/>
-                          <a:cs typeface="Times New Roman"/>
+                          <a:latin typeface="Helvetica"/>
+                          <a:ea typeface="Helvetica"/>
+                          <a:cs typeface="Helvetica"/>
                         </a:rPr>
                         <a:t/>
                       </a:r>
@@ -5058,9 +5058,9 @@
                               <a:alpha val="100000"/>
                             </a:srgbClr>
                           </a:solidFill>
-                          <a:latin typeface="Times New Roman"/>
-                          <a:ea typeface="Times New Roman"/>
-                          <a:cs typeface="Times New Roman"/>
+                          <a:latin typeface="Helvetica"/>
+                          <a:ea typeface="Helvetica"/>
+                          <a:cs typeface="Helvetica"/>
                         </a:rPr>
                         <a:t>setosa</a:t>
                       </a:r>
@@ -5125,9 +5125,9 @@
                               <a:alpha val="100000"/>
                             </a:srgbClr>
                           </a:solidFill>
-                          <a:latin typeface="Times New Roman"/>
-                          <a:ea typeface="Times New Roman"/>
-                          <a:cs typeface="Times New Roman"/>
+                          <a:latin typeface="Helvetica"/>
+                          <a:ea typeface="Helvetica"/>
+                          <a:cs typeface="Helvetica"/>
                         </a:rPr>
                         <a:t/>
                       </a:r>
@@ -5138,9 +5138,9 @@
                               <a:alpha val="100000"/>
                             </a:srgbClr>
                           </a:solidFill>
-                          <a:latin typeface="Times New Roman"/>
-                          <a:ea typeface="Times New Roman"/>
-                          <a:cs typeface="Times New Roman"/>
+                          <a:latin typeface="Helvetica"/>
+                          <a:ea typeface="Helvetica"/>
+                          <a:cs typeface="Helvetica"/>
                         </a:rPr>
                         <a:t>5.4</a:t>
                       </a:r>
@@ -5204,9 +5204,9 @@
                               <a:alpha val="100000"/>
                             </a:srgbClr>
                           </a:solidFill>
-                          <a:latin typeface="Times New Roman"/>
-                          <a:ea typeface="Times New Roman"/>
-                          <a:cs typeface="Times New Roman"/>
+                          <a:latin typeface="Helvetica"/>
+                          <a:ea typeface="Helvetica"/>
+                          <a:cs typeface="Helvetica"/>
                         </a:rPr>
                         <a:t/>
                       </a:r>
@@ -5217,9 +5217,9 @@
                               <a:alpha val="100000"/>
                             </a:srgbClr>
                           </a:solidFill>
-                          <a:latin typeface="Times New Roman"/>
-                          <a:ea typeface="Times New Roman"/>
-                          <a:cs typeface="Times New Roman"/>
+                          <a:latin typeface="Helvetica"/>
+                          <a:ea typeface="Helvetica"/>
+                          <a:cs typeface="Helvetica"/>
                         </a:rPr>
                         <a:t>3.9</a:t>
                       </a:r>
@@ -5283,9 +5283,9 @@
                               <a:alpha val="100000"/>
                             </a:srgbClr>
                           </a:solidFill>
-                          <a:latin typeface="Times New Roman"/>
-                          <a:ea typeface="Times New Roman"/>
-                          <a:cs typeface="Times New Roman"/>
+                          <a:latin typeface="Helvetica"/>
+                          <a:ea typeface="Helvetica"/>
+                          <a:cs typeface="Helvetica"/>
                         </a:rPr>
                         <a:t/>
                       </a:r>
@@ -5296,9 +5296,9 @@
                               <a:alpha val="100000"/>
                             </a:srgbClr>
                           </a:solidFill>
-                          <a:latin typeface="Times New Roman"/>
-                          <a:ea typeface="Times New Roman"/>
-                          <a:cs typeface="Times New Roman"/>
+                          <a:latin typeface="Helvetica"/>
+                          <a:ea typeface="Helvetica"/>
+                          <a:cs typeface="Helvetica"/>
                         </a:rPr>
                         <a:t>1.7</a:t>
                       </a:r>
@@ -5362,9 +5362,9 @@
                               <a:alpha val="100000"/>
                             </a:srgbClr>
                           </a:solidFill>
-                          <a:latin typeface="Times New Roman"/>
-                          <a:ea typeface="Times New Roman"/>
-                          <a:cs typeface="Times New Roman"/>
+                          <a:latin typeface="Helvetica"/>
+                          <a:ea typeface="Helvetica"/>
+                          <a:cs typeface="Helvetica"/>
                         </a:rPr>
                         <a:t/>
                       </a:r>
@@ -5375,9 +5375,9 @@
                               <a:alpha val="100000"/>
                             </a:srgbClr>
                           </a:solidFill>
-                          <a:latin typeface="Times New Roman"/>
-                          <a:ea typeface="Times New Roman"/>
-                          <a:cs typeface="Times New Roman"/>
+                          <a:latin typeface="Helvetica"/>
+                          <a:ea typeface="Helvetica"/>
+                          <a:cs typeface="Helvetica"/>
                         </a:rPr>
                         <a:t>0.4</a:t>
                       </a:r>
@@ -5441,9 +5441,9 @@
                               <a:alpha val="100000"/>
                             </a:srgbClr>
                           </a:solidFill>
-                          <a:latin typeface="Times New Roman"/>
-                          <a:ea typeface="Times New Roman"/>
-                          <a:cs typeface="Times New Roman"/>
+                          <a:latin typeface="Helvetica"/>
+                          <a:ea typeface="Helvetica"/>
+                          <a:cs typeface="Helvetica"/>
                         </a:rPr>
                         <a:t/>
                       </a:r>
@@ -5454,9 +5454,9 @@
                               <a:alpha val="100000"/>
                             </a:srgbClr>
                           </a:solidFill>
-                          <a:latin typeface="Times New Roman"/>
-                          <a:ea typeface="Times New Roman"/>
-                          <a:cs typeface="Times New Roman"/>
+                          <a:latin typeface="Helvetica"/>
+                          <a:ea typeface="Helvetica"/>
+                          <a:cs typeface="Helvetica"/>
                         </a:rPr>
                         <a:t>setosa</a:t>
                       </a:r>

--- a/docs/articles/pipe_example.pptx
+++ b/docs/articles/pipe_example.pptx
@@ -1,11 +1,11 @@
 
 <file path=ppt/presentation.xml><?xml version="1.0" encoding="utf-8"?>
-<p:presentation xmlns:r="http://schemas.openxmlformats.org/officeDocument/2006/relationships" xmlns:a="http://schemas.openxmlformats.org/drawingml/2006/main" xmlns:p="http://schemas.openxmlformats.org/presentationml/2006/main" xmlns:mc="http://schemas.openxmlformats.org/markup-compatibility/2006" xmlns:c="http://schemas.openxmlformats.org/drawingml/2006/chart" xmlns:ns6="http://schemas.openxmlformats.org/drawingml/2006/chartDrawing" xmlns:dgm="http://schemas.openxmlformats.org/drawingml/2006/diagram" xmlns:pic="http://schemas.openxmlformats.org/drawingml/2006/picture" xmlns:wp="http://schemas.openxmlformats.org/drawingml/2006/wordprocessingDrawing" xmlns:xdr="http://schemas.openxmlformats.org/drawingml/2006/spreadsheetDrawing" xmlns:ns11="http://schemas.openxmlformats.org/drawingml/2006/compatibility" xmlns:ns12="http://schemas.openxmlformats.org/drawingml/2006/lockedCanvas" saveSubsetFonts="true">
+<p:presentation xmlns:a="http://schemas.openxmlformats.org/drawingml/2006/main" xmlns:r="http://schemas.openxmlformats.org/officeDocument/2006/relationships" xmlns:p="http://schemas.openxmlformats.org/presentationml/2006/main" xmlns:mc="http://schemas.openxmlformats.org/markup-compatibility/2006" xmlns:c="http://schemas.openxmlformats.org/drawingml/2006/chart" xmlns:ns6="http://schemas.openxmlformats.org/drawingml/2006/chartDrawing" xmlns:dgm="http://schemas.openxmlformats.org/drawingml/2006/diagram" xmlns:pic="http://schemas.openxmlformats.org/drawingml/2006/picture" xmlns:wp="http://schemas.openxmlformats.org/drawingml/2006/wordprocessingDrawing" xmlns:xdr="http://schemas.openxmlformats.org/drawingml/2006/spreadsheetDrawing" xmlns:ns11="http://schemas.openxmlformats.org/drawingml/2006/compatibility" xmlns:ns12="http://schemas.openxmlformats.org/drawingml/2006/lockedCanvas" saveSubsetFonts="true">
   <p:sldMasterIdLst>
     <p:sldMasterId id="2147483648" r:id="rId1"/>
   </p:sldMasterIdLst>
   <p:sldIdLst>
-    <p:sldId id="87856437" r:id="rId6"/>
+    <p:sldId id="596616382" r:id="rId6"/>
   </p:sldIdLst>
   <p:sldSz cx="12192000" cy="6858000"/>
   <p:notesSz cx="6858000" cy="9144000"/>
@@ -113,7 +113,7 @@
 </file>
 
 <file path=ppt/slideLayouts/slideLayout1.xml><?xml version="1.0" encoding="utf-8"?>
-<p:sldLayout xmlns:r="http://schemas.openxmlformats.org/officeDocument/2006/relationships" xmlns:a="http://schemas.openxmlformats.org/drawingml/2006/main" xmlns:p="http://schemas.openxmlformats.org/presentationml/2006/main" xmlns:mc="http://schemas.openxmlformats.org/markup-compatibility/2006" xmlns:c="http://schemas.openxmlformats.org/drawingml/2006/chart" xmlns:ns6="http://schemas.openxmlformats.org/drawingml/2006/chartDrawing" xmlns:dgm="http://schemas.openxmlformats.org/drawingml/2006/diagram" xmlns:pic="http://schemas.openxmlformats.org/drawingml/2006/picture" xmlns:wp="http://schemas.openxmlformats.org/drawingml/2006/wordprocessingDrawing" xmlns:xdr="http://schemas.openxmlformats.org/drawingml/2006/spreadsheetDrawing" xmlns:ns11="http://schemas.openxmlformats.org/drawingml/2006/compatibility" xmlns:ns12="http://schemas.openxmlformats.org/drawingml/2006/lockedCanvas" type="title" preserve="true">
+<p:sldLayout xmlns:a="http://schemas.openxmlformats.org/drawingml/2006/main" xmlns:r="http://schemas.openxmlformats.org/officeDocument/2006/relationships" xmlns:p="http://schemas.openxmlformats.org/presentationml/2006/main" xmlns:mc="http://schemas.openxmlformats.org/markup-compatibility/2006" xmlns:c="http://schemas.openxmlformats.org/drawingml/2006/chart" xmlns:ns6="http://schemas.openxmlformats.org/drawingml/2006/chartDrawing" xmlns:dgm="http://schemas.openxmlformats.org/drawingml/2006/diagram" xmlns:pic="http://schemas.openxmlformats.org/drawingml/2006/picture" xmlns:wp="http://schemas.openxmlformats.org/drawingml/2006/wordprocessingDrawing" xmlns:xdr="http://schemas.openxmlformats.org/drawingml/2006/spreadsheetDrawing" xmlns:ns11="http://schemas.openxmlformats.org/drawingml/2006/compatibility" xmlns:ns12="http://schemas.openxmlformats.org/drawingml/2006/lockedCanvas" type="title" preserve="true">
   <p:cSld name="Title Slide">
     <p:spTree>
       <p:nvGrpSpPr>
@@ -312,7 +312,7 @@
 </file>
 
 <file path=ppt/slideLayouts/slideLayout10.xml><?xml version="1.0" encoding="utf-8"?>
-<p:sldLayout xmlns:r="http://schemas.openxmlformats.org/officeDocument/2006/relationships" xmlns:a="http://schemas.openxmlformats.org/drawingml/2006/main" xmlns:p="http://schemas.openxmlformats.org/presentationml/2006/main" xmlns:mc="http://schemas.openxmlformats.org/markup-compatibility/2006" xmlns:c="http://schemas.openxmlformats.org/drawingml/2006/chart" xmlns:ns6="http://schemas.openxmlformats.org/drawingml/2006/chartDrawing" xmlns:dgm="http://schemas.openxmlformats.org/drawingml/2006/diagram" xmlns:pic="http://schemas.openxmlformats.org/drawingml/2006/picture" xmlns:wp="http://schemas.openxmlformats.org/drawingml/2006/wordprocessingDrawing" xmlns:xdr="http://schemas.openxmlformats.org/drawingml/2006/spreadsheetDrawing" xmlns:ns11="http://schemas.openxmlformats.org/drawingml/2006/compatibility" xmlns:ns12="http://schemas.openxmlformats.org/drawingml/2006/lockedCanvas" type="vertTitleAndTx" preserve="true">
+<p:sldLayout xmlns:a="http://schemas.openxmlformats.org/drawingml/2006/main" xmlns:r="http://schemas.openxmlformats.org/officeDocument/2006/relationships" xmlns:p="http://schemas.openxmlformats.org/presentationml/2006/main" xmlns:mc="http://schemas.openxmlformats.org/markup-compatibility/2006" xmlns:c="http://schemas.openxmlformats.org/drawingml/2006/chart" xmlns:ns6="http://schemas.openxmlformats.org/drawingml/2006/chartDrawing" xmlns:dgm="http://schemas.openxmlformats.org/drawingml/2006/diagram" xmlns:pic="http://schemas.openxmlformats.org/drawingml/2006/picture" xmlns:wp="http://schemas.openxmlformats.org/drawingml/2006/wordprocessingDrawing" xmlns:xdr="http://schemas.openxmlformats.org/drawingml/2006/spreadsheetDrawing" xmlns:ns11="http://schemas.openxmlformats.org/drawingml/2006/compatibility" xmlns:ns12="http://schemas.openxmlformats.org/drawingml/2006/lockedCanvas" type="vertTitleAndTx" preserve="true">
   <p:cSld name="Vertical Title and Text">
     <p:spTree>
       <p:nvGrpSpPr>
@@ -499,7 +499,7 @@
 </file>
 
 <file path=ppt/slideLayouts/slideLayout2.xml><?xml version="1.0" encoding="utf-8"?>
-<p:sldLayout xmlns:r="http://schemas.openxmlformats.org/officeDocument/2006/relationships" xmlns:a="http://schemas.openxmlformats.org/drawingml/2006/main" xmlns:p="http://schemas.openxmlformats.org/presentationml/2006/main" xmlns:mc="http://schemas.openxmlformats.org/markup-compatibility/2006" xmlns:c="http://schemas.openxmlformats.org/drawingml/2006/chart" xmlns:ns6="http://schemas.openxmlformats.org/drawingml/2006/chartDrawing" xmlns:dgm="http://schemas.openxmlformats.org/drawingml/2006/diagram" xmlns:pic="http://schemas.openxmlformats.org/drawingml/2006/picture" xmlns:wp="http://schemas.openxmlformats.org/drawingml/2006/wordprocessingDrawing" xmlns:xdr="http://schemas.openxmlformats.org/drawingml/2006/spreadsheetDrawing" xmlns:ns11="http://schemas.openxmlformats.org/drawingml/2006/compatibility" xmlns:ns12="http://schemas.openxmlformats.org/drawingml/2006/lockedCanvas" type="obj" preserve="true">
+<p:sldLayout xmlns:a="http://schemas.openxmlformats.org/drawingml/2006/main" xmlns:r="http://schemas.openxmlformats.org/officeDocument/2006/relationships" xmlns:p="http://schemas.openxmlformats.org/presentationml/2006/main" xmlns:mc="http://schemas.openxmlformats.org/markup-compatibility/2006" xmlns:c="http://schemas.openxmlformats.org/drawingml/2006/chart" xmlns:ns6="http://schemas.openxmlformats.org/drawingml/2006/chartDrawing" xmlns:dgm="http://schemas.openxmlformats.org/drawingml/2006/diagram" xmlns:pic="http://schemas.openxmlformats.org/drawingml/2006/picture" xmlns:wp="http://schemas.openxmlformats.org/drawingml/2006/wordprocessingDrawing" xmlns:xdr="http://schemas.openxmlformats.org/drawingml/2006/spreadsheetDrawing" xmlns:ns11="http://schemas.openxmlformats.org/drawingml/2006/compatibility" xmlns:ns12="http://schemas.openxmlformats.org/drawingml/2006/lockedCanvas" type="obj" preserve="true">
   <p:cSld name="Title and Content">
     <p:spTree>
       <p:nvGrpSpPr>
@@ -681,7 +681,7 @@
 </file>
 
 <file path=ppt/slideLayouts/slideLayout3.xml><?xml version="1.0" encoding="utf-8"?>
-<p:sldLayout xmlns:r="http://schemas.openxmlformats.org/officeDocument/2006/relationships" xmlns:a="http://schemas.openxmlformats.org/drawingml/2006/main" xmlns:p="http://schemas.openxmlformats.org/presentationml/2006/main" xmlns:mc="http://schemas.openxmlformats.org/markup-compatibility/2006" xmlns:c="http://schemas.openxmlformats.org/drawingml/2006/chart" xmlns:ns6="http://schemas.openxmlformats.org/drawingml/2006/chartDrawing" xmlns:dgm="http://schemas.openxmlformats.org/drawingml/2006/diagram" xmlns:pic="http://schemas.openxmlformats.org/drawingml/2006/picture" xmlns:wp="http://schemas.openxmlformats.org/drawingml/2006/wordprocessingDrawing" xmlns:xdr="http://schemas.openxmlformats.org/drawingml/2006/spreadsheetDrawing" xmlns:ns11="http://schemas.openxmlformats.org/drawingml/2006/compatibility" xmlns:ns12="http://schemas.openxmlformats.org/drawingml/2006/lockedCanvas" type="secHead" preserve="true">
+<p:sldLayout xmlns:a="http://schemas.openxmlformats.org/drawingml/2006/main" xmlns:r="http://schemas.openxmlformats.org/officeDocument/2006/relationships" xmlns:p="http://schemas.openxmlformats.org/presentationml/2006/main" xmlns:mc="http://schemas.openxmlformats.org/markup-compatibility/2006" xmlns:c="http://schemas.openxmlformats.org/drawingml/2006/chart" xmlns:ns6="http://schemas.openxmlformats.org/drawingml/2006/chartDrawing" xmlns:dgm="http://schemas.openxmlformats.org/drawingml/2006/diagram" xmlns:pic="http://schemas.openxmlformats.org/drawingml/2006/picture" xmlns:wp="http://schemas.openxmlformats.org/drawingml/2006/wordprocessingDrawing" xmlns:xdr="http://schemas.openxmlformats.org/drawingml/2006/spreadsheetDrawing" xmlns:ns11="http://schemas.openxmlformats.org/drawingml/2006/compatibility" xmlns:ns12="http://schemas.openxmlformats.org/drawingml/2006/lockedCanvas" type="secHead" preserve="true">
   <p:cSld name="Section Header">
     <p:spTree>
       <p:nvGrpSpPr>
@@ -934,7 +934,7 @@
 </file>
 
 <file path=ppt/slideLayouts/slideLayout4.xml><?xml version="1.0" encoding="utf-8"?>
-<p:sldLayout xmlns:r="http://schemas.openxmlformats.org/officeDocument/2006/relationships" xmlns:a="http://schemas.openxmlformats.org/drawingml/2006/main" xmlns:p="http://schemas.openxmlformats.org/presentationml/2006/main" xmlns:mc="http://schemas.openxmlformats.org/markup-compatibility/2006" xmlns:c="http://schemas.openxmlformats.org/drawingml/2006/chart" xmlns:ns6="http://schemas.openxmlformats.org/drawingml/2006/chartDrawing" xmlns:dgm="http://schemas.openxmlformats.org/drawingml/2006/diagram" xmlns:pic="http://schemas.openxmlformats.org/drawingml/2006/picture" xmlns:wp="http://schemas.openxmlformats.org/drawingml/2006/wordprocessingDrawing" xmlns:xdr="http://schemas.openxmlformats.org/drawingml/2006/spreadsheetDrawing" xmlns:ns11="http://schemas.openxmlformats.org/drawingml/2006/compatibility" xmlns:ns12="http://schemas.openxmlformats.org/drawingml/2006/lockedCanvas" type="twoObj" preserve="true">
+<p:sldLayout xmlns:a="http://schemas.openxmlformats.org/drawingml/2006/main" xmlns:r="http://schemas.openxmlformats.org/officeDocument/2006/relationships" xmlns:p="http://schemas.openxmlformats.org/presentationml/2006/main" xmlns:mc="http://schemas.openxmlformats.org/markup-compatibility/2006" xmlns:c="http://schemas.openxmlformats.org/drawingml/2006/chart" xmlns:ns6="http://schemas.openxmlformats.org/drawingml/2006/chartDrawing" xmlns:dgm="http://schemas.openxmlformats.org/drawingml/2006/diagram" xmlns:pic="http://schemas.openxmlformats.org/drawingml/2006/picture" xmlns:wp="http://schemas.openxmlformats.org/drawingml/2006/wordprocessingDrawing" xmlns:xdr="http://schemas.openxmlformats.org/drawingml/2006/spreadsheetDrawing" xmlns:ns11="http://schemas.openxmlformats.org/drawingml/2006/compatibility" xmlns:ns12="http://schemas.openxmlformats.org/drawingml/2006/lockedCanvas" type="twoObj" preserve="true">
   <p:cSld name="Two Content">
     <p:spTree>
       <p:nvGrpSpPr>
@@ -1173,7 +1173,7 @@
 </file>
 
 <file path=ppt/slideLayouts/slideLayout5.xml><?xml version="1.0" encoding="utf-8"?>
-<p:sldLayout xmlns:r="http://schemas.openxmlformats.org/officeDocument/2006/relationships" xmlns:a="http://schemas.openxmlformats.org/drawingml/2006/main" xmlns:p="http://schemas.openxmlformats.org/presentationml/2006/main" xmlns:mc="http://schemas.openxmlformats.org/markup-compatibility/2006" xmlns:c="http://schemas.openxmlformats.org/drawingml/2006/chart" xmlns:ns6="http://schemas.openxmlformats.org/drawingml/2006/chartDrawing" xmlns:dgm="http://schemas.openxmlformats.org/drawingml/2006/diagram" xmlns:pic="http://schemas.openxmlformats.org/drawingml/2006/picture" xmlns:wp="http://schemas.openxmlformats.org/drawingml/2006/wordprocessingDrawing" xmlns:xdr="http://schemas.openxmlformats.org/drawingml/2006/spreadsheetDrawing" xmlns:ns11="http://schemas.openxmlformats.org/drawingml/2006/compatibility" xmlns:ns12="http://schemas.openxmlformats.org/drawingml/2006/lockedCanvas" type="twoTxTwoObj" preserve="true">
+<p:sldLayout xmlns:a="http://schemas.openxmlformats.org/drawingml/2006/main" xmlns:r="http://schemas.openxmlformats.org/officeDocument/2006/relationships" xmlns:p="http://schemas.openxmlformats.org/presentationml/2006/main" xmlns:mc="http://schemas.openxmlformats.org/markup-compatibility/2006" xmlns:c="http://schemas.openxmlformats.org/drawingml/2006/chart" xmlns:ns6="http://schemas.openxmlformats.org/drawingml/2006/chartDrawing" xmlns:dgm="http://schemas.openxmlformats.org/drawingml/2006/diagram" xmlns:pic="http://schemas.openxmlformats.org/drawingml/2006/picture" xmlns:wp="http://schemas.openxmlformats.org/drawingml/2006/wordprocessingDrawing" xmlns:xdr="http://schemas.openxmlformats.org/drawingml/2006/spreadsheetDrawing" xmlns:ns11="http://schemas.openxmlformats.org/drawingml/2006/compatibility" xmlns:ns12="http://schemas.openxmlformats.org/drawingml/2006/lockedCanvas" type="twoTxTwoObj" preserve="true">
   <p:cSld name="Comparison">
     <p:spTree>
       <p:nvGrpSpPr>
@@ -1528,7 +1528,7 @@
 </file>
 
 <file path=ppt/slideLayouts/slideLayout6.xml><?xml version="1.0" encoding="utf-8"?>
-<p:sldLayout xmlns:r="http://schemas.openxmlformats.org/officeDocument/2006/relationships" xmlns:a="http://schemas.openxmlformats.org/drawingml/2006/main" xmlns:p="http://schemas.openxmlformats.org/presentationml/2006/main" xmlns:mc="http://schemas.openxmlformats.org/markup-compatibility/2006" xmlns:c="http://schemas.openxmlformats.org/drawingml/2006/chart" xmlns:ns6="http://schemas.openxmlformats.org/drawingml/2006/chartDrawing" xmlns:dgm="http://schemas.openxmlformats.org/drawingml/2006/diagram" xmlns:pic="http://schemas.openxmlformats.org/drawingml/2006/picture" xmlns:wp="http://schemas.openxmlformats.org/drawingml/2006/wordprocessingDrawing" xmlns:xdr="http://schemas.openxmlformats.org/drawingml/2006/spreadsheetDrawing" xmlns:ns11="http://schemas.openxmlformats.org/drawingml/2006/compatibility" xmlns:ns12="http://schemas.openxmlformats.org/drawingml/2006/lockedCanvas" type="titleOnly" preserve="true">
+<p:sldLayout xmlns:a="http://schemas.openxmlformats.org/drawingml/2006/main" xmlns:r="http://schemas.openxmlformats.org/officeDocument/2006/relationships" xmlns:p="http://schemas.openxmlformats.org/presentationml/2006/main" xmlns:mc="http://schemas.openxmlformats.org/markup-compatibility/2006" xmlns:c="http://schemas.openxmlformats.org/drawingml/2006/chart" xmlns:ns6="http://schemas.openxmlformats.org/drawingml/2006/chartDrawing" xmlns:dgm="http://schemas.openxmlformats.org/drawingml/2006/diagram" xmlns:pic="http://schemas.openxmlformats.org/drawingml/2006/picture" xmlns:wp="http://schemas.openxmlformats.org/drawingml/2006/wordprocessingDrawing" xmlns:xdr="http://schemas.openxmlformats.org/drawingml/2006/spreadsheetDrawing" xmlns:ns11="http://schemas.openxmlformats.org/drawingml/2006/compatibility" xmlns:ns12="http://schemas.openxmlformats.org/drawingml/2006/lockedCanvas" type="titleOnly" preserve="true">
   <p:cSld name="Title Only">
     <p:spTree>
       <p:nvGrpSpPr>
@@ -1653,7 +1653,7 @@
 </file>
 
 <file path=ppt/slideLayouts/slideLayout7.xml><?xml version="1.0" encoding="utf-8"?>
-<p:sldLayout xmlns:r="http://schemas.openxmlformats.org/officeDocument/2006/relationships" xmlns:a="http://schemas.openxmlformats.org/drawingml/2006/main" xmlns:p="http://schemas.openxmlformats.org/presentationml/2006/main" xmlns:mc="http://schemas.openxmlformats.org/markup-compatibility/2006" xmlns:c="http://schemas.openxmlformats.org/drawingml/2006/chart" xmlns:ns6="http://schemas.openxmlformats.org/drawingml/2006/chartDrawing" xmlns:dgm="http://schemas.openxmlformats.org/drawingml/2006/diagram" xmlns:pic="http://schemas.openxmlformats.org/drawingml/2006/picture" xmlns:wp="http://schemas.openxmlformats.org/drawingml/2006/wordprocessingDrawing" xmlns:xdr="http://schemas.openxmlformats.org/drawingml/2006/spreadsheetDrawing" xmlns:ns11="http://schemas.openxmlformats.org/drawingml/2006/compatibility" xmlns:ns12="http://schemas.openxmlformats.org/drawingml/2006/lockedCanvas" type="blank" preserve="true">
+<p:sldLayout xmlns:a="http://schemas.openxmlformats.org/drawingml/2006/main" xmlns:r="http://schemas.openxmlformats.org/officeDocument/2006/relationships" xmlns:p="http://schemas.openxmlformats.org/presentationml/2006/main" xmlns:mc="http://schemas.openxmlformats.org/markup-compatibility/2006" xmlns:c="http://schemas.openxmlformats.org/drawingml/2006/chart" xmlns:ns6="http://schemas.openxmlformats.org/drawingml/2006/chartDrawing" xmlns:dgm="http://schemas.openxmlformats.org/drawingml/2006/diagram" xmlns:pic="http://schemas.openxmlformats.org/drawingml/2006/picture" xmlns:wp="http://schemas.openxmlformats.org/drawingml/2006/wordprocessingDrawing" xmlns:xdr="http://schemas.openxmlformats.org/drawingml/2006/spreadsheetDrawing" xmlns:ns11="http://schemas.openxmlformats.org/drawingml/2006/compatibility" xmlns:ns12="http://schemas.openxmlformats.org/drawingml/2006/lockedCanvas" type="blank" preserve="true">
   <p:cSld name="Blank">
     <p:spTree>
       <p:nvGrpSpPr>
@@ -1755,7 +1755,7 @@
 </file>
 
 <file path=ppt/slideLayouts/slideLayout8.xml><?xml version="1.0" encoding="utf-8"?>
-<p:sldLayout xmlns:r="http://schemas.openxmlformats.org/officeDocument/2006/relationships" xmlns:a="http://schemas.openxmlformats.org/drawingml/2006/main" xmlns:p="http://schemas.openxmlformats.org/presentationml/2006/main" xmlns:mc="http://schemas.openxmlformats.org/markup-compatibility/2006" xmlns:c="http://schemas.openxmlformats.org/drawingml/2006/chart" xmlns:ns6="http://schemas.openxmlformats.org/drawingml/2006/chartDrawing" xmlns:dgm="http://schemas.openxmlformats.org/drawingml/2006/diagram" xmlns:pic="http://schemas.openxmlformats.org/drawingml/2006/picture" xmlns:wp="http://schemas.openxmlformats.org/drawingml/2006/wordprocessingDrawing" xmlns:xdr="http://schemas.openxmlformats.org/drawingml/2006/spreadsheetDrawing" xmlns:ns11="http://schemas.openxmlformats.org/drawingml/2006/compatibility" xmlns:ns12="http://schemas.openxmlformats.org/drawingml/2006/lockedCanvas" type="objTx" preserve="true">
+<p:sldLayout xmlns:a="http://schemas.openxmlformats.org/drawingml/2006/main" xmlns:r="http://schemas.openxmlformats.org/officeDocument/2006/relationships" xmlns:p="http://schemas.openxmlformats.org/presentationml/2006/main" xmlns:mc="http://schemas.openxmlformats.org/markup-compatibility/2006" xmlns:c="http://schemas.openxmlformats.org/drawingml/2006/chart" xmlns:ns6="http://schemas.openxmlformats.org/drawingml/2006/chartDrawing" xmlns:dgm="http://schemas.openxmlformats.org/drawingml/2006/diagram" xmlns:pic="http://schemas.openxmlformats.org/drawingml/2006/picture" xmlns:wp="http://schemas.openxmlformats.org/drawingml/2006/wordprocessingDrawing" xmlns:xdr="http://schemas.openxmlformats.org/drawingml/2006/spreadsheetDrawing" xmlns:ns11="http://schemas.openxmlformats.org/drawingml/2006/compatibility" xmlns:ns12="http://schemas.openxmlformats.org/drawingml/2006/lockedCanvas" type="objTx" preserve="true">
   <p:cSld name="Content with Caption">
     <p:spTree>
       <p:nvGrpSpPr>
@@ -2039,7 +2039,7 @@
 </file>
 
 <file path=ppt/slideLayouts/slideLayout9.xml><?xml version="1.0" encoding="utf-8"?>
-<p:sldLayout xmlns:r="http://schemas.openxmlformats.org/officeDocument/2006/relationships" xmlns:a="http://schemas.openxmlformats.org/drawingml/2006/main" xmlns:p="http://schemas.openxmlformats.org/presentationml/2006/main" xmlns:mc="http://schemas.openxmlformats.org/markup-compatibility/2006" xmlns:c="http://schemas.openxmlformats.org/drawingml/2006/chart" xmlns:ns6="http://schemas.openxmlformats.org/drawingml/2006/chartDrawing" xmlns:dgm="http://schemas.openxmlformats.org/drawingml/2006/diagram" xmlns:pic="http://schemas.openxmlformats.org/drawingml/2006/picture" xmlns:wp="http://schemas.openxmlformats.org/drawingml/2006/wordprocessingDrawing" xmlns:xdr="http://schemas.openxmlformats.org/drawingml/2006/spreadsheetDrawing" xmlns:ns11="http://schemas.openxmlformats.org/drawingml/2006/compatibility" xmlns:ns12="http://schemas.openxmlformats.org/drawingml/2006/lockedCanvas" type="vertTx" preserve="true">
+<p:sldLayout xmlns:a="http://schemas.openxmlformats.org/drawingml/2006/main" xmlns:r="http://schemas.openxmlformats.org/officeDocument/2006/relationships" xmlns:p="http://schemas.openxmlformats.org/presentationml/2006/main" xmlns:mc="http://schemas.openxmlformats.org/markup-compatibility/2006" xmlns:c="http://schemas.openxmlformats.org/drawingml/2006/chart" xmlns:ns6="http://schemas.openxmlformats.org/drawingml/2006/chartDrawing" xmlns:dgm="http://schemas.openxmlformats.org/drawingml/2006/diagram" xmlns:pic="http://schemas.openxmlformats.org/drawingml/2006/picture" xmlns:wp="http://schemas.openxmlformats.org/drawingml/2006/wordprocessingDrawing" xmlns:xdr="http://schemas.openxmlformats.org/drawingml/2006/spreadsheetDrawing" xmlns:ns11="http://schemas.openxmlformats.org/drawingml/2006/compatibility" xmlns:ns12="http://schemas.openxmlformats.org/drawingml/2006/lockedCanvas" type="vertTx" preserve="true">
   <p:cSld name="Title and Vertical Text">
     <p:spTree>
       <p:nvGrpSpPr>
@@ -2216,7 +2216,7 @@
 </file>
 
 <file path=ppt/slideMasters/slideMaster1.xml><?xml version="1.0" encoding="utf-8"?>
-<p:sldMaster xmlns:r="http://schemas.openxmlformats.org/officeDocument/2006/relationships" xmlns:a="http://schemas.openxmlformats.org/drawingml/2006/main" xmlns:p="http://schemas.openxmlformats.org/presentationml/2006/main" xmlns:mc="http://schemas.openxmlformats.org/markup-compatibility/2006" xmlns:c="http://schemas.openxmlformats.org/drawingml/2006/chart" xmlns:ns6="http://schemas.openxmlformats.org/drawingml/2006/chartDrawing" xmlns:dgm="http://schemas.openxmlformats.org/drawingml/2006/diagram" xmlns:pic="http://schemas.openxmlformats.org/drawingml/2006/picture" xmlns:wp="http://schemas.openxmlformats.org/drawingml/2006/wordprocessingDrawing" xmlns:xdr="http://schemas.openxmlformats.org/drawingml/2006/spreadsheetDrawing" xmlns:ns11="http://schemas.openxmlformats.org/drawingml/2006/compatibility" xmlns:ns12="http://schemas.openxmlformats.org/drawingml/2006/lockedCanvas">
+<p:sldMaster xmlns:a="http://schemas.openxmlformats.org/drawingml/2006/main" xmlns:r="http://schemas.openxmlformats.org/officeDocument/2006/relationships" xmlns:p="http://schemas.openxmlformats.org/presentationml/2006/main" xmlns:mc="http://schemas.openxmlformats.org/markup-compatibility/2006" xmlns:c="http://schemas.openxmlformats.org/drawingml/2006/chart" xmlns:ns6="http://schemas.openxmlformats.org/drawingml/2006/chartDrawing" xmlns:dgm="http://schemas.openxmlformats.org/drawingml/2006/diagram" xmlns:pic="http://schemas.openxmlformats.org/drawingml/2006/picture" xmlns:wp="http://schemas.openxmlformats.org/drawingml/2006/wordprocessingDrawing" xmlns:xdr="http://schemas.openxmlformats.org/drawingml/2006/spreadsheetDrawing" xmlns:ns11="http://schemas.openxmlformats.org/drawingml/2006/compatibility" xmlns:ns12="http://schemas.openxmlformats.org/drawingml/2006/lockedCanvas">
   <p:cSld>
     <p:bg>
       <p:bgRef idx="1001">
@@ -2762,7 +2762,7 @@
 </file>
 
 <file path=ppt/slides/slide1.xml><?xml version="1.0" encoding="utf-8"?>
-<p:sld xmlns:r="http://schemas.openxmlformats.org/officeDocument/2006/relationships" xmlns:a="http://schemas.openxmlformats.org/drawingml/2006/main" xmlns:p="http://schemas.openxmlformats.org/presentationml/2006/main" xmlns:mc="http://schemas.openxmlformats.org/markup-compatibility/2006" xmlns:c="http://schemas.openxmlformats.org/drawingml/2006/chart" xmlns:ns6="http://schemas.openxmlformats.org/drawingml/2006/chartDrawing" xmlns:dgm="http://schemas.openxmlformats.org/drawingml/2006/diagram" xmlns:pic="http://schemas.openxmlformats.org/drawingml/2006/picture" xmlns:wp="http://schemas.openxmlformats.org/drawingml/2006/wordprocessingDrawing" xmlns:xdr="http://schemas.openxmlformats.org/drawingml/2006/spreadsheetDrawing" xmlns:ns11="http://schemas.openxmlformats.org/drawingml/2006/compatibility" xmlns:ns12="http://schemas.openxmlformats.org/drawingml/2006/lockedCanvas">
+<p:sld xmlns:a="http://schemas.openxmlformats.org/drawingml/2006/main" xmlns:r="http://schemas.openxmlformats.org/officeDocument/2006/relationships" xmlns:p="http://schemas.openxmlformats.org/presentationml/2006/main" xmlns:mc="http://schemas.openxmlformats.org/markup-compatibility/2006" xmlns:c="http://schemas.openxmlformats.org/drawingml/2006/chart" xmlns:ns6="http://schemas.openxmlformats.org/drawingml/2006/chartDrawing" xmlns:dgm="http://schemas.openxmlformats.org/drawingml/2006/diagram" xmlns:pic="http://schemas.openxmlformats.org/drawingml/2006/picture" xmlns:wp="http://schemas.openxmlformats.org/drawingml/2006/wordprocessingDrawing" xmlns:xdr="http://schemas.openxmlformats.org/drawingml/2006/spreadsheetDrawing" xmlns:ns11="http://schemas.openxmlformats.org/drawingml/2006/compatibility" xmlns:ns12="http://schemas.openxmlformats.org/drawingml/2006/lockedCanvas">
   <p:cSld>
     <p:spTree>
       <p:nvGrpSpPr>

--- a/docs/articles/pipe_example.pptx
+++ b/docs/articles/pipe_example.pptx
@@ -1,11 +1,11 @@
 
 <file path=ppt/presentation.xml><?xml version="1.0" encoding="utf-8"?>
-<p:presentation xmlns:a="http://schemas.openxmlformats.org/drawingml/2006/main" xmlns:r="http://schemas.openxmlformats.org/officeDocument/2006/relationships" xmlns:p="http://schemas.openxmlformats.org/presentationml/2006/main" xmlns:mc="http://schemas.openxmlformats.org/markup-compatibility/2006" xmlns:c="http://schemas.openxmlformats.org/drawingml/2006/chart" xmlns:ns6="http://schemas.openxmlformats.org/drawingml/2006/chartDrawing" xmlns:dgm="http://schemas.openxmlformats.org/drawingml/2006/diagram" xmlns:pic="http://schemas.openxmlformats.org/drawingml/2006/picture" xmlns:wp="http://schemas.openxmlformats.org/drawingml/2006/wordprocessingDrawing" xmlns:xdr="http://schemas.openxmlformats.org/drawingml/2006/spreadsheetDrawing" xmlns:ns11="http://schemas.openxmlformats.org/drawingml/2006/compatibility" xmlns:ns12="http://schemas.openxmlformats.org/drawingml/2006/lockedCanvas" saveSubsetFonts="true">
+<p:presentation xmlns:p="http://schemas.openxmlformats.org/presentationml/2006/main" xmlns:a="http://schemas.openxmlformats.org/drawingml/2006/main" xmlns:r="http://schemas.openxmlformats.org/officeDocument/2006/relationships" xmlns:mc="http://schemas.openxmlformats.org/markup-compatibility/2006" xmlns:c="http://schemas.openxmlformats.org/drawingml/2006/chart" xmlns:ns6="http://schemas.openxmlformats.org/drawingml/2006/chartDrawing" xmlns:dgm="http://schemas.openxmlformats.org/drawingml/2006/diagram" xmlns:pic="http://schemas.openxmlformats.org/drawingml/2006/picture" xmlns:wp="http://schemas.openxmlformats.org/drawingml/2006/wordprocessingDrawing" xmlns:xdr="http://schemas.openxmlformats.org/drawingml/2006/spreadsheetDrawing" xmlns:ns11="http://schemas.openxmlformats.org/drawingml/2006/compatibility" xmlns:ns12="http://schemas.openxmlformats.org/drawingml/2006/lockedCanvas" saveSubsetFonts="true">
   <p:sldMasterIdLst>
     <p:sldMasterId id="2147483648" r:id="rId1"/>
   </p:sldMasterIdLst>
   <p:sldIdLst>
-    <p:sldId id="596616382" r:id="rId6"/>
+    <p:sldId id="161472265" r:id="rId6"/>
   </p:sldIdLst>
   <p:sldSz cx="12192000" cy="6858000"/>
   <p:notesSz cx="6858000" cy="9144000"/>
@@ -113,7 +113,7 @@
 </file>
 
 <file path=ppt/slideLayouts/slideLayout1.xml><?xml version="1.0" encoding="utf-8"?>
-<p:sldLayout xmlns:a="http://schemas.openxmlformats.org/drawingml/2006/main" xmlns:r="http://schemas.openxmlformats.org/officeDocument/2006/relationships" xmlns:p="http://schemas.openxmlformats.org/presentationml/2006/main" xmlns:mc="http://schemas.openxmlformats.org/markup-compatibility/2006" xmlns:c="http://schemas.openxmlformats.org/drawingml/2006/chart" xmlns:ns6="http://schemas.openxmlformats.org/drawingml/2006/chartDrawing" xmlns:dgm="http://schemas.openxmlformats.org/drawingml/2006/diagram" xmlns:pic="http://schemas.openxmlformats.org/drawingml/2006/picture" xmlns:wp="http://schemas.openxmlformats.org/drawingml/2006/wordprocessingDrawing" xmlns:xdr="http://schemas.openxmlformats.org/drawingml/2006/spreadsheetDrawing" xmlns:ns11="http://schemas.openxmlformats.org/drawingml/2006/compatibility" xmlns:ns12="http://schemas.openxmlformats.org/drawingml/2006/lockedCanvas" type="title" preserve="true">
+<p:sldLayout xmlns:p="http://schemas.openxmlformats.org/presentationml/2006/main" xmlns:a="http://schemas.openxmlformats.org/drawingml/2006/main" xmlns:r="http://schemas.openxmlformats.org/officeDocument/2006/relationships" xmlns:mc="http://schemas.openxmlformats.org/markup-compatibility/2006" xmlns:c="http://schemas.openxmlformats.org/drawingml/2006/chart" xmlns:ns6="http://schemas.openxmlformats.org/drawingml/2006/chartDrawing" xmlns:dgm="http://schemas.openxmlformats.org/drawingml/2006/diagram" xmlns:pic="http://schemas.openxmlformats.org/drawingml/2006/picture" xmlns:wp="http://schemas.openxmlformats.org/drawingml/2006/wordprocessingDrawing" xmlns:xdr="http://schemas.openxmlformats.org/drawingml/2006/spreadsheetDrawing" xmlns:ns11="http://schemas.openxmlformats.org/drawingml/2006/compatibility" xmlns:ns12="http://schemas.openxmlformats.org/drawingml/2006/lockedCanvas" type="title" preserve="true">
   <p:cSld name="Title Slide">
     <p:spTree>
       <p:nvGrpSpPr>
@@ -312,7 +312,7 @@
 </file>
 
 <file path=ppt/slideLayouts/slideLayout10.xml><?xml version="1.0" encoding="utf-8"?>
-<p:sldLayout xmlns:a="http://schemas.openxmlformats.org/drawingml/2006/main" xmlns:r="http://schemas.openxmlformats.org/officeDocument/2006/relationships" xmlns:p="http://schemas.openxmlformats.org/presentationml/2006/main" xmlns:mc="http://schemas.openxmlformats.org/markup-compatibility/2006" xmlns:c="http://schemas.openxmlformats.org/drawingml/2006/chart" xmlns:ns6="http://schemas.openxmlformats.org/drawingml/2006/chartDrawing" xmlns:dgm="http://schemas.openxmlformats.org/drawingml/2006/diagram" xmlns:pic="http://schemas.openxmlformats.org/drawingml/2006/picture" xmlns:wp="http://schemas.openxmlformats.org/drawingml/2006/wordprocessingDrawing" xmlns:xdr="http://schemas.openxmlformats.org/drawingml/2006/spreadsheetDrawing" xmlns:ns11="http://schemas.openxmlformats.org/drawingml/2006/compatibility" xmlns:ns12="http://schemas.openxmlformats.org/drawingml/2006/lockedCanvas" type="vertTitleAndTx" preserve="true">
+<p:sldLayout xmlns:p="http://schemas.openxmlformats.org/presentationml/2006/main" xmlns:a="http://schemas.openxmlformats.org/drawingml/2006/main" xmlns:r="http://schemas.openxmlformats.org/officeDocument/2006/relationships" xmlns:mc="http://schemas.openxmlformats.org/markup-compatibility/2006" xmlns:c="http://schemas.openxmlformats.org/drawingml/2006/chart" xmlns:ns6="http://schemas.openxmlformats.org/drawingml/2006/chartDrawing" xmlns:dgm="http://schemas.openxmlformats.org/drawingml/2006/diagram" xmlns:pic="http://schemas.openxmlformats.org/drawingml/2006/picture" xmlns:wp="http://schemas.openxmlformats.org/drawingml/2006/wordprocessingDrawing" xmlns:xdr="http://schemas.openxmlformats.org/drawingml/2006/spreadsheetDrawing" xmlns:ns11="http://schemas.openxmlformats.org/drawingml/2006/compatibility" xmlns:ns12="http://schemas.openxmlformats.org/drawingml/2006/lockedCanvas" type="vertTitleAndTx" preserve="true">
   <p:cSld name="Vertical Title and Text">
     <p:spTree>
       <p:nvGrpSpPr>
@@ -499,7 +499,7 @@
 </file>
 
 <file path=ppt/slideLayouts/slideLayout2.xml><?xml version="1.0" encoding="utf-8"?>
-<p:sldLayout xmlns:a="http://schemas.openxmlformats.org/drawingml/2006/main" xmlns:r="http://schemas.openxmlformats.org/officeDocument/2006/relationships" xmlns:p="http://schemas.openxmlformats.org/presentationml/2006/main" xmlns:mc="http://schemas.openxmlformats.org/markup-compatibility/2006" xmlns:c="http://schemas.openxmlformats.org/drawingml/2006/chart" xmlns:ns6="http://schemas.openxmlformats.org/drawingml/2006/chartDrawing" xmlns:dgm="http://schemas.openxmlformats.org/drawingml/2006/diagram" xmlns:pic="http://schemas.openxmlformats.org/drawingml/2006/picture" xmlns:wp="http://schemas.openxmlformats.org/drawingml/2006/wordprocessingDrawing" xmlns:xdr="http://schemas.openxmlformats.org/drawingml/2006/spreadsheetDrawing" xmlns:ns11="http://schemas.openxmlformats.org/drawingml/2006/compatibility" xmlns:ns12="http://schemas.openxmlformats.org/drawingml/2006/lockedCanvas" type="obj" preserve="true">
+<p:sldLayout xmlns:p="http://schemas.openxmlformats.org/presentationml/2006/main" xmlns:a="http://schemas.openxmlformats.org/drawingml/2006/main" xmlns:r="http://schemas.openxmlformats.org/officeDocument/2006/relationships" xmlns:mc="http://schemas.openxmlformats.org/markup-compatibility/2006" xmlns:c="http://schemas.openxmlformats.org/drawingml/2006/chart" xmlns:ns6="http://schemas.openxmlformats.org/drawingml/2006/chartDrawing" xmlns:dgm="http://schemas.openxmlformats.org/drawingml/2006/diagram" xmlns:pic="http://schemas.openxmlformats.org/drawingml/2006/picture" xmlns:wp="http://schemas.openxmlformats.org/drawingml/2006/wordprocessingDrawing" xmlns:xdr="http://schemas.openxmlformats.org/drawingml/2006/spreadsheetDrawing" xmlns:ns11="http://schemas.openxmlformats.org/drawingml/2006/compatibility" xmlns:ns12="http://schemas.openxmlformats.org/drawingml/2006/lockedCanvas" type="obj" preserve="true">
   <p:cSld name="Title and Content">
     <p:spTree>
       <p:nvGrpSpPr>
@@ -681,7 +681,7 @@
 </file>
 
 <file path=ppt/slideLayouts/slideLayout3.xml><?xml version="1.0" encoding="utf-8"?>
-<p:sldLayout xmlns:a="http://schemas.openxmlformats.org/drawingml/2006/main" xmlns:r="http://schemas.openxmlformats.org/officeDocument/2006/relationships" xmlns:p="http://schemas.openxmlformats.org/presentationml/2006/main" xmlns:mc="http://schemas.openxmlformats.org/markup-compatibility/2006" xmlns:c="http://schemas.openxmlformats.org/drawingml/2006/chart" xmlns:ns6="http://schemas.openxmlformats.org/drawingml/2006/chartDrawing" xmlns:dgm="http://schemas.openxmlformats.org/drawingml/2006/diagram" xmlns:pic="http://schemas.openxmlformats.org/drawingml/2006/picture" xmlns:wp="http://schemas.openxmlformats.org/drawingml/2006/wordprocessingDrawing" xmlns:xdr="http://schemas.openxmlformats.org/drawingml/2006/spreadsheetDrawing" xmlns:ns11="http://schemas.openxmlformats.org/drawingml/2006/compatibility" xmlns:ns12="http://schemas.openxmlformats.org/drawingml/2006/lockedCanvas" type="secHead" preserve="true">
+<p:sldLayout xmlns:p="http://schemas.openxmlformats.org/presentationml/2006/main" xmlns:a="http://schemas.openxmlformats.org/drawingml/2006/main" xmlns:r="http://schemas.openxmlformats.org/officeDocument/2006/relationships" xmlns:mc="http://schemas.openxmlformats.org/markup-compatibility/2006" xmlns:c="http://schemas.openxmlformats.org/drawingml/2006/chart" xmlns:ns6="http://schemas.openxmlformats.org/drawingml/2006/chartDrawing" xmlns:dgm="http://schemas.openxmlformats.org/drawingml/2006/diagram" xmlns:pic="http://schemas.openxmlformats.org/drawingml/2006/picture" xmlns:wp="http://schemas.openxmlformats.org/drawingml/2006/wordprocessingDrawing" xmlns:xdr="http://schemas.openxmlformats.org/drawingml/2006/spreadsheetDrawing" xmlns:ns11="http://schemas.openxmlformats.org/drawingml/2006/compatibility" xmlns:ns12="http://schemas.openxmlformats.org/drawingml/2006/lockedCanvas" type="secHead" preserve="true">
   <p:cSld name="Section Header">
     <p:spTree>
       <p:nvGrpSpPr>
@@ -934,7 +934,7 @@
 </file>
 
 <file path=ppt/slideLayouts/slideLayout4.xml><?xml version="1.0" encoding="utf-8"?>
-<p:sldLayout xmlns:a="http://schemas.openxmlformats.org/drawingml/2006/main" xmlns:r="http://schemas.openxmlformats.org/officeDocument/2006/relationships" xmlns:p="http://schemas.openxmlformats.org/presentationml/2006/main" xmlns:mc="http://schemas.openxmlformats.org/markup-compatibility/2006" xmlns:c="http://schemas.openxmlformats.org/drawingml/2006/chart" xmlns:ns6="http://schemas.openxmlformats.org/drawingml/2006/chartDrawing" xmlns:dgm="http://schemas.openxmlformats.org/drawingml/2006/diagram" xmlns:pic="http://schemas.openxmlformats.org/drawingml/2006/picture" xmlns:wp="http://schemas.openxmlformats.org/drawingml/2006/wordprocessingDrawing" xmlns:xdr="http://schemas.openxmlformats.org/drawingml/2006/spreadsheetDrawing" xmlns:ns11="http://schemas.openxmlformats.org/drawingml/2006/compatibility" xmlns:ns12="http://schemas.openxmlformats.org/drawingml/2006/lockedCanvas" type="twoObj" preserve="true">
+<p:sldLayout xmlns:p="http://schemas.openxmlformats.org/presentationml/2006/main" xmlns:a="http://schemas.openxmlformats.org/drawingml/2006/main" xmlns:r="http://schemas.openxmlformats.org/officeDocument/2006/relationships" xmlns:mc="http://schemas.openxmlformats.org/markup-compatibility/2006" xmlns:c="http://schemas.openxmlformats.org/drawingml/2006/chart" xmlns:ns6="http://schemas.openxmlformats.org/drawingml/2006/chartDrawing" xmlns:dgm="http://schemas.openxmlformats.org/drawingml/2006/diagram" xmlns:pic="http://schemas.openxmlformats.org/drawingml/2006/picture" xmlns:wp="http://schemas.openxmlformats.org/drawingml/2006/wordprocessingDrawing" xmlns:xdr="http://schemas.openxmlformats.org/drawingml/2006/spreadsheetDrawing" xmlns:ns11="http://schemas.openxmlformats.org/drawingml/2006/compatibility" xmlns:ns12="http://schemas.openxmlformats.org/drawingml/2006/lockedCanvas" type="twoObj" preserve="true">
   <p:cSld name="Two Content">
     <p:spTree>
       <p:nvGrpSpPr>
@@ -1173,7 +1173,7 @@
 </file>
 
 <file path=ppt/slideLayouts/slideLayout5.xml><?xml version="1.0" encoding="utf-8"?>
-<p:sldLayout xmlns:a="http://schemas.openxmlformats.org/drawingml/2006/main" xmlns:r="http://schemas.openxmlformats.org/officeDocument/2006/relationships" xmlns:p="http://schemas.openxmlformats.org/presentationml/2006/main" xmlns:mc="http://schemas.openxmlformats.org/markup-compatibility/2006" xmlns:c="http://schemas.openxmlformats.org/drawingml/2006/chart" xmlns:ns6="http://schemas.openxmlformats.org/drawingml/2006/chartDrawing" xmlns:dgm="http://schemas.openxmlformats.org/drawingml/2006/diagram" xmlns:pic="http://schemas.openxmlformats.org/drawingml/2006/picture" xmlns:wp="http://schemas.openxmlformats.org/drawingml/2006/wordprocessingDrawing" xmlns:xdr="http://schemas.openxmlformats.org/drawingml/2006/spreadsheetDrawing" xmlns:ns11="http://schemas.openxmlformats.org/drawingml/2006/compatibility" xmlns:ns12="http://schemas.openxmlformats.org/drawingml/2006/lockedCanvas" type="twoTxTwoObj" preserve="true">
+<p:sldLayout xmlns:p="http://schemas.openxmlformats.org/presentationml/2006/main" xmlns:a="http://schemas.openxmlformats.org/drawingml/2006/main" xmlns:r="http://schemas.openxmlformats.org/officeDocument/2006/relationships" xmlns:mc="http://schemas.openxmlformats.org/markup-compatibility/2006" xmlns:c="http://schemas.openxmlformats.org/drawingml/2006/chart" xmlns:ns6="http://schemas.openxmlformats.org/drawingml/2006/chartDrawing" xmlns:dgm="http://schemas.openxmlformats.org/drawingml/2006/diagram" xmlns:pic="http://schemas.openxmlformats.org/drawingml/2006/picture" xmlns:wp="http://schemas.openxmlformats.org/drawingml/2006/wordprocessingDrawing" xmlns:xdr="http://schemas.openxmlformats.org/drawingml/2006/spreadsheetDrawing" xmlns:ns11="http://schemas.openxmlformats.org/drawingml/2006/compatibility" xmlns:ns12="http://schemas.openxmlformats.org/drawingml/2006/lockedCanvas" type="twoTxTwoObj" preserve="true">
   <p:cSld name="Comparison">
     <p:spTree>
       <p:nvGrpSpPr>
@@ -1528,7 +1528,7 @@
 </file>
 
 <file path=ppt/slideLayouts/slideLayout6.xml><?xml version="1.0" encoding="utf-8"?>
-<p:sldLayout xmlns:a="http://schemas.openxmlformats.org/drawingml/2006/main" xmlns:r="http://schemas.openxmlformats.org/officeDocument/2006/relationships" xmlns:p="http://schemas.openxmlformats.org/presentationml/2006/main" xmlns:mc="http://schemas.openxmlformats.org/markup-compatibility/2006" xmlns:c="http://schemas.openxmlformats.org/drawingml/2006/chart" xmlns:ns6="http://schemas.openxmlformats.org/drawingml/2006/chartDrawing" xmlns:dgm="http://schemas.openxmlformats.org/drawingml/2006/diagram" xmlns:pic="http://schemas.openxmlformats.org/drawingml/2006/picture" xmlns:wp="http://schemas.openxmlformats.org/drawingml/2006/wordprocessingDrawing" xmlns:xdr="http://schemas.openxmlformats.org/drawingml/2006/spreadsheetDrawing" xmlns:ns11="http://schemas.openxmlformats.org/drawingml/2006/compatibility" xmlns:ns12="http://schemas.openxmlformats.org/drawingml/2006/lockedCanvas" type="titleOnly" preserve="true">
+<p:sldLayout xmlns:p="http://schemas.openxmlformats.org/presentationml/2006/main" xmlns:a="http://schemas.openxmlformats.org/drawingml/2006/main" xmlns:r="http://schemas.openxmlformats.org/officeDocument/2006/relationships" xmlns:mc="http://schemas.openxmlformats.org/markup-compatibility/2006" xmlns:c="http://schemas.openxmlformats.org/drawingml/2006/chart" xmlns:ns6="http://schemas.openxmlformats.org/drawingml/2006/chartDrawing" xmlns:dgm="http://schemas.openxmlformats.org/drawingml/2006/diagram" xmlns:pic="http://schemas.openxmlformats.org/drawingml/2006/picture" xmlns:wp="http://schemas.openxmlformats.org/drawingml/2006/wordprocessingDrawing" xmlns:xdr="http://schemas.openxmlformats.org/drawingml/2006/spreadsheetDrawing" xmlns:ns11="http://schemas.openxmlformats.org/drawingml/2006/compatibility" xmlns:ns12="http://schemas.openxmlformats.org/drawingml/2006/lockedCanvas" type="titleOnly" preserve="true">
   <p:cSld name="Title Only">
     <p:spTree>
       <p:nvGrpSpPr>
@@ -1653,7 +1653,7 @@
 </file>
 
 <file path=ppt/slideLayouts/slideLayout7.xml><?xml version="1.0" encoding="utf-8"?>
-<p:sldLayout xmlns:a="http://schemas.openxmlformats.org/drawingml/2006/main" xmlns:r="http://schemas.openxmlformats.org/officeDocument/2006/relationships" xmlns:p="http://schemas.openxmlformats.org/presentationml/2006/main" xmlns:mc="http://schemas.openxmlformats.org/markup-compatibility/2006" xmlns:c="http://schemas.openxmlformats.org/drawingml/2006/chart" xmlns:ns6="http://schemas.openxmlformats.org/drawingml/2006/chartDrawing" xmlns:dgm="http://schemas.openxmlformats.org/drawingml/2006/diagram" xmlns:pic="http://schemas.openxmlformats.org/drawingml/2006/picture" xmlns:wp="http://schemas.openxmlformats.org/drawingml/2006/wordprocessingDrawing" xmlns:xdr="http://schemas.openxmlformats.org/drawingml/2006/spreadsheetDrawing" xmlns:ns11="http://schemas.openxmlformats.org/drawingml/2006/compatibility" xmlns:ns12="http://schemas.openxmlformats.org/drawingml/2006/lockedCanvas" type="blank" preserve="true">
+<p:sldLayout xmlns:p="http://schemas.openxmlformats.org/presentationml/2006/main" xmlns:a="http://schemas.openxmlformats.org/drawingml/2006/main" xmlns:r="http://schemas.openxmlformats.org/officeDocument/2006/relationships" xmlns:mc="http://schemas.openxmlformats.org/markup-compatibility/2006" xmlns:c="http://schemas.openxmlformats.org/drawingml/2006/chart" xmlns:ns6="http://schemas.openxmlformats.org/drawingml/2006/chartDrawing" xmlns:dgm="http://schemas.openxmlformats.org/drawingml/2006/diagram" xmlns:pic="http://schemas.openxmlformats.org/drawingml/2006/picture" xmlns:wp="http://schemas.openxmlformats.org/drawingml/2006/wordprocessingDrawing" xmlns:xdr="http://schemas.openxmlformats.org/drawingml/2006/spreadsheetDrawing" xmlns:ns11="http://schemas.openxmlformats.org/drawingml/2006/compatibility" xmlns:ns12="http://schemas.openxmlformats.org/drawingml/2006/lockedCanvas" type="blank" preserve="true">
   <p:cSld name="Blank">
     <p:spTree>
       <p:nvGrpSpPr>
@@ -1755,7 +1755,7 @@
 </file>
 
 <file path=ppt/slideLayouts/slideLayout8.xml><?xml version="1.0" encoding="utf-8"?>
-<p:sldLayout xmlns:a="http://schemas.openxmlformats.org/drawingml/2006/main" xmlns:r="http://schemas.openxmlformats.org/officeDocument/2006/relationships" xmlns:p="http://schemas.openxmlformats.org/presentationml/2006/main" xmlns:mc="http://schemas.openxmlformats.org/markup-compatibility/2006" xmlns:c="http://schemas.openxmlformats.org/drawingml/2006/chart" xmlns:ns6="http://schemas.openxmlformats.org/drawingml/2006/chartDrawing" xmlns:dgm="http://schemas.openxmlformats.org/drawingml/2006/diagram" xmlns:pic="http://schemas.openxmlformats.org/drawingml/2006/picture" xmlns:wp="http://schemas.openxmlformats.org/drawingml/2006/wordprocessingDrawing" xmlns:xdr="http://schemas.openxmlformats.org/drawingml/2006/spreadsheetDrawing" xmlns:ns11="http://schemas.openxmlformats.org/drawingml/2006/compatibility" xmlns:ns12="http://schemas.openxmlformats.org/drawingml/2006/lockedCanvas" type="objTx" preserve="true">
+<p:sldLayout xmlns:p="http://schemas.openxmlformats.org/presentationml/2006/main" xmlns:a="http://schemas.openxmlformats.org/drawingml/2006/main" xmlns:r="http://schemas.openxmlformats.org/officeDocument/2006/relationships" xmlns:mc="http://schemas.openxmlformats.org/markup-compatibility/2006" xmlns:c="http://schemas.openxmlformats.org/drawingml/2006/chart" xmlns:ns6="http://schemas.openxmlformats.org/drawingml/2006/chartDrawing" xmlns:dgm="http://schemas.openxmlformats.org/drawingml/2006/diagram" xmlns:pic="http://schemas.openxmlformats.org/drawingml/2006/picture" xmlns:wp="http://schemas.openxmlformats.org/drawingml/2006/wordprocessingDrawing" xmlns:xdr="http://schemas.openxmlformats.org/drawingml/2006/spreadsheetDrawing" xmlns:ns11="http://schemas.openxmlformats.org/drawingml/2006/compatibility" xmlns:ns12="http://schemas.openxmlformats.org/drawingml/2006/lockedCanvas" type="objTx" preserve="true">
   <p:cSld name="Content with Caption">
     <p:spTree>
       <p:nvGrpSpPr>
@@ -2039,7 +2039,7 @@
 </file>
 
 <file path=ppt/slideLayouts/slideLayout9.xml><?xml version="1.0" encoding="utf-8"?>
-<p:sldLayout xmlns:a="http://schemas.openxmlformats.org/drawingml/2006/main" xmlns:r="http://schemas.openxmlformats.org/officeDocument/2006/relationships" xmlns:p="http://schemas.openxmlformats.org/presentationml/2006/main" xmlns:mc="http://schemas.openxmlformats.org/markup-compatibility/2006" xmlns:c="http://schemas.openxmlformats.org/drawingml/2006/chart" xmlns:ns6="http://schemas.openxmlformats.org/drawingml/2006/chartDrawing" xmlns:dgm="http://schemas.openxmlformats.org/drawingml/2006/diagram" xmlns:pic="http://schemas.openxmlformats.org/drawingml/2006/picture" xmlns:wp="http://schemas.openxmlformats.org/drawingml/2006/wordprocessingDrawing" xmlns:xdr="http://schemas.openxmlformats.org/drawingml/2006/spreadsheetDrawing" xmlns:ns11="http://schemas.openxmlformats.org/drawingml/2006/compatibility" xmlns:ns12="http://schemas.openxmlformats.org/drawingml/2006/lockedCanvas" type="vertTx" preserve="true">
+<p:sldLayout xmlns:p="http://schemas.openxmlformats.org/presentationml/2006/main" xmlns:a="http://schemas.openxmlformats.org/drawingml/2006/main" xmlns:r="http://schemas.openxmlformats.org/officeDocument/2006/relationships" xmlns:mc="http://schemas.openxmlformats.org/markup-compatibility/2006" xmlns:c="http://schemas.openxmlformats.org/drawingml/2006/chart" xmlns:ns6="http://schemas.openxmlformats.org/drawingml/2006/chartDrawing" xmlns:dgm="http://schemas.openxmlformats.org/drawingml/2006/diagram" xmlns:pic="http://schemas.openxmlformats.org/drawingml/2006/picture" xmlns:wp="http://schemas.openxmlformats.org/drawingml/2006/wordprocessingDrawing" xmlns:xdr="http://schemas.openxmlformats.org/drawingml/2006/spreadsheetDrawing" xmlns:ns11="http://schemas.openxmlformats.org/drawingml/2006/compatibility" xmlns:ns12="http://schemas.openxmlformats.org/drawingml/2006/lockedCanvas" type="vertTx" preserve="true">
   <p:cSld name="Title and Vertical Text">
     <p:spTree>
       <p:nvGrpSpPr>
@@ -2216,7 +2216,7 @@
 </file>
 
 <file path=ppt/slideMasters/slideMaster1.xml><?xml version="1.0" encoding="utf-8"?>
-<p:sldMaster xmlns:a="http://schemas.openxmlformats.org/drawingml/2006/main" xmlns:r="http://schemas.openxmlformats.org/officeDocument/2006/relationships" xmlns:p="http://schemas.openxmlformats.org/presentationml/2006/main" xmlns:mc="http://schemas.openxmlformats.org/markup-compatibility/2006" xmlns:c="http://schemas.openxmlformats.org/drawingml/2006/chart" xmlns:ns6="http://schemas.openxmlformats.org/drawingml/2006/chartDrawing" xmlns:dgm="http://schemas.openxmlformats.org/drawingml/2006/diagram" xmlns:pic="http://schemas.openxmlformats.org/drawingml/2006/picture" xmlns:wp="http://schemas.openxmlformats.org/drawingml/2006/wordprocessingDrawing" xmlns:xdr="http://schemas.openxmlformats.org/drawingml/2006/spreadsheetDrawing" xmlns:ns11="http://schemas.openxmlformats.org/drawingml/2006/compatibility" xmlns:ns12="http://schemas.openxmlformats.org/drawingml/2006/lockedCanvas">
+<p:sldMaster xmlns:p="http://schemas.openxmlformats.org/presentationml/2006/main" xmlns:a="http://schemas.openxmlformats.org/drawingml/2006/main" xmlns:r="http://schemas.openxmlformats.org/officeDocument/2006/relationships" xmlns:mc="http://schemas.openxmlformats.org/markup-compatibility/2006" xmlns:c="http://schemas.openxmlformats.org/drawingml/2006/chart" xmlns:ns6="http://schemas.openxmlformats.org/drawingml/2006/chartDrawing" xmlns:dgm="http://schemas.openxmlformats.org/drawingml/2006/diagram" xmlns:pic="http://schemas.openxmlformats.org/drawingml/2006/picture" xmlns:wp="http://schemas.openxmlformats.org/drawingml/2006/wordprocessingDrawing" xmlns:xdr="http://schemas.openxmlformats.org/drawingml/2006/spreadsheetDrawing" xmlns:ns11="http://schemas.openxmlformats.org/drawingml/2006/compatibility" xmlns:ns12="http://schemas.openxmlformats.org/drawingml/2006/lockedCanvas">
   <p:cSld>
     <p:bg>
       <p:bgRef idx="1001">
@@ -2762,7 +2762,7 @@
 </file>
 
 <file path=ppt/slides/slide1.xml><?xml version="1.0" encoding="utf-8"?>
-<p:sld xmlns:a="http://schemas.openxmlformats.org/drawingml/2006/main" xmlns:r="http://schemas.openxmlformats.org/officeDocument/2006/relationships" xmlns:p="http://schemas.openxmlformats.org/presentationml/2006/main" xmlns:mc="http://schemas.openxmlformats.org/markup-compatibility/2006" xmlns:c="http://schemas.openxmlformats.org/drawingml/2006/chart" xmlns:ns6="http://schemas.openxmlformats.org/drawingml/2006/chartDrawing" xmlns:dgm="http://schemas.openxmlformats.org/drawingml/2006/diagram" xmlns:pic="http://schemas.openxmlformats.org/drawingml/2006/picture" xmlns:wp="http://schemas.openxmlformats.org/drawingml/2006/wordprocessingDrawing" xmlns:xdr="http://schemas.openxmlformats.org/drawingml/2006/spreadsheetDrawing" xmlns:ns11="http://schemas.openxmlformats.org/drawingml/2006/compatibility" xmlns:ns12="http://schemas.openxmlformats.org/drawingml/2006/lockedCanvas">
+<p:sld xmlns:p="http://schemas.openxmlformats.org/presentationml/2006/main" xmlns:a="http://schemas.openxmlformats.org/drawingml/2006/main" xmlns:r="http://schemas.openxmlformats.org/officeDocument/2006/relationships" xmlns:mc="http://schemas.openxmlformats.org/markup-compatibility/2006" xmlns:c="http://schemas.openxmlformats.org/drawingml/2006/chart" xmlns:ns6="http://schemas.openxmlformats.org/drawingml/2006/chartDrawing" xmlns:dgm="http://schemas.openxmlformats.org/drawingml/2006/diagram" xmlns:pic="http://schemas.openxmlformats.org/drawingml/2006/picture" xmlns:wp="http://schemas.openxmlformats.org/drawingml/2006/wordprocessingDrawing" xmlns:xdr="http://schemas.openxmlformats.org/drawingml/2006/spreadsheetDrawing" xmlns:ns11="http://schemas.openxmlformats.org/drawingml/2006/compatibility" xmlns:ns12="http://schemas.openxmlformats.org/drawingml/2006/lockedCanvas">
   <p:cSld>
     <p:spTree>
       <p:nvGrpSpPr>
@@ -2823,9 +2823,9 @@
                               <a:alpha val="100000"/>
                             </a:srgbClr>
                           </a:solidFill>
-                          <a:latin typeface="Helvetica"/>
-                          <a:ea typeface="Helvetica"/>
-                          <a:cs typeface="Helvetica"/>
+                          <a:latin typeface="Times New Roman"/>
+                          <a:ea typeface="Times New Roman"/>
+                          <a:cs typeface="Times New Roman"/>
                         </a:rPr>
                         <a:t>Sepal.Length</a:t>
                       </a:r>
@@ -2890,9 +2890,9 @@
                               <a:alpha val="100000"/>
                             </a:srgbClr>
                           </a:solidFill>
-                          <a:latin typeface="Helvetica"/>
-                          <a:ea typeface="Helvetica"/>
-                          <a:cs typeface="Helvetica"/>
+                          <a:latin typeface="Times New Roman"/>
+                          <a:ea typeface="Times New Roman"/>
+                          <a:cs typeface="Times New Roman"/>
                         </a:rPr>
                         <a:t>Sepal.Width</a:t>
                       </a:r>
@@ -2957,9 +2957,9 @@
                               <a:alpha val="100000"/>
                             </a:srgbClr>
                           </a:solidFill>
-                          <a:latin typeface="Helvetica"/>
-                          <a:ea typeface="Helvetica"/>
-                          <a:cs typeface="Helvetica"/>
+                          <a:latin typeface="Times New Roman"/>
+                          <a:ea typeface="Times New Roman"/>
+                          <a:cs typeface="Times New Roman"/>
                         </a:rPr>
                         <a:t>Petal.Length</a:t>
                       </a:r>
@@ -3024,9 +3024,9 @@
                               <a:alpha val="100000"/>
                             </a:srgbClr>
                           </a:solidFill>
-                          <a:latin typeface="Helvetica"/>
-                          <a:ea typeface="Helvetica"/>
-                          <a:cs typeface="Helvetica"/>
+                          <a:latin typeface="Times New Roman"/>
+                          <a:ea typeface="Times New Roman"/>
+                          <a:cs typeface="Times New Roman"/>
                         </a:rPr>
                         <a:t>Petal.Width</a:t>
                       </a:r>
@@ -3091,9 +3091,9 @@
                               <a:alpha val="100000"/>
                             </a:srgbClr>
                           </a:solidFill>
-                          <a:latin typeface="Helvetica"/>
-                          <a:ea typeface="Helvetica"/>
-                          <a:cs typeface="Helvetica"/>
+                          <a:latin typeface="Times New Roman"/>
+                          <a:ea typeface="Times New Roman"/>
+                          <a:cs typeface="Times New Roman"/>
                         </a:rPr>
                         <a:t>Species</a:t>
                       </a:r>
@@ -3160,9 +3160,9 @@
                               <a:alpha val="100000"/>
                             </a:srgbClr>
                           </a:solidFill>
-                          <a:latin typeface="Helvetica"/>
-                          <a:ea typeface="Helvetica"/>
-                          <a:cs typeface="Helvetica"/>
+                          <a:latin typeface="Times New Roman"/>
+                          <a:ea typeface="Times New Roman"/>
+                          <a:cs typeface="Times New Roman"/>
                         </a:rPr>
                         <a:t/>
                       </a:r>
@@ -3173,9 +3173,9 @@
                               <a:alpha val="100000"/>
                             </a:srgbClr>
                           </a:solidFill>
-                          <a:latin typeface="Helvetica"/>
-                          <a:ea typeface="Helvetica"/>
-                          <a:cs typeface="Helvetica"/>
+                          <a:latin typeface="Times New Roman"/>
+                          <a:ea typeface="Times New Roman"/>
+                          <a:cs typeface="Times New Roman"/>
                         </a:rPr>
                         <a:t>5.1</a:t>
                       </a:r>
@@ -3239,9 +3239,9 @@
                               <a:alpha val="100000"/>
                             </a:srgbClr>
                           </a:solidFill>
-                          <a:latin typeface="Helvetica"/>
-                          <a:ea typeface="Helvetica"/>
-                          <a:cs typeface="Helvetica"/>
+                          <a:latin typeface="Times New Roman"/>
+                          <a:ea typeface="Times New Roman"/>
+                          <a:cs typeface="Times New Roman"/>
                         </a:rPr>
                         <a:t/>
                       </a:r>
@@ -3252,9 +3252,9 @@
                               <a:alpha val="100000"/>
                             </a:srgbClr>
                           </a:solidFill>
-                          <a:latin typeface="Helvetica"/>
-                          <a:ea typeface="Helvetica"/>
-                          <a:cs typeface="Helvetica"/>
+                          <a:latin typeface="Times New Roman"/>
+                          <a:ea typeface="Times New Roman"/>
+                          <a:cs typeface="Times New Roman"/>
                         </a:rPr>
                         <a:t>3.5</a:t>
                       </a:r>
@@ -3318,9 +3318,9 @@
                               <a:alpha val="100000"/>
                             </a:srgbClr>
                           </a:solidFill>
-                          <a:latin typeface="Helvetica"/>
-                          <a:ea typeface="Helvetica"/>
-                          <a:cs typeface="Helvetica"/>
+                          <a:latin typeface="Times New Roman"/>
+                          <a:ea typeface="Times New Roman"/>
+                          <a:cs typeface="Times New Roman"/>
                         </a:rPr>
                         <a:t/>
                       </a:r>
@@ -3331,9 +3331,9 @@
                               <a:alpha val="100000"/>
                             </a:srgbClr>
                           </a:solidFill>
-                          <a:latin typeface="Helvetica"/>
-                          <a:ea typeface="Helvetica"/>
-                          <a:cs typeface="Helvetica"/>
+                          <a:latin typeface="Times New Roman"/>
+                          <a:ea typeface="Times New Roman"/>
+                          <a:cs typeface="Times New Roman"/>
                         </a:rPr>
                         <a:t>1.4</a:t>
                       </a:r>
@@ -3397,9 +3397,9 @@
                               <a:alpha val="100000"/>
                             </a:srgbClr>
                           </a:solidFill>
-                          <a:latin typeface="Helvetica"/>
-                          <a:ea typeface="Helvetica"/>
-                          <a:cs typeface="Helvetica"/>
+                          <a:latin typeface="Times New Roman"/>
+                          <a:ea typeface="Times New Roman"/>
+                          <a:cs typeface="Times New Roman"/>
                         </a:rPr>
                         <a:t/>
                       </a:r>
@@ -3410,9 +3410,9 @@
                               <a:alpha val="100000"/>
                             </a:srgbClr>
                           </a:solidFill>
-                          <a:latin typeface="Helvetica"/>
-                          <a:ea typeface="Helvetica"/>
-                          <a:cs typeface="Helvetica"/>
+                          <a:latin typeface="Times New Roman"/>
+                          <a:ea typeface="Times New Roman"/>
+                          <a:cs typeface="Times New Roman"/>
                         </a:rPr>
                         <a:t>0.2</a:t>
                       </a:r>
@@ -3476,9 +3476,9 @@
                               <a:alpha val="100000"/>
                             </a:srgbClr>
                           </a:solidFill>
-                          <a:latin typeface="Helvetica"/>
-                          <a:ea typeface="Helvetica"/>
-                          <a:cs typeface="Helvetica"/>
+                          <a:latin typeface="Times New Roman"/>
+                          <a:ea typeface="Times New Roman"/>
+                          <a:cs typeface="Times New Roman"/>
                         </a:rPr>
                         <a:t/>
                       </a:r>
@@ -3489,9 +3489,9 @@
                               <a:alpha val="100000"/>
                             </a:srgbClr>
                           </a:solidFill>
-                          <a:latin typeface="Helvetica"/>
-                          <a:ea typeface="Helvetica"/>
-                          <a:cs typeface="Helvetica"/>
+                          <a:latin typeface="Times New Roman"/>
+                          <a:ea typeface="Times New Roman"/>
+                          <a:cs typeface="Times New Roman"/>
                         </a:rPr>
                         <a:t>setosa</a:t>
                       </a:r>
@@ -3557,9 +3557,9 @@
                               <a:alpha val="100000"/>
                             </a:srgbClr>
                           </a:solidFill>
-                          <a:latin typeface="Helvetica"/>
-                          <a:ea typeface="Helvetica"/>
-                          <a:cs typeface="Helvetica"/>
+                          <a:latin typeface="Times New Roman"/>
+                          <a:ea typeface="Times New Roman"/>
+                          <a:cs typeface="Times New Roman"/>
                         </a:rPr>
                         <a:t/>
                       </a:r>
@@ -3570,9 +3570,9 @@
                               <a:alpha val="100000"/>
                             </a:srgbClr>
                           </a:solidFill>
-                          <a:latin typeface="Helvetica"/>
-                          <a:ea typeface="Helvetica"/>
-                          <a:cs typeface="Helvetica"/>
+                          <a:latin typeface="Times New Roman"/>
+                          <a:ea typeface="Times New Roman"/>
+                          <a:cs typeface="Times New Roman"/>
                         </a:rPr>
                         <a:t>4.9</a:t>
                       </a:r>
@@ -3635,9 +3635,9 @@
                               <a:alpha val="100000"/>
                             </a:srgbClr>
                           </a:solidFill>
-                          <a:latin typeface="Helvetica"/>
-                          <a:ea typeface="Helvetica"/>
-                          <a:cs typeface="Helvetica"/>
+                          <a:latin typeface="Times New Roman"/>
+                          <a:ea typeface="Times New Roman"/>
+                          <a:cs typeface="Times New Roman"/>
                         </a:rPr>
                         <a:t/>
                       </a:r>
@@ -3648,9 +3648,9 @@
                               <a:alpha val="100000"/>
                             </a:srgbClr>
                           </a:solidFill>
-                          <a:latin typeface="Helvetica"/>
-                          <a:ea typeface="Helvetica"/>
-                          <a:cs typeface="Helvetica"/>
+                          <a:latin typeface="Times New Roman"/>
+                          <a:ea typeface="Times New Roman"/>
+                          <a:cs typeface="Times New Roman"/>
                         </a:rPr>
                         <a:t>3.0</a:t>
                       </a:r>
@@ -3713,9 +3713,9 @@
                               <a:alpha val="100000"/>
                             </a:srgbClr>
                           </a:solidFill>
-                          <a:latin typeface="Helvetica"/>
-                          <a:ea typeface="Helvetica"/>
-                          <a:cs typeface="Helvetica"/>
+                          <a:latin typeface="Times New Roman"/>
+                          <a:ea typeface="Times New Roman"/>
+                          <a:cs typeface="Times New Roman"/>
                         </a:rPr>
                         <a:t/>
                       </a:r>
@@ -3726,9 +3726,9 @@
                               <a:alpha val="100000"/>
                             </a:srgbClr>
                           </a:solidFill>
-                          <a:latin typeface="Helvetica"/>
-                          <a:ea typeface="Helvetica"/>
-                          <a:cs typeface="Helvetica"/>
+                          <a:latin typeface="Times New Roman"/>
+                          <a:ea typeface="Times New Roman"/>
+                          <a:cs typeface="Times New Roman"/>
                         </a:rPr>
                         <a:t>1.4</a:t>
                       </a:r>
@@ -3791,9 +3791,9 @@
                               <a:alpha val="100000"/>
                             </a:srgbClr>
                           </a:solidFill>
-                          <a:latin typeface="Helvetica"/>
-                          <a:ea typeface="Helvetica"/>
-                          <a:cs typeface="Helvetica"/>
+                          <a:latin typeface="Times New Roman"/>
+                          <a:ea typeface="Times New Roman"/>
+                          <a:cs typeface="Times New Roman"/>
                         </a:rPr>
                         <a:t/>
                       </a:r>
@@ -3804,9 +3804,9 @@
                               <a:alpha val="100000"/>
                             </a:srgbClr>
                           </a:solidFill>
-                          <a:latin typeface="Helvetica"/>
-                          <a:ea typeface="Helvetica"/>
-                          <a:cs typeface="Helvetica"/>
+                          <a:latin typeface="Times New Roman"/>
+                          <a:ea typeface="Times New Roman"/>
+                          <a:cs typeface="Times New Roman"/>
                         </a:rPr>
                         <a:t>0.2</a:t>
                       </a:r>
@@ -3869,9 +3869,9 @@
                               <a:alpha val="100000"/>
                             </a:srgbClr>
                           </a:solidFill>
-                          <a:latin typeface="Helvetica"/>
-                          <a:ea typeface="Helvetica"/>
-                          <a:cs typeface="Helvetica"/>
+                          <a:latin typeface="Times New Roman"/>
+                          <a:ea typeface="Times New Roman"/>
+                          <a:cs typeface="Times New Roman"/>
                         </a:rPr>
                         <a:t/>
                       </a:r>
@@ -3882,9 +3882,9 @@
                               <a:alpha val="100000"/>
                             </a:srgbClr>
                           </a:solidFill>
-                          <a:latin typeface="Helvetica"/>
-                          <a:ea typeface="Helvetica"/>
-                          <a:cs typeface="Helvetica"/>
+                          <a:latin typeface="Times New Roman"/>
+                          <a:ea typeface="Times New Roman"/>
+                          <a:cs typeface="Times New Roman"/>
                         </a:rPr>
                         <a:t>setosa</a:t>
                       </a:r>
@@ -3949,9 +3949,9 @@
                               <a:alpha val="100000"/>
                             </a:srgbClr>
                           </a:solidFill>
-                          <a:latin typeface="Helvetica"/>
-                          <a:ea typeface="Helvetica"/>
-                          <a:cs typeface="Helvetica"/>
+                          <a:latin typeface="Times New Roman"/>
+                          <a:ea typeface="Times New Roman"/>
+                          <a:cs typeface="Times New Roman"/>
                         </a:rPr>
                         <a:t/>
                       </a:r>
@@ -3962,9 +3962,9 @@
                               <a:alpha val="100000"/>
                             </a:srgbClr>
                           </a:solidFill>
-                          <a:latin typeface="Helvetica"/>
-                          <a:ea typeface="Helvetica"/>
-                          <a:cs typeface="Helvetica"/>
+                          <a:latin typeface="Times New Roman"/>
+                          <a:ea typeface="Times New Roman"/>
+                          <a:cs typeface="Times New Roman"/>
                         </a:rPr>
                         <a:t>4.7</a:t>
                       </a:r>
@@ -4027,9 +4027,9 @@
                               <a:alpha val="100000"/>
                             </a:srgbClr>
                           </a:solidFill>
-                          <a:latin typeface="Helvetica"/>
-                          <a:ea typeface="Helvetica"/>
-                          <a:cs typeface="Helvetica"/>
+                          <a:latin typeface="Times New Roman"/>
+                          <a:ea typeface="Times New Roman"/>
+                          <a:cs typeface="Times New Roman"/>
                         </a:rPr>
                         <a:t/>
                       </a:r>
@@ -4040,9 +4040,9 @@
                               <a:alpha val="100000"/>
                             </a:srgbClr>
                           </a:solidFill>
-                          <a:latin typeface="Helvetica"/>
-                          <a:ea typeface="Helvetica"/>
-                          <a:cs typeface="Helvetica"/>
+                          <a:latin typeface="Times New Roman"/>
+                          <a:ea typeface="Times New Roman"/>
+                          <a:cs typeface="Times New Roman"/>
                         </a:rPr>
                         <a:t>3.2</a:t>
                       </a:r>
@@ -4105,9 +4105,9 @@
                               <a:alpha val="100000"/>
                             </a:srgbClr>
                           </a:solidFill>
-                          <a:latin typeface="Helvetica"/>
-                          <a:ea typeface="Helvetica"/>
-                          <a:cs typeface="Helvetica"/>
+                          <a:latin typeface="Times New Roman"/>
+                          <a:ea typeface="Times New Roman"/>
+                          <a:cs typeface="Times New Roman"/>
                         </a:rPr>
                         <a:t/>
                       </a:r>
@@ -4118,9 +4118,9 @@
                               <a:alpha val="100000"/>
                             </a:srgbClr>
                           </a:solidFill>
-                          <a:latin typeface="Helvetica"/>
-                          <a:ea typeface="Helvetica"/>
-                          <a:cs typeface="Helvetica"/>
+                          <a:latin typeface="Times New Roman"/>
+                          <a:ea typeface="Times New Roman"/>
+                          <a:cs typeface="Times New Roman"/>
                         </a:rPr>
                         <a:t>1.3</a:t>
                       </a:r>
@@ -4183,9 +4183,9 @@
                               <a:alpha val="100000"/>
                             </a:srgbClr>
                           </a:solidFill>
-                          <a:latin typeface="Helvetica"/>
-                          <a:ea typeface="Helvetica"/>
-                          <a:cs typeface="Helvetica"/>
+                          <a:latin typeface="Times New Roman"/>
+                          <a:ea typeface="Times New Roman"/>
+                          <a:cs typeface="Times New Roman"/>
                         </a:rPr>
                         <a:t/>
                       </a:r>
@@ -4196,9 +4196,9 @@
                               <a:alpha val="100000"/>
                             </a:srgbClr>
                           </a:solidFill>
-                          <a:latin typeface="Helvetica"/>
-                          <a:ea typeface="Helvetica"/>
-                          <a:cs typeface="Helvetica"/>
+                          <a:latin typeface="Times New Roman"/>
+                          <a:ea typeface="Times New Roman"/>
+                          <a:cs typeface="Times New Roman"/>
                         </a:rPr>
                         <a:t>0.2</a:t>
                       </a:r>
@@ -4261,9 +4261,9 @@
                               <a:alpha val="100000"/>
                             </a:srgbClr>
                           </a:solidFill>
-                          <a:latin typeface="Helvetica"/>
-                          <a:ea typeface="Helvetica"/>
-                          <a:cs typeface="Helvetica"/>
+                          <a:latin typeface="Times New Roman"/>
+                          <a:ea typeface="Times New Roman"/>
+                          <a:cs typeface="Times New Roman"/>
                         </a:rPr>
                         <a:t/>
                       </a:r>
@@ -4274,9 +4274,9 @@
                               <a:alpha val="100000"/>
                             </a:srgbClr>
                           </a:solidFill>
-                          <a:latin typeface="Helvetica"/>
-                          <a:ea typeface="Helvetica"/>
-                          <a:cs typeface="Helvetica"/>
+                          <a:latin typeface="Times New Roman"/>
+                          <a:ea typeface="Times New Roman"/>
+                          <a:cs typeface="Times New Roman"/>
                         </a:rPr>
                         <a:t>setosa</a:t>
                       </a:r>
@@ -4341,9 +4341,9 @@
                               <a:alpha val="100000"/>
                             </a:srgbClr>
                           </a:solidFill>
-                          <a:latin typeface="Helvetica"/>
-                          <a:ea typeface="Helvetica"/>
-                          <a:cs typeface="Helvetica"/>
+                          <a:latin typeface="Times New Roman"/>
+                          <a:ea typeface="Times New Roman"/>
+                          <a:cs typeface="Times New Roman"/>
                         </a:rPr>
                         <a:t/>
                       </a:r>
@@ -4354,9 +4354,9 @@
                               <a:alpha val="100000"/>
                             </a:srgbClr>
                           </a:solidFill>
-                          <a:latin typeface="Helvetica"/>
-                          <a:ea typeface="Helvetica"/>
-                          <a:cs typeface="Helvetica"/>
+                          <a:latin typeface="Times New Roman"/>
+                          <a:ea typeface="Times New Roman"/>
+                          <a:cs typeface="Times New Roman"/>
                         </a:rPr>
                         <a:t>4.6</a:t>
                       </a:r>
@@ -4419,9 +4419,9 @@
                               <a:alpha val="100000"/>
                             </a:srgbClr>
                           </a:solidFill>
-                          <a:latin typeface="Helvetica"/>
-                          <a:ea typeface="Helvetica"/>
-                          <a:cs typeface="Helvetica"/>
+                          <a:latin typeface="Times New Roman"/>
+                          <a:ea typeface="Times New Roman"/>
+                          <a:cs typeface="Times New Roman"/>
                         </a:rPr>
                         <a:t/>
                       </a:r>
@@ -4432,9 +4432,9 @@
                               <a:alpha val="100000"/>
                             </a:srgbClr>
                           </a:solidFill>
-                          <a:latin typeface="Helvetica"/>
-                          <a:ea typeface="Helvetica"/>
-                          <a:cs typeface="Helvetica"/>
+                          <a:latin typeface="Times New Roman"/>
+                          <a:ea typeface="Times New Roman"/>
+                          <a:cs typeface="Times New Roman"/>
                         </a:rPr>
                         <a:t>3.1</a:t>
                       </a:r>
@@ -4497,9 +4497,9 @@
                               <a:alpha val="100000"/>
                             </a:srgbClr>
                           </a:solidFill>
-                          <a:latin typeface="Helvetica"/>
-                          <a:ea typeface="Helvetica"/>
-                          <a:cs typeface="Helvetica"/>
+                          <a:latin typeface="Times New Roman"/>
+                          <a:ea typeface="Times New Roman"/>
+                          <a:cs typeface="Times New Roman"/>
                         </a:rPr>
                         <a:t/>
                       </a:r>
@@ -4510,9 +4510,9 @@
                               <a:alpha val="100000"/>
                             </a:srgbClr>
                           </a:solidFill>
-                          <a:latin typeface="Helvetica"/>
-                          <a:ea typeface="Helvetica"/>
-                          <a:cs typeface="Helvetica"/>
+                          <a:latin typeface="Times New Roman"/>
+                          <a:ea typeface="Times New Roman"/>
+                          <a:cs typeface="Times New Roman"/>
                         </a:rPr>
                         <a:t>1.5</a:t>
                       </a:r>
@@ -4575,9 +4575,9 @@
                               <a:alpha val="100000"/>
                             </a:srgbClr>
                           </a:solidFill>
-                          <a:latin typeface="Helvetica"/>
-                          <a:ea typeface="Helvetica"/>
-                          <a:cs typeface="Helvetica"/>
+                          <a:latin typeface="Times New Roman"/>
+                          <a:ea typeface="Times New Roman"/>
+                          <a:cs typeface="Times New Roman"/>
                         </a:rPr>
                         <a:t/>
                       </a:r>
@@ -4588,9 +4588,9 @@
                               <a:alpha val="100000"/>
                             </a:srgbClr>
                           </a:solidFill>
-                          <a:latin typeface="Helvetica"/>
-                          <a:ea typeface="Helvetica"/>
-                          <a:cs typeface="Helvetica"/>
+                          <a:latin typeface="Times New Roman"/>
+                          <a:ea typeface="Times New Roman"/>
+                          <a:cs typeface="Times New Roman"/>
                         </a:rPr>
                         <a:t>0.2</a:t>
                       </a:r>
@@ -4653,9 +4653,9 @@
                               <a:alpha val="100000"/>
                             </a:srgbClr>
                           </a:solidFill>
-                          <a:latin typeface="Helvetica"/>
-                          <a:ea typeface="Helvetica"/>
-                          <a:cs typeface="Helvetica"/>
+                          <a:latin typeface="Times New Roman"/>
+                          <a:ea typeface="Times New Roman"/>
+                          <a:cs typeface="Times New Roman"/>
                         </a:rPr>
                         <a:t/>
                       </a:r>
@@ -4666,9 +4666,9 @@
                               <a:alpha val="100000"/>
                             </a:srgbClr>
                           </a:solidFill>
-                          <a:latin typeface="Helvetica"/>
-                          <a:ea typeface="Helvetica"/>
-                          <a:cs typeface="Helvetica"/>
+                          <a:latin typeface="Times New Roman"/>
+                          <a:ea typeface="Times New Roman"/>
+                          <a:cs typeface="Times New Roman"/>
                         </a:rPr>
                         <a:t>setosa</a:t>
                       </a:r>
@@ -4733,9 +4733,9 @@
                               <a:alpha val="100000"/>
                             </a:srgbClr>
                           </a:solidFill>
-                          <a:latin typeface="Helvetica"/>
-                          <a:ea typeface="Helvetica"/>
-                          <a:cs typeface="Helvetica"/>
+                          <a:latin typeface="Times New Roman"/>
+                          <a:ea typeface="Times New Roman"/>
+                          <a:cs typeface="Times New Roman"/>
                         </a:rPr>
                         <a:t/>
                       </a:r>
@@ -4746,9 +4746,9 @@
                               <a:alpha val="100000"/>
                             </a:srgbClr>
                           </a:solidFill>
-                          <a:latin typeface="Helvetica"/>
-                          <a:ea typeface="Helvetica"/>
-                          <a:cs typeface="Helvetica"/>
+                          <a:latin typeface="Times New Roman"/>
+                          <a:ea typeface="Times New Roman"/>
+                          <a:cs typeface="Times New Roman"/>
                         </a:rPr>
                         <a:t>5.0</a:t>
                       </a:r>
@@ -4811,9 +4811,9 @@
                               <a:alpha val="100000"/>
                             </a:srgbClr>
                           </a:solidFill>
-                          <a:latin typeface="Helvetica"/>
-                          <a:ea typeface="Helvetica"/>
-                          <a:cs typeface="Helvetica"/>
+                          <a:latin typeface="Times New Roman"/>
+                          <a:ea typeface="Times New Roman"/>
+                          <a:cs typeface="Times New Roman"/>
                         </a:rPr>
                         <a:t/>
                       </a:r>
@@ -4824,9 +4824,9 @@
                               <a:alpha val="100000"/>
                             </a:srgbClr>
                           </a:solidFill>
-                          <a:latin typeface="Helvetica"/>
-                          <a:ea typeface="Helvetica"/>
-                          <a:cs typeface="Helvetica"/>
+                          <a:latin typeface="Times New Roman"/>
+                          <a:ea typeface="Times New Roman"/>
+                          <a:cs typeface="Times New Roman"/>
                         </a:rPr>
                         <a:t>3.6</a:t>
                       </a:r>
@@ -4889,9 +4889,9 @@
                               <a:alpha val="100000"/>
                             </a:srgbClr>
                           </a:solidFill>
-                          <a:latin typeface="Helvetica"/>
-                          <a:ea typeface="Helvetica"/>
-                          <a:cs typeface="Helvetica"/>
+                          <a:latin typeface="Times New Roman"/>
+                          <a:ea typeface="Times New Roman"/>
+                          <a:cs typeface="Times New Roman"/>
                         </a:rPr>
                         <a:t/>
                       </a:r>
@@ -4902,9 +4902,9 @@
                               <a:alpha val="100000"/>
                             </a:srgbClr>
                           </a:solidFill>
-                          <a:latin typeface="Helvetica"/>
-                          <a:ea typeface="Helvetica"/>
-                          <a:cs typeface="Helvetica"/>
+                          <a:latin typeface="Times New Roman"/>
+                          <a:ea typeface="Times New Roman"/>
+                          <a:cs typeface="Times New Roman"/>
                         </a:rPr>
                         <a:t>1.4</a:t>
                       </a:r>
@@ -4967,9 +4967,9 @@
                               <a:alpha val="100000"/>
                             </a:srgbClr>
                           </a:solidFill>
-                          <a:latin typeface="Helvetica"/>
-                          <a:ea typeface="Helvetica"/>
-                          <a:cs typeface="Helvetica"/>
+                          <a:latin typeface="Times New Roman"/>
+                          <a:ea typeface="Times New Roman"/>
+                          <a:cs typeface="Times New Roman"/>
                         </a:rPr>
                         <a:t/>
                       </a:r>
@@ -4980,9 +4980,9 @@
                               <a:alpha val="100000"/>
                             </a:srgbClr>
                           </a:solidFill>
-                          <a:latin typeface="Helvetica"/>
-                          <a:ea typeface="Helvetica"/>
-                          <a:cs typeface="Helvetica"/>
+                          <a:latin typeface="Times New Roman"/>
+                          <a:ea typeface="Times New Roman"/>
+                          <a:cs typeface="Times New Roman"/>
                         </a:rPr>
                         <a:t>0.2</a:t>
                       </a:r>
@@ -5045,9 +5045,9 @@
                               <a:alpha val="100000"/>
                             </a:srgbClr>
                           </a:solidFill>
-                          <a:latin typeface="Helvetica"/>
-                          <a:ea typeface="Helvetica"/>
-                          <a:cs typeface="Helvetica"/>
+                          <a:latin typeface="Times New Roman"/>
+                          <a:ea typeface="Times New Roman"/>
+                          <a:cs typeface="Times New Roman"/>
                         </a:rPr>
                         <a:t/>
                       </a:r>
@@ -5058,9 +5058,9 @@
                               <a:alpha val="100000"/>
                             </a:srgbClr>
                           </a:solidFill>
-                          <a:latin typeface="Helvetica"/>
-                          <a:ea typeface="Helvetica"/>
-                          <a:cs typeface="Helvetica"/>
+                          <a:latin typeface="Times New Roman"/>
+                          <a:ea typeface="Times New Roman"/>
+                          <a:cs typeface="Times New Roman"/>
                         </a:rPr>
                         <a:t>setosa</a:t>
                       </a:r>
@@ -5125,9 +5125,9 @@
                               <a:alpha val="100000"/>
                             </a:srgbClr>
                           </a:solidFill>
-                          <a:latin typeface="Helvetica"/>
-                          <a:ea typeface="Helvetica"/>
-                          <a:cs typeface="Helvetica"/>
+                          <a:latin typeface="Times New Roman"/>
+                          <a:ea typeface="Times New Roman"/>
+                          <a:cs typeface="Times New Roman"/>
                         </a:rPr>
                         <a:t/>
                       </a:r>
@@ -5138,9 +5138,9 @@
                               <a:alpha val="100000"/>
                             </a:srgbClr>
                           </a:solidFill>
-                          <a:latin typeface="Helvetica"/>
-                          <a:ea typeface="Helvetica"/>
-                          <a:cs typeface="Helvetica"/>
+                          <a:latin typeface="Times New Roman"/>
+                          <a:ea typeface="Times New Roman"/>
+                          <a:cs typeface="Times New Roman"/>
                         </a:rPr>
                         <a:t>5.4</a:t>
                       </a:r>
@@ -5204,9 +5204,9 @@
                               <a:alpha val="100000"/>
                             </a:srgbClr>
                           </a:solidFill>
-                          <a:latin typeface="Helvetica"/>
-                          <a:ea typeface="Helvetica"/>
-                          <a:cs typeface="Helvetica"/>
+                          <a:latin typeface="Times New Roman"/>
+                          <a:ea typeface="Times New Roman"/>
+                          <a:cs typeface="Times New Roman"/>
                         </a:rPr>
                         <a:t/>
                       </a:r>
@@ -5217,9 +5217,9 @@
                               <a:alpha val="100000"/>
                             </a:srgbClr>
                           </a:solidFill>
-                          <a:latin typeface="Helvetica"/>
-                          <a:ea typeface="Helvetica"/>
-                          <a:cs typeface="Helvetica"/>
+                          <a:latin typeface="Times New Roman"/>
+                          <a:ea typeface="Times New Roman"/>
+                          <a:cs typeface="Times New Roman"/>
                         </a:rPr>
                         <a:t>3.9</a:t>
                       </a:r>
@@ -5283,9 +5283,9 @@
                               <a:alpha val="100000"/>
                             </a:srgbClr>
                           </a:solidFill>
-                          <a:latin typeface="Helvetica"/>
-                          <a:ea typeface="Helvetica"/>
-                          <a:cs typeface="Helvetica"/>
+                          <a:latin typeface="Times New Roman"/>
+                          <a:ea typeface="Times New Roman"/>
+                          <a:cs typeface="Times New Roman"/>
                         </a:rPr>
                         <a:t/>
                       </a:r>
@@ -5296,9 +5296,9 @@
                               <a:alpha val="100000"/>
                             </a:srgbClr>
                           </a:solidFill>
-                          <a:latin typeface="Helvetica"/>
-                          <a:ea typeface="Helvetica"/>
-                          <a:cs typeface="Helvetica"/>
+                          <a:latin typeface="Times New Roman"/>
+                          <a:ea typeface="Times New Roman"/>
+                          <a:cs typeface="Times New Roman"/>
                         </a:rPr>
                         <a:t>1.7</a:t>
                       </a:r>
@@ -5362,9 +5362,9 @@
                               <a:alpha val="100000"/>
                             </a:srgbClr>
                           </a:solidFill>
-                          <a:latin typeface="Helvetica"/>
-                          <a:ea typeface="Helvetica"/>
-                          <a:cs typeface="Helvetica"/>
+                          <a:latin typeface="Times New Roman"/>
+                          <a:ea typeface="Times New Roman"/>
+                          <a:cs typeface="Times New Roman"/>
                         </a:rPr>
                         <a:t/>
                       </a:r>
@@ -5375,9 +5375,9 @@
                               <a:alpha val="100000"/>
                             </a:srgbClr>
                           </a:solidFill>
-                          <a:latin typeface="Helvetica"/>
-                          <a:ea typeface="Helvetica"/>
-                          <a:cs typeface="Helvetica"/>
+                          <a:latin typeface="Times New Roman"/>
+                          <a:ea typeface="Times New Roman"/>
+                          <a:cs typeface="Times New Roman"/>
                         </a:rPr>
                         <a:t>0.4</a:t>
                       </a:r>
@@ -5441,9 +5441,9 @@
                               <a:alpha val="100000"/>
                             </a:srgbClr>
                           </a:solidFill>
-                          <a:latin typeface="Helvetica"/>
-                          <a:ea typeface="Helvetica"/>
-                          <a:cs typeface="Helvetica"/>
+                          <a:latin typeface="Times New Roman"/>
+                          <a:ea typeface="Times New Roman"/>
+                          <a:cs typeface="Times New Roman"/>
                         </a:rPr>
                         <a:t/>
                       </a:r>
@@ -5454,9 +5454,9 @@
                               <a:alpha val="100000"/>
                             </a:srgbClr>
                           </a:solidFill>
-                          <a:latin typeface="Helvetica"/>
-                          <a:ea typeface="Helvetica"/>
-                          <a:cs typeface="Helvetica"/>
+                          <a:latin typeface="Times New Roman"/>
+                          <a:ea typeface="Times New Roman"/>
+                          <a:cs typeface="Times New Roman"/>
                         </a:rPr>
                         <a:t>setosa</a:t>
                       </a:r>

--- a/docs/articles/pipe_example.pptx
+++ b/docs/articles/pipe_example.pptx
@@ -1,11 +1,11 @@
 
 <file path=ppt/presentation.xml><?xml version="1.0" encoding="utf-8"?>
-<p:presentation xmlns:p="http://schemas.openxmlformats.org/presentationml/2006/main" xmlns:a="http://schemas.openxmlformats.org/drawingml/2006/main" xmlns:r="http://schemas.openxmlformats.org/officeDocument/2006/relationships" xmlns:mc="http://schemas.openxmlformats.org/markup-compatibility/2006" xmlns:c="http://schemas.openxmlformats.org/drawingml/2006/chart" xmlns:ns6="http://schemas.openxmlformats.org/drawingml/2006/chartDrawing" xmlns:dgm="http://schemas.openxmlformats.org/drawingml/2006/diagram" xmlns:pic="http://schemas.openxmlformats.org/drawingml/2006/picture" xmlns:wp="http://schemas.openxmlformats.org/drawingml/2006/wordprocessingDrawing" xmlns:xdr="http://schemas.openxmlformats.org/drawingml/2006/spreadsheetDrawing" xmlns:ns11="http://schemas.openxmlformats.org/drawingml/2006/compatibility" xmlns:ns12="http://schemas.openxmlformats.org/drawingml/2006/lockedCanvas" saveSubsetFonts="true">
+<p:presentation xmlns:a="http://schemas.openxmlformats.org/drawingml/2006/main" xmlns:r="http://schemas.openxmlformats.org/officeDocument/2006/relationships" xmlns:p="http://schemas.openxmlformats.org/presentationml/2006/main" xmlns:mc="http://schemas.openxmlformats.org/markup-compatibility/2006" xmlns:c="http://schemas.openxmlformats.org/drawingml/2006/chart" xmlns:ns6="http://schemas.openxmlformats.org/drawingml/2006/chartDrawing" xmlns:dgm="http://schemas.openxmlformats.org/drawingml/2006/diagram" xmlns:pic="http://schemas.openxmlformats.org/drawingml/2006/picture" xmlns:wp="http://schemas.openxmlformats.org/drawingml/2006/wordprocessingDrawing" xmlns:xdr="http://schemas.openxmlformats.org/drawingml/2006/spreadsheetDrawing" xmlns:ns11="http://schemas.openxmlformats.org/drawingml/2006/compatibility" xmlns:ns12="http://schemas.openxmlformats.org/drawingml/2006/lockedCanvas" saveSubsetFonts="true">
   <p:sldMasterIdLst>
     <p:sldMasterId id="2147483648" r:id="rId1"/>
   </p:sldMasterIdLst>
   <p:sldIdLst>
-    <p:sldId id="161472265" r:id="rId6"/>
+    <p:sldId id="19274496" r:id="rId6"/>
   </p:sldIdLst>
   <p:sldSz cx="12192000" cy="6858000"/>
   <p:notesSz cx="6858000" cy="9144000"/>
@@ -113,7 +113,7 @@
 </file>
 
 <file path=ppt/slideLayouts/slideLayout1.xml><?xml version="1.0" encoding="utf-8"?>
-<p:sldLayout xmlns:p="http://schemas.openxmlformats.org/presentationml/2006/main" xmlns:a="http://schemas.openxmlformats.org/drawingml/2006/main" xmlns:r="http://schemas.openxmlformats.org/officeDocument/2006/relationships" xmlns:mc="http://schemas.openxmlformats.org/markup-compatibility/2006" xmlns:c="http://schemas.openxmlformats.org/drawingml/2006/chart" xmlns:ns6="http://schemas.openxmlformats.org/drawingml/2006/chartDrawing" xmlns:dgm="http://schemas.openxmlformats.org/drawingml/2006/diagram" xmlns:pic="http://schemas.openxmlformats.org/drawingml/2006/picture" xmlns:wp="http://schemas.openxmlformats.org/drawingml/2006/wordprocessingDrawing" xmlns:xdr="http://schemas.openxmlformats.org/drawingml/2006/spreadsheetDrawing" xmlns:ns11="http://schemas.openxmlformats.org/drawingml/2006/compatibility" xmlns:ns12="http://schemas.openxmlformats.org/drawingml/2006/lockedCanvas" type="title" preserve="true">
+<p:sldLayout xmlns:a="http://schemas.openxmlformats.org/drawingml/2006/main" xmlns:r="http://schemas.openxmlformats.org/officeDocument/2006/relationships" xmlns:p="http://schemas.openxmlformats.org/presentationml/2006/main" xmlns:mc="http://schemas.openxmlformats.org/markup-compatibility/2006" xmlns:c="http://schemas.openxmlformats.org/drawingml/2006/chart" xmlns:ns6="http://schemas.openxmlformats.org/drawingml/2006/chartDrawing" xmlns:dgm="http://schemas.openxmlformats.org/drawingml/2006/diagram" xmlns:pic="http://schemas.openxmlformats.org/drawingml/2006/picture" xmlns:wp="http://schemas.openxmlformats.org/drawingml/2006/wordprocessingDrawing" xmlns:xdr="http://schemas.openxmlformats.org/drawingml/2006/spreadsheetDrawing" xmlns:ns11="http://schemas.openxmlformats.org/drawingml/2006/compatibility" xmlns:ns12="http://schemas.openxmlformats.org/drawingml/2006/lockedCanvas" type="title" preserve="true">
   <p:cSld name="Title Slide">
     <p:spTree>
       <p:nvGrpSpPr>
@@ -312,7 +312,7 @@
 </file>
 
 <file path=ppt/slideLayouts/slideLayout10.xml><?xml version="1.0" encoding="utf-8"?>
-<p:sldLayout xmlns:p="http://schemas.openxmlformats.org/presentationml/2006/main" xmlns:a="http://schemas.openxmlformats.org/drawingml/2006/main" xmlns:r="http://schemas.openxmlformats.org/officeDocument/2006/relationships" xmlns:mc="http://schemas.openxmlformats.org/markup-compatibility/2006" xmlns:c="http://schemas.openxmlformats.org/drawingml/2006/chart" xmlns:ns6="http://schemas.openxmlformats.org/drawingml/2006/chartDrawing" xmlns:dgm="http://schemas.openxmlformats.org/drawingml/2006/diagram" xmlns:pic="http://schemas.openxmlformats.org/drawingml/2006/picture" xmlns:wp="http://schemas.openxmlformats.org/drawingml/2006/wordprocessingDrawing" xmlns:xdr="http://schemas.openxmlformats.org/drawingml/2006/spreadsheetDrawing" xmlns:ns11="http://schemas.openxmlformats.org/drawingml/2006/compatibility" xmlns:ns12="http://schemas.openxmlformats.org/drawingml/2006/lockedCanvas" type="vertTitleAndTx" preserve="true">
+<p:sldLayout xmlns:a="http://schemas.openxmlformats.org/drawingml/2006/main" xmlns:r="http://schemas.openxmlformats.org/officeDocument/2006/relationships" xmlns:p="http://schemas.openxmlformats.org/presentationml/2006/main" xmlns:mc="http://schemas.openxmlformats.org/markup-compatibility/2006" xmlns:c="http://schemas.openxmlformats.org/drawingml/2006/chart" xmlns:ns6="http://schemas.openxmlformats.org/drawingml/2006/chartDrawing" xmlns:dgm="http://schemas.openxmlformats.org/drawingml/2006/diagram" xmlns:pic="http://schemas.openxmlformats.org/drawingml/2006/picture" xmlns:wp="http://schemas.openxmlformats.org/drawingml/2006/wordprocessingDrawing" xmlns:xdr="http://schemas.openxmlformats.org/drawingml/2006/spreadsheetDrawing" xmlns:ns11="http://schemas.openxmlformats.org/drawingml/2006/compatibility" xmlns:ns12="http://schemas.openxmlformats.org/drawingml/2006/lockedCanvas" type="vertTitleAndTx" preserve="true">
   <p:cSld name="Vertical Title and Text">
     <p:spTree>
       <p:nvGrpSpPr>
@@ -499,7 +499,7 @@
 </file>
 
 <file path=ppt/slideLayouts/slideLayout2.xml><?xml version="1.0" encoding="utf-8"?>
-<p:sldLayout xmlns:p="http://schemas.openxmlformats.org/presentationml/2006/main" xmlns:a="http://schemas.openxmlformats.org/drawingml/2006/main" xmlns:r="http://schemas.openxmlformats.org/officeDocument/2006/relationships" xmlns:mc="http://schemas.openxmlformats.org/markup-compatibility/2006" xmlns:c="http://schemas.openxmlformats.org/drawingml/2006/chart" xmlns:ns6="http://schemas.openxmlformats.org/drawingml/2006/chartDrawing" xmlns:dgm="http://schemas.openxmlformats.org/drawingml/2006/diagram" xmlns:pic="http://schemas.openxmlformats.org/drawingml/2006/picture" xmlns:wp="http://schemas.openxmlformats.org/drawingml/2006/wordprocessingDrawing" xmlns:xdr="http://schemas.openxmlformats.org/drawingml/2006/spreadsheetDrawing" xmlns:ns11="http://schemas.openxmlformats.org/drawingml/2006/compatibility" xmlns:ns12="http://schemas.openxmlformats.org/drawingml/2006/lockedCanvas" type="obj" preserve="true">
+<p:sldLayout xmlns:a="http://schemas.openxmlformats.org/drawingml/2006/main" xmlns:r="http://schemas.openxmlformats.org/officeDocument/2006/relationships" xmlns:p="http://schemas.openxmlformats.org/presentationml/2006/main" xmlns:mc="http://schemas.openxmlformats.org/markup-compatibility/2006" xmlns:c="http://schemas.openxmlformats.org/drawingml/2006/chart" xmlns:ns6="http://schemas.openxmlformats.org/drawingml/2006/chartDrawing" xmlns:dgm="http://schemas.openxmlformats.org/drawingml/2006/diagram" xmlns:pic="http://schemas.openxmlformats.org/drawingml/2006/picture" xmlns:wp="http://schemas.openxmlformats.org/drawingml/2006/wordprocessingDrawing" xmlns:xdr="http://schemas.openxmlformats.org/drawingml/2006/spreadsheetDrawing" xmlns:ns11="http://schemas.openxmlformats.org/drawingml/2006/compatibility" xmlns:ns12="http://schemas.openxmlformats.org/drawingml/2006/lockedCanvas" type="obj" preserve="true">
   <p:cSld name="Title and Content">
     <p:spTree>
       <p:nvGrpSpPr>
@@ -681,7 +681,7 @@
 </file>
 
 <file path=ppt/slideLayouts/slideLayout3.xml><?xml version="1.0" encoding="utf-8"?>
-<p:sldLayout xmlns:p="http://schemas.openxmlformats.org/presentationml/2006/main" xmlns:a="http://schemas.openxmlformats.org/drawingml/2006/main" xmlns:r="http://schemas.openxmlformats.org/officeDocument/2006/relationships" xmlns:mc="http://schemas.openxmlformats.org/markup-compatibility/2006" xmlns:c="http://schemas.openxmlformats.org/drawingml/2006/chart" xmlns:ns6="http://schemas.openxmlformats.org/drawingml/2006/chartDrawing" xmlns:dgm="http://schemas.openxmlformats.org/drawingml/2006/diagram" xmlns:pic="http://schemas.openxmlformats.org/drawingml/2006/picture" xmlns:wp="http://schemas.openxmlformats.org/drawingml/2006/wordprocessingDrawing" xmlns:xdr="http://schemas.openxmlformats.org/drawingml/2006/spreadsheetDrawing" xmlns:ns11="http://schemas.openxmlformats.org/drawingml/2006/compatibility" xmlns:ns12="http://schemas.openxmlformats.org/drawingml/2006/lockedCanvas" type="secHead" preserve="true">
+<p:sldLayout xmlns:a="http://schemas.openxmlformats.org/drawingml/2006/main" xmlns:r="http://schemas.openxmlformats.org/officeDocument/2006/relationships" xmlns:p="http://schemas.openxmlformats.org/presentationml/2006/main" xmlns:mc="http://schemas.openxmlformats.org/markup-compatibility/2006" xmlns:c="http://schemas.openxmlformats.org/drawingml/2006/chart" xmlns:ns6="http://schemas.openxmlformats.org/drawingml/2006/chartDrawing" xmlns:dgm="http://schemas.openxmlformats.org/drawingml/2006/diagram" xmlns:pic="http://schemas.openxmlformats.org/drawingml/2006/picture" xmlns:wp="http://schemas.openxmlformats.org/drawingml/2006/wordprocessingDrawing" xmlns:xdr="http://schemas.openxmlformats.org/drawingml/2006/spreadsheetDrawing" xmlns:ns11="http://schemas.openxmlformats.org/drawingml/2006/compatibility" xmlns:ns12="http://schemas.openxmlformats.org/drawingml/2006/lockedCanvas" type="secHead" preserve="true">
   <p:cSld name="Section Header">
     <p:spTree>
       <p:nvGrpSpPr>
@@ -934,7 +934,7 @@
 </file>
 
 <file path=ppt/slideLayouts/slideLayout4.xml><?xml version="1.0" encoding="utf-8"?>
-<p:sldLayout xmlns:p="http://schemas.openxmlformats.org/presentationml/2006/main" xmlns:a="http://schemas.openxmlformats.org/drawingml/2006/main" xmlns:r="http://schemas.openxmlformats.org/officeDocument/2006/relationships" xmlns:mc="http://schemas.openxmlformats.org/markup-compatibility/2006" xmlns:c="http://schemas.openxmlformats.org/drawingml/2006/chart" xmlns:ns6="http://schemas.openxmlformats.org/drawingml/2006/chartDrawing" xmlns:dgm="http://schemas.openxmlformats.org/drawingml/2006/diagram" xmlns:pic="http://schemas.openxmlformats.org/drawingml/2006/picture" xmlns:wp="http://schemas.openxmlformats.org/drawingml/2006/wordprocessingDrawing" xmlns:xdr="http://schemas.openxmlformats.org/drawingml/2006/spreadsheetDrawing" xmlns:ns11="http://schemas.openxmlformats.org/drawingml/2006/compatibility" xmlns:ns12="http://schemas.openxmlformats.org/drawingml/2006/lockedCanvas" type="twoObj" preserve="true">
+<p:sldLayout xmlns:a="http://schemas.openxmlformats.org/drawingml/2006/main" xmlns:r="http://schemas.openxmlformats.org/officeDocument/2006/relationships" xmlns:p="http://schemas.openxmlformats.org/presentationml/2006/main" xmlns:mc="http://schemas.openxmlformats.org/markup-compatibility/2006" xmlns:c="http://schemas.openxmlformats.org/drawingml/2006/chart" xmlns:ns6="http://schemas.openxmlformats.org/drawingml/2006/chartDrawing" xmlns:dgm="http://schemas.openxmlformats.org/drawingml/2006/diagram" xmlns:pic="http://schemas.openxmlformats.org/drawingml/2006/picture" xmlns:wp="http://schemas.openxmlformats.org/drawingml/2006/wordprocessingDrawing" xmlns:xdr="http://schemas.openxmlformats.org/drawingml/2006/spreadsheetDrawing" xmlns:ns11="http://schemas.openxmlformats.org/drawingml/2006/compatibility" xmlns:ns12="http://schemas.openxmlformats.org/drawingml/2006/lockedCanvas" type="twoObj" preserve="true">
   <p:cSld name="Two Content">
     <p:spTree>
       <p:nvGrpSpPr>
@@ -1173,7 +1173,7 @@
 </file>
 
 <file path=ppt/slideLayouts/slideLayout5.xml><?xml version="1.0" encoding="utf-8"?>
-<p:sldLayout xmlns:p="http://schemas.openxmlformats.org/presentationml/2006/main" xmlns:a="http://schemas.openxmlformats.org/drawingml/2006/main" xmlns:r="http://schemas.openxmlformats.org/officeDocument/2006/relationships" xmlns:mc="http://schemas.openxmlformats.org/markup-compatibility/2006" xmlns:c="http://schemas.openxmlformats.org/drawingml/2006/chart" xmlns:ns6="http://schemas.openxmlformats.org/drawingml/2006/chartDrawing" xmlns:dgm="http://schemas.openxmlformats.org/drawingml/2006/diagram" xmlns:pic="http://schemas.openxmlformats.org/drawingml/2006/picture" xmlns:wp="http://schemas.openxmlformats.org/drawingml/2006/wordprocessingDrawing" xmlns:xdr="http://schemas.openxmlformats.org/drawingml/2006/spreadsheetDrawing" xmlns:ns11="http://schemas.openxmlformats.org/drawingml/2006/compatibility" xmlns:ns12="http://schemas.openxmlformats.org/drawingml/2006/lockedCanvas" type="twoTxTwoObj" preserve="true">
+<p:sldLayout xmlns:a="http://schemas.openxmlformats.org/drawingml/2006/main" xmlns:r="http://schemas.openxmlformats.org/officeDocument/2006/relationships" xmlns:p="http://schemas.openxmlformats.org/presentationml/2006/main" xmlns:mc="http://schemas.openxmlformats.org/markup-compatibility/2006" xmlns:c="http://schemas.openxmlformats.org/drawingml/2006/chart" xmlns:ns6="http://schemas.openxmlformats.org/drawingml/2006/chartDrawing" xmlns:dgm="http://schemas.openxmlformats.org/drawingml/2006/diagram" xmlns:pic="http://schemas.openxmlformats.org/drawingml/2006/picture" xmlns:wp="http://schemas.openxmlformats.org/drawingml/2006/wordprocessingDrawing" xmlns:xdr="http://schemas.openxmlformats.org/drawingml/2006/spreadsheetDrawing" xmlns:ns11="http://schemas.openxmlformats.org/drawingml/2006/compatibility" xmlns:ns12="http://schemas.openxmlformats.org/drawingml/2006/lockedCanvas" type="twoTxTwoObj" preserve="true">
   <p:cSld name="Comparison">
     <p:spTree>
       <p:nvGrpSpPr>
@@ -1528,7 +1528,7 @@
 </file>
 
 <file path=ppt/slideLayouts/slideLayout6.xml><?xml version="1.0" encoding="utf-8"?>
-<p:sldLayout xmlns:p="http://schemas.openxmlformats.org/presentationml/2006/main" xmlns:a="http://schemas.openxmlformats.org/drawingml/2006/main" xmlns:r="http://schemas.openxmlformats.org/officeDocument/2006/relationships" xmlns:mc="http://schemas.openxmlformats.org/markup-compatibility/2006" xmlns:c="http://schemas.openxmlformats.org/drawingml/2006/chart" xmlns:ns6="http://schemas.openxmlformats.org/drawingml/2006/chartDrawing" xmlns:dgm="http://schemas.openxmlformats.org/drawingml/2006/diagram" xmlns:pic="http://schemas.openxmlformats.org/drawingml/2006/picture" xmlns:wp="http://schemas.openxmlformats.org/drawingml/2006/wordprocessingDrawing" xmlns:xdr="http://schemas.openxmlformats.org/drawingml/2006/spreadsheetDrawing" xmlns:ns11="http://schemas.openxmlformats.org/drawingml/2006/compatibility" xmlns:ns12="http://schemas.openxmlformats.org/drawingml/2006/lockedCanvas" type="titleOnly" preserve="true">
+<p:sldLayout xmlns:a="http://schemas.openxmlformats.org/drawingml/2006/main" xmlns:r="http://schemas.openxmlformats.org/officeDocument/2006/relationships" xmlns:p="http://schemas.openxmlformats.org/presentationml/2006/main" xmlns:mc="http://schemas.openxmlformats.org/markup-compatibility/2006" xmlns:c="http://schemas.openxmlformats.org/drawingml/2006/chart" xmlns:ns6="http://schemas.openxmlformats.org/drawingml/2006/chartDrawing" xmlns:dgm="http://schemas.openxmlformats.org/drawingml/2006/diagram" xmlns:pic="http://schemas.openxmlformats.org/drawingml/2006/picture" xmlns:wp="http://schemas.openxmlformats.org/drawingml/2006/wordprocessingDrawing" xmlns:xdr="http://schemas.openxmlformats.org/drawingml/2006/spreadsheetDrawing" xmlns:ns11="http://schemas.openxmlformats.org/drawingml/2006/compatibility" xmlns:ns12="http://schemas.openxmlformats.org/drawingml/2006/lockedCanvas" type="titleOnly" preserve="true">
   <p:cSld name="Title Only">
     <p:spTree>
       <p:nvGrpSpPr>
@@ -1653,7 +1653,7 @@
 </file>
 
 <file path=ppt/slideLayouts/slideLayout7.xml><?xml version="1.0" encoding="utf-8"?>
-<p:sldLayout xmlns:p="http://schemas.openxmlformats.org/presentationml/2006/main" xmlns:a="http://schemas.openxmlformats.org/drawingml/2006/main" xmlns:r="http://schemas.openxmlformats.org/officeDocument/2006/relationships" xmlns:mc="http://schemas.openxmlformats.org/markup-compatibility/2006" xmlns:c="http://schemas.openxmlformats.org/drawingml/2006/chart" xmlns:ns6="http://schemas.openxmlformats.org/drawingml/2006/chartDrawing" xmlns:dgm="http://schemas.openxmlformats.org/drawingml/2006/diagram" xmlns:pic="http://schemas.openxmlformats.org/drawingml/2006/picture" xmlns:wp="http://schemas.openxmlformats.org/drawingml/2006/wordprocessingDrawing" xmlns:xdr="http://schemas.openxmlformats.org/drawingml/2006/spreadsheetDrawing" xmlns:ns11="http://schemas.openxmlformats.org/drawingml/2006/compatibility" xmlns:ns12="http://schemas.openxmlformats.org/drawingml/2006/lockedCanvas" type="blank" preserve="true">
+<p:sldLayout xmlns:a="http://schemas.openxmlformats.org/drawingml/2006/main" xmlns:r="http://schemas.openxmlformats.org/officeDocument/2006/relationships" xmlns:p="http://schemas.openxmlformats.org/presentationml/2006/main" xmlns:mc="http://schemas.openxmlformats.org/markup-compatibility/2006" xmlns:c="http://schemas.openxmlformats.org/drawingml/2006/chart" xmlns:ns6="http://schemas.openxmlformats.org/drawingml/2006/chartDrawing" xmlns:dgm="http://schemas.openxmlformats.org/drawingml/2006/diagram" xmlns:pic="http://schemas.openxmlformats.org/drawingml/2006/picture" xmlns:wp="http://schemas.openxmlformats.org/drawingml/2006/wordprocessingDrawing" xmlns:xdr="http://schemas.openxmlformats.org/drawingml/2006/spreadsheetDrawing" xmlns:ns11="http://schemas.openxmlformats.org/drawingml/2006/compatibility" xmlns:ns12="http://schemas.openxmlformats.org/drawingml/2006/lockedCanvas" type="blank" preserve="true">
   <p:cSld name="Blank">
     <p:spTree>
       <p:nvGrpSpPr>
@@ -1755,7 +1755,7 @@
 </file>
 
 <file path=ppt/slideLayouts/slideLayout8.xml><?xml version="1.0" encoding="utf-8"?>
-<p:sldLayout xmlns:p="http://schemas.openxmlformats.org/presentationml/2006/main" xmlns:a="http://schemas.openxmlformats.org/drawingml/2006/main" xmlns:r="http://schemas.openxmlformats.org/officeDocument/2006/relationships" xmlns:mc="http://schemas.openxmlformats.org/markup-compatibility/2006" xmlns:c="http://schemas.openxmlformats.org/drawingml/2006/chart" xmlns:ns6="http://schemas.openxmlformats.org/drawingml/2006/chartDrawing" xmlns:dgm="http://schemas.openxmlformats.org/drawingml/2006/diagram" xmlns:pic="http://schemas.openxmlformats.org/drawingml/2006/picture" xmlns:wp="http://schemas.openxmlformats.org/drawingml/2006/wordprocessingDrawing" xmlns:xdr="http://schemas.openxmlformats.org/drawingml/2006/spreadsheetDrawing" xmlns:ns11="http://schemas.openxmlformats.org/drawingml/2006/compatibility" xmlns:ns12="http://schemas.openxmlformats.org/drawingml/2006/lockedCanvas" type="objTx" preserve="true">
+<p:sldLayout xmlns:a="http://schemas.openxmlformats.org/drawingml/2006/main" xmlns:r="http://schemas.openxmlformats.org/officeDocument/2006/relationships" xmlns:p="http://schemas.openxmlformats.org/presentationml/2006/main" xmlns:mc="http://schemas.openxmlformats.org/markup-compatibility/2006" xmlns:c="http://schemas.openxmlformats.org/drawingml/2006/chart" xmlns:ns6="http://schemas.openxmlformats.org/drawingml/2006/chartDrawing" xmlns:dgm="http://schemas.openxmlformats.org/drawingml/2006/diagram" xmlns:pic="http://schemas.openxmlformats.org/drawingml/2006/picture" xmlns:wp="http://schemas.openxmlformats.org/drawingml/2006/wordprocessingDrawing" xmlns:xdr="http://schemas.openxmlformats.org/drawingml/2006/spreadsheetDrawing" xmlns:ns11="http://schemas.openxmlformats.org/drawingml/2006/compatibility" xmlns:ns12="http://schemas.openxmlformats.org/drawingml/2006/lockedCanvas" type="objTx" preserve="true">
   <p:cSld name="Content with Caption">
     <p:spTree>
       <p:nvGrpSpPr>
@@ -2039,7 +2039,7 @@
 </file>
 
 <file path=ppt/slideLayouts/slideLayout9.xml><?xml version="1.0" encoding="utf-8"?>
-<p:sldLayout xmlns:p="http://schemas.openxmlformats.org/presentationml/2006/main" xmlns:a="http://schemas.openxmlformats.org/drawingml/2006/main" xmlns:r="http://schemas.openxmlformats.org/officeDocument/2006/relationships" xmlns:mc="http://schemas.openxmlformats.org/markup-compatibility/2006" xmlns:c="http://schemas.openxmlformats.org/drawingml/2006/chart" xmlns:ns6="http://schemas.openxmlformats.org/drawingml/2006/chartDrawing" xmlns:dgm="http://schemas.openxmlformats.org/drawingml/2006/diagram" xmlns:pic="http://schemas.openxmlformats.org/drawingml/2006/picture" xmlns:wp="http://schemas.openxmlformats.org/drawingml/2006/wordprocessingDrawing" xmlns:xdr="http://schemas.openxmlformats.org/drawingml/2006/spreadsheetDrawing" xmlns:ns11="http://schemas.openxmlformats.org/drawingml/2006/compatibility" xmlns:ns12="http://schemas.openxmlformats.org/drawingml/2006/lockedCanvas" type="vertTx" preserve="true">
+<p:sldLayout xmlns:a="http://schemas.openxmlformats.org/drawingml/2006/main" xmlns:r="http://schemas.openxmlformats.org/officeDocument/2006/relationships" xmlns:p="http://schemas.openxmlformats.org/presentationml/2006/main" xmlns:mc="http://schemas.openxmlformats.org/markup-compatibility/2006" xmlns:c="http://schemas.openxmlformats.org/drawingml/2006/chart" xmlns:ns6="http://schemas.openxmlformats.org/drawingml/2006/chartDrawing" xmlns:dgm="http://schemas.openxmlformats.org/drawingml/2006/diagram" xmlns:pic="http://schemas.openxmlformats.org/drawingml/2006/picture" xmlns:wp="http://schemas.openxmlformats.org/drawingml/2006/wordprocessingDrawing" xmlns:xdr="http://schemas.openxmlformats.org/drawingml/2006/spreadsheetDrawing" xmlns:ns11="http://schemas.openxmlformats.org/drawingml/2006/compatibility" xmlns:ns12="http://schemas.openxmlformats.org/drawingml/2006/lockedCanvas" type="vertTx" preserve="true">
   <p:cSld name="Title and Vertical Text">
     <p:spTree>
       <p:nvGrpSpPr>
@@ -2216,7 +2216,7 @@
 </file>
 
 <file path=ppt/slideMasters/slideMaster1.xml><?xml version="1.0" encoding="utf-8"?>
-<p:sldMaster xmlns:p="http://schemas.openxmlformats.org/presentationml/2006/main" xmlns:a="http://schemas.openxmlformats.org/drawingml/2006/main" xmlns:r="http://schemas.openxmlformats.org/officeDocument/2006/relationships" xmlns:mc="http://schemas.openxmlformats.org/markup-compatibility/2006" xmlns:c="http://schemas.openxmlformats.org/drawingml/2006/chart" xmlns:ns6="http://schemas.openxmlformats.org/drawingml/2006/chartDrawing" xmlns:dgm="http://schemas.openxmlformats.org/drawingml/2006/diagram" xmlns:pic="http://schemas.openxmlformats.org/drawingml/2006/picture" xmlns:wp="http://schemas.openxmlformats.org/drawingml/2006/wordprocessingDrawing" xmlns:xdr="http://schemas.openxmlformats.org/drawingml/2006/spreadsheetDrawing" xmlns:ns11="http://schemas.openxmlformats.org/drawingml/2006/compatibility" xmlns:ns12="http://schemas.openxmlformats.org/drawingml/2006/lockedCanvas">
+<p:sldMaster xmlns:a="http://schemas.openxmlformats.org/drawingml/2006/main" xmlns:r="http://schemas.openxmlformats.org/officeDocument/2006/relationships" xmlns:p="http://schemas.openxmlformats.org/presentationml/2006/main" xmlns:mc="http://schemas.openxmlformats.org/markup-compatibility/2006" xmlns:c="http://schemas.openxmlformats.org/drawingml/2006/chart" xmlns:ns6="http://schemas.openxmlformats.org/drawingml/2006/chartDrawing" xmlns:dgm="http://schemas.openxmlformats.org/drawingml/2006/diagram" xmlns:pic="http://schemas.openxmlformats.org/drawingml/2006/picture" xmlns:wp="http://schemas.openxmlformats.org/drawingml/2006/wordprocessingDrawing" xmlns:xdr="http://schemas.openxmlformats.org/drawingml/2006/spreadsheetDrawing" xmlns:ns11="http://schemas.openxmlformats.org/drawingml/2006/compatibility" xmlns:ns12="http://schemas.openxmlformats.org/drawingml/2006/lockedCanvas">
   <p:cSld>
     <p:bg>
       <p:bgRef idx="1001">
@@ -2762,7 +2762,7 @@
 </file>
 
 <file path=ppt/slides/slide1.xml><?xml version="1.0" encoding="utf-8"?>
-<p:sld xmlns:p="http://schemas.openxmlformats.org/presentationml/2006/main" xmlns:a="http://schemas.openxmlformats.org/drawingml/2006/main" xmlns:r="http://schemas.openxmlformats.org/officeDocument/2006/relationships" xmlns:mc="http://schemas.openxmlformats.org/markup-compatibility/2006" xmlns:c="http://schemas.openxmlformats.org/drawingml/2006/chart" xmlns:ns6="http://schemas.openxmlformats.org/drawingml/2006/chartDrawing" xmlns:dgm="http://schemas.openxmlformats.org/drawingml/2006/diagram" xmlns:pic="http://schemas.openxmlformats.org/drawingml/2006/picture" xmlns:wp="http://schemas.openxmlformats.org/drawingml/2006/wordprocessingDrawing" xmlns:xdr="http://schemas.openxmlformats.org/drawingml/2006/spreadsheetDrawing" xmlns:ns11="http://schemas.openxmlformats.org/drawingml/2006/compatibility" xmlns:ns12="http://schemas.openxmlformats.org/drawingml/2006/lockedCanvas">
+<p:sld xmlns:a="http://schemas.openxmlformats.org/drawingml/2006/main" xmlns:r="http://schemas.openxmlformats.org/officeDocument/2006/relationships" xmlns:p="http://schemas.openxmlformats.org/presentationml/2006/main" xmlns:mc="http://schemas.openxmlformats.org/markup-compatibility/2006" xmlns:c="http://schemas.openxmlformats.org/drawingml/2006/chart" xmlns:ns6="http://schemas.openxmlformats.org/drawingml/2006/chartDrawing" xmlns:dgm="http://schemas.openxmlformats.org/drawingml/2006/diagram" xmlns:pic="http://schemas.openxmlformats.org/drawingml/2006/picture" xmlns:wp="http://schemas.openxmlformats.org/drawingml/2006/wordprocessingDrawing" xmlns:xdr="http://schemas.openxmlformats.org/drawingml/2006/spreadsheetDrawing" xmlns:ns11="http://schemas.openxmlformats.org/drawingml/2006/compatibility" xmlns:ns12="http://schemas.openxmlformats.org/drawingml/2006/lockedCanvas">
   <p:cSld>
     <p:spTree>
       <p:nvGrpSpPr>
